--- a/7th-sem/internship/Presentation.pptx
+++ b/7th-sem/internship/Presentation.pptx
@@ -5,7 +5,7 @@
     <p:sldMasterId id="2147483648" r:id="rId1"/>
   </p:sldMasterIdLst>
   <p:notesMasterIdLst>
-    <p:notesMasterId r:id="rId21"/>
+    <p:notesMasterId r:id="rId24"/>
   </p:notesMasterIdLst>
   <p:sldIdLst>
     <p:sldId id="256" r:id="rId4"/>
@@ -25,6 +25,9 @@
     <p:sldId id="270" r:id="rId18"/>
     <p:sldId id="271" r:id="rId19"/>
     <p:sldId id="272" r:id="rId20"/>
+    <p:sldId id="273" r:id="rId21"/>
+    <p:sldId id="274" r:id="rId22"/>
+    <p:sldId id="275" r:id="rId23"/>
   </p:sldIdLst>
   <p:sldSz cx="12192000" cy="6858000"/>
   <p:notesSz cx="6858000" cy="9144000"/>
@@ -150,7 +153,7 @@
       </p:grpSpPr>
       <p:sp>
         <p:nvSpPr>
-          <p:cNvPr id="1332743678" name="Header Placeholder 1"/>
+          <p:cNvPr id="603766196" name="Header Placeholder 1"/>
           <p:cNvSpPr>
             <a:spLocks noGrp="1"/>
           </p:cNvSpPr>
@@ -184,7 +187,7 @@
       </p:sp>
       <p:sp>
         <p:nvSpPr>
-          <p:cNvPr id="920336264" name="Date Placeholder 2"/>
+          <p:cNvPr id="12536805" name="Date Placeholder 2"/>
           <p:cNvSpPr>
             <a:spLocks noGrp="1"/>
           </p:cNvSpPr>
@@ -222,7 +225,7 @@
       </p:sp>
       <p:sp>
         <p:nvSpPr>
-          <p:cNvPr id="1410911933" name="Slide Image Placeholder 3"/>
+          <p:cNvPr id="225459829" name="Slide Image Placeholder 3"/>
           <p:cNvSpPr>
             <a:spLocks noChangeAspect="1" noGrp="1" noRot="1"/>
           </p:cNvSpPr>
@@ -258,7 +261,7 @@
       </p:sp>
       <p:sp>
         <p:nvSpPr>
-          <p:cNvPr id="1176334535" name="Notes Placeholder 4"/>
+          <p:cNvPr id="2013220088" name="Notes Placeholder 4"/>
           <p:cNvSpPr>
             <a:spLocks noGrp="1"/>
           </p:cNvSpPr>
@@ -332,7 +335,7 @@
       </p:sp>
       <p:sp>
         <p:nvSpPr>
-          <p:cNvPr id="768629979" name="Footer Placeholder 5"/>
+          <p:cNvPr id="1504584605" name="Footer Placeholder 5"/>
           <p:cNvSpPr>
             <a:spLocks noGrp="1"/>
           </p:cNvSpPr>
@@ -366,7 +369,7 @@
       </p:sp>
       <p:sp>
         <p:nvSpPr>
-          <p:cNvPr id="1498121936" name="Slide Number Placeholder 6"/>
+          <p:cNvPr id="1769693603" name="Slide Number Placeholder 6"/>
           <p:cNvSpPr>
             <a:spLocks noGrp="1"/>
           </p:cNvSpPr>
@@ -520,7 +523,7 @@
       </p:grpSpPr>
       <p:sp>
         <p:nvSpPr>
-          <p:cNvPr id="534379820" name="Slide Image Placeholder 1"/>
+          <p:cNvPr id="1448107739" name="Slide Image Placeholder 1"/>
           <p:cNvSpPr>
             <a:spLocks noChangeAspect="1" noGrp="1" noRot="1"/>
           </p:cNvSpPr>
@@ -537,7 +540,7 @@
       </p:sp>
       <p:sp>
         <p:nvSpPr>
-          <p:cNvPr id="2021346887" name="Notes Placeholder 2"/>
+          <p:cNvPr id="1111426412" name="Notes Placeholder 2"/>
           <p:cNvSpPr>
             <a:spLocks noGrp="1"/>
           </p:cNvSpPr>
@@ -562,7 +565,7 @@
       </p:sp>
       <p:sp>
         <p:nvSpPr>
-          <p:cNvPr id="409223273" name="Slide Number Placeholder 3"/>
+          <p:cNvPr id="302369508" name="Slide Number Placeholder 3"/>
           <p:cNvSpPr>
             <a:spLocks noGrp="1"/>
           </p:cNvSpPr>
@@ -610,7 +613,7 @@
       </p:grpSpPr>
       <p:sp>
         <p:nvSpPr>
-          <p:cNvPr id="537052408" name="Slide Image Placeholder 1"/>
+          <p:cNvPr id="1880247415" name="Slide Image Placeholder 1"/>
           <p:cNvSpPr>
             <a:spLocks noChangeAspect="1" noGrp="1" noRot="1"/>
           </p:cNvSpPr>
@@ -622,7 +625,7 @@
       </p:sp>
       <p:sp>
         <p:nvSpPr>
-          <p:cNvPr id="1162184529" name="Notes Placeholder 2"/>
+          <p:cNvPr id="1400503104" name="Notes Placeholder 2"/>
           <p:cNvSpPr>
             <a:spLocks noGrp="1"/>
           </p:cNvSpPr>
@@ -644,7 +647,7 @@
       </p:sp>
       <p:sp>
         <p:nvSpPr>
-          <p:cNvPr id="1587578470" name="Slide Number Placeholder 3"/>
+          <p:cNvPr id="1543006874" name="Slide Number Placeholder 3"/>
           <p:cNvSpPr>
             <a:spLocks noGrp="1"/>
           </p:cNvSpPr>
@@ -660,7 +663,7 @@
             <a:pPr>
               <a:defRPr/>
             </a:pPr>
-            <a:fld id="{F2FFFE1F-E216-B15A-BDCB-00653A149A16}" type="slidenum">
+            <a:fld id="{0E68A04A-1296-7E4D-9032-66048A4CFD46}" type="slidenum">
               <a:rPr/>
               <a:t/>
             </a:fld>
@@ -692,7 +695,7 @@
       </p:grpSpPr>
       <p:sp>
         <p:nvSpPr>
-          <p:cNvPr id="1090736861" name="Slide Image Placeholder 1"/>
+          <p:cNvPr id="1427533480" name="Slide Image Placeholder 1"/>
           <p:cNvSpPr>
             <a:spLocks noChangeAspect="1" noGrp="1" noRot="1"/>
           </p:cNvSpPr>
@@ -704,7 +707,7 @@
       </p:sp>
       <p:sp>
         <p:nvSpPr>
-          <p:cNvPr id="188993132" name="Notes Placeholder 2"/>
+          <p:cNvPr id="771743617" name="Notes Placeholder 2"/>
           <p:cNvSpPr>
             <a:spLocks noGrp="1"/>
           </p:cNvSpPr>
@@ -726,7 +729,7 @@
       </p:sp>
       <p:sp>
         <p:nvSpPr>
-          <p:cNvPr id="392541621" name="Slide Number Placeholder 3"/>
+          <p:cNvPr id="106350209" name="Slide Number Placeholder 3"/>
           <p:cNvSpPr>
             <a:spLocks noGrp="1"/>
           </p:cNvSpPr>
@@ -742,7 +745,7 @@
             <a:pPr>
               <a:defRPr/>
             </a:pPr>
-            <a:fld id="{AB10B089-0844-1EAC-CF1A-7D383624B585}" type="slidenum">
+            <a:fld id="{0DE72FD9-0917-2753-4F87-2A2A8856AE5F}" type="slidenum">
               <a:rPr/>
               <a:t/>
             </a:fld>
@@ -774,7 +777,7 @@
       </p:grpSpPr>
       <p:sp>
         <p:nvSpPr>
-          <p:cNvPr id="2091918360" name="Slide Image Placeholder 1"/>
+          <p:cNvPr id="65877975" name="Slide Image Placeholder 1"/>
           <p:cNvSpPr>
             <a:spLocks noChangeAspect="1" noGrp="1" noRot="1"/>
           </p:cNvSpPr>
@@ -786,7 +789,7 @@
       </p:sp>
       <p:sp>
         <p:nvSpPr>
-          <p:cNvPr id="908977198" name="Notes Placeholder 2"/>
+          <p:cNvPr id="2050264098" name="Notes Placeholder 2"/>
           <p:cNvSpPr>
             <a:spLocks noGrp="1"/>
           </p:cNvSpPr>
@@ -808,7 +811,7 @@
       </p:sp>
       <p:sp>
         <p:nvSpPr>
-          <p:cNvPr id="987255212" name="Slide Number Placeholder 3"/>
+          <p:cNvPr id="1977517919" name="Slide Number Placeholder 3"/>
           <p:cNvSpPr>
             <a:spLocks noGrp="1"/>
           </p:cNvSpPr>
@@ -824,7 +827,7 @@
             <a:pPr>
               <a:defRPr/>
             </a:pPr>
-            <a:fld id="{65F23BA1-D40B-44A3-D34D-229DC76DC654}" type="slidenum">
+            <a:fld id="{5E779485-EB62-8F9A-B2D5-C94EBF42613F}" type="slidenum">
               <a:rPr/>
               <a:t/>
             </a:fld>
@@ -856,7 +859,7 @@
       </p:grpSpPr>
       <p:sp>
         <p:nvSpPr>
-          <p:cNvPr id="197030049" name="Slide Image Placeholder 1"/>
+          <p:cNvPr id="1843794368" name="Slide Image Placeholder 1"/>
           <p:cNvSpPr>
             <a:spLocks noChangeAspect="1" noGrp="1" noRot="1"/>
           </p:cNvSpPr>
@@ -868,7 +871,7 @@
       </p:sp>
       <p:sp>
         <p:nvSpPr>
-          <p:cNvPr id="298631032" name="Notes Placeholder 2"/>
+          <p:cNvPr id="291766746" name="Notes Placeholder 2"/>
           <p:cNvSpPr>
             <a:spLocks noGrp="1"/>
           </p:cNvSpPr>
@@ -890,7 +893,7 @@
       </p:sp>
       <p:sp>
         <p:nvSpPr>
-          <p:cNvPr id="1795197960" name="Slide Number Placeholder 3"/>
+          <p:cNvPr id="1562400197" name="Slide Number Placeholder 3"/>
           <p:cNvSpPr>
             <a:spLocks noGrp="1"/>
           </p:cNvSpPr>
@@ -906,7 +909,7 @@
             <a:pPr>
               <a:defRPr/>
             </a:pPr>
-            <a:fld id="{99F73859-CD8C-23F0-9B06-762F510E8B3C}" type="slidenum">
+            <a:fld id="{F2FFFE1F-E216-B15A-BDCB-00653A149A16}" type="slidenum">
               <a:rPr/>
               <a:t/>
             </a:fld>
@@ -938,7 +941,7 @@
       </p:grpSpPr>
       <p:sp>
         <p:nvSpPr>
-          <p:cNvPr id="1002785096" name="Slide Image Placeholder 1"/>
+          <p:cNvPr id="91158253" name="Slide Image Placeholder 1"/>
           <p:cNvSpPr>
             <a:spLocks noChangeAspect="1" noGrp="1" noRot="1"/>
           </p:cNvSpPr>
@@ -950,7 +953,7 @@
       </p:sp>
       <p:sp>
         <p:nvSpPr>
-          <p:cNvPr id="1937160243" name="Notes Placeholder 2"/>
+          <p:cNvPr id="1506500436" name="Notes Placeholder 2"/>
           <p:cNvSpPr>
             <a:spLocks noGrp="1"/>
           </p:cNvSpPr>
@@ -972,7 +975,7 @@
       </p:sp>
       <p:sp>
         <p:nvSpPr>
-          <p:cNvPr id="1848246333" name="Slide Number Placeholder 3"/>
+          <p:cNvPr id="1521247150" name="Slide Number Placeholder 3"/>
           <p:cNvSpPr>
             <a:spLocks noGrp="1"/>
           </p:cNvSpPr>
@@ -988,7 +991,7 @@
             <a:pPr>
               <a:defRPr/>
             </a:pPr>
-            <a:fld id="{0AA0D89D-20CB-B1BC-79E8-9704235C1C23}" type="slidenum">
+            <a:fld id="{AB10B089-0844-1EAC-CF1A-7D383624B585}" type="slidenum">
               <a:rPr/>
               <a:t/>
             </a:fld>
@@ -1020,7 +1023,7 @@
       </p:grpSpPr>
       <p:sp>
         <p:nvSpPr>
-          <p:cNvPr id="2077753099" name="Slide Image Placeholder 1"/>
+          <p:cNvPr id="568942516" name="Slide Image Placeholder 1"/>
           <p:cNvSpPr>
             <a:spLocks noChangeAspect="1" noGrp="1" noRot="1"/>
           </p:cNvSpPr>
@@ -1032,7 +1035,7 @@
       </p:sp>
       <p:sp>
         <p:nvSpPr>
-          <p:cNvPr id="1205102560" name="Notes Placeholder 2"/>
+          <p:cNvPr id="126236236" name="Notes Placeholder 2"/>
           <p:cNvSpPr>
             <a:spLocks noGrp="1"/>
           </p:cNvSpPr>
@@ -1054,7 +1057,7 @@
       </p:sp>
       <p:sp>
         <p:nvSpPr>
-          <p:cNvPr id="359532052" name="Slide Number Placeholder 3"/>
+          <p:cNvPr id="1652930002" name="Slide Number Placeholder 3"/>
           <p:cNvSpPr>
             <a:spLocks noGrp="1"/>
           </p:cNvSpPr>
@@ -1070,7 +1073,7 @@
             <a:pPr>
               <a:defRPr/>
             </a:pPr>
-            <a:fld id="{CDDF72A5-7B0C-4338-E707-C25C1AA31F81}" type="slidenum">
+            <a:fld id="{65F23BA1-D40B-44A3-D34D-229DC76DC654}" type="slidenum">
               <a:rPr/>
               <a:t/>
             </a:fld>
@@ -1102,7 +1105,7 @@
       </p:grpSpPr>
       <p:sp>
         <p:nvSpPr>
-          <p:cNvPr id="2" name="Slide Image Placeholder 1"/>
+          <p:cNvPr id="949960512" name="Slide Image Placeholder 1"/>
           <p:cNvSpPr>
             <a:spLocks noChangeAspect="1" noGrp="1" noRot="1"/>
           </p:cNvSpPr>
@@ -1114,7 +1117,7 @@
       </p:sp>
       <p:sp>
         <p:nvSpPr>
-          <p:cNvPr id="3" name="Notes Placeholder 2"/>
+          <p:cNvPr id="41068948" name="Notes Placeholder 2"/>
           <p:cNvSpPr>
             <a:spLocks noGrp="1"/>
           </p:cNvSpPr>
@@ -1136,7 +1139,7 @@
       </p:sp>
       <p:sp>
         <p:nvSpPr>
-          <p:cNvPr id="4" name="Slide Number Placeholder 3"/>
+          <p:cNvPr id="818825982" name="Slide Number Placeholder 3"/>
           <p:cNvSpPr>
             <a:spLocks noGrp="1"/>
           </p:cNvSpPr>
@@ -1152,7 +1155,7 @@
             <a:pPr>
               <a:defRPr/>
             </a:pPr>
-            <a:fld id="{1477DE07-A6EC-54B7-993D-D8CA7817CCAE}" type="slidenum">
+            <a:fld id="{99F73859-CD8C-23F0-9B06-762F510E8B3C}" type="slidenum">
               <a:rPr/>
               <a:t/>
             </a:fld>
@@ -1184,7 +1187,7 @@
       </p:grpSpPr>
       <p:sp>
         <p:nvSpPr>
-          <p:cNvPr id="2" name="Slide Image Placeholder 1"/>
+          <p:cNvPr id="1297600889" name="Slide Image Placeholder 1"/>
           <p:cNvSpPr>
             <a:spLocks noChangeAspect="1" noGrp="1" noRot="1"/>
           </p:cNvSpPr>
@@ -1196,7 +1199,7 @@
       </p:sp>
       <p:sp>
         <p:nvSpPr>
-          <p:cNvPr id="3" name="Notes Placeholder 2"/>
+          <p:cNvPr id="534194072" name="Notes Placeholder 2"/>
           <p:cNvSpPr>
             <a:spLocks noGrp="1"/>
           </p:cNvSpPr>
@@ -1218,7 +1221,7 @@
       </p:sp>
       <p:sp>
         <p:nvSpPr>
-          <p:cNvPr id="4" name="Slide Number Placeholder 3"/>
+          <p:cNvPr id="1612700724" name="Slide Number Placeholder 3"/>
           <p:cNvSpPr>
             <a:spLocks noGrp="1"/>
           </p:cNvSpPr>
@@ -1234,7 +1237,171 @@
             <a:pPr>
               <a:defRPr/>
             </a:pPr>
-            <a:fld id="{D20DEA74-67FA-6698-4D70-4EEE2A61AFF2}" type="slidenum">
+            <a:fld id="{0AA0D89D-20CB-B1BC-79E8-9704235C1C23}" type="slidenum">
+              <a:rPr/>
+              <a:t/>
+            </a:fld>
+            <a:endParaRPr/>
+          </a:p>
+        </p:txBody>
+      </p:sp>
+    </p:spTree>
+  </p:cSld>
+</p:notes>
+</file>
+
+<file path=ppt/notesSlides/notesSlide18.xml><?xml version="1.0" encoding="utf-8"?>
+<p:notes xmlns:a="http://schemas.openxmlformats.org/drawingml/2006/main" xmlns:r="http://schemas.openxmlformats.org/officeDocument/2006/relationships" xmlns:p="http://schemas.openxmlformats.org/presentationml/2006/main" xmlns:m="http://schemas.openxmlformats.org/officeDocument/2006/math" xmlns:w="http://schemas.openxmlformats.org/wordprocessingml/2006/main">
+  <p:cSld name="">
+    <p:spTree>
+      <p:nvGrpSpPr>
+        <p:cNvPr id="1" name=""/>
+        <p:cNvGrpSpPr/>
+        <p:nvPr/>
+      </p:nvGrpSpPr>
+      <p:grpSpPr bwMode="auto">
+        <a:xfrm>
+          <a:off x="0" y="0"/>
+          <a:ext cx="0" cy="0"/>
+          <a:chOff x="0" y="0"/>
+          <a:chExt cx="0" cy="0"/>
+        </a:xfrm>
+      </p:grpSpPr>
+      <p:sp>
+        <p:nvSpPr>
+          <p:cNvPr id="1124694706" name="Slide Image Placeholder 1"/>
+          <p:cNvSpPr>
+            <a:spLocks noChangeAspect="1" noGrp="1" noRot="1"/>
+          </p:cNvSpPr>
+          <p:nvPr>
+            <p:ph type="sldImg"/>
+          </p:nvPr>
+        </p:nvSpPr>
+        <p:spPr bwMode="auto"/>
+      </p:sp>
+      <p:sp>
+        <p:nvSpPr>
+          <p:cNvPr id="1164777744" name="Notes Placeholder 2"/>
+          <p:cNvSpPr>
+            <a:spLocks noGrp="1"/>
+          </p:cNvSpPr>
+          <p:nvPr>
+            <p:ph type="body" idx="1"/>
+          </p:nvPr>
+        </p:nvSpPr>
+        <p:spPr bwMode="auto"/>
+        <p:txBody>
+          <a:bodyPr/>
+          <a:lstStyle/>
+          <a:p>
+            <a:pPr>
+              <a:defRPr/>
+            </a:pPr>
+            <a:endParaRPr/>
+          </a:p>
+        </p:txBody>
+      </p:sp>
+      <p:sp>
+        <p:nvSpPr>
+          <p:cNvPr id="1574577299" name="Slide Number Placeholder 3"/>
+          <p:cNvSpPr>
+            <a:spLocks noGrp="1"/>
+          </p:cNvSpPr>
+          <p:nvPr>
+            <p:ph type="sldNum" sz="quarter" idx="10"/>
+          </p:nvPr>
+        </p:nvSpPr>
+        <p:spPr bwMode="auto"/>
+        <p:txBody>
+          <a:bodyPr/>
+          <a:lstStyle/>
+          <a:p>
+            <a:pPr>
+              <a:defRPr/>
+            </a:pPr>
+            <a:fld id="{CDDF72A5-7B0C-4338-E707-C25C1AA31F81}" type="slidenum">
+              <a:rPr/>
+              <a:t/>
+            </a:fld>
+            <a:endParaRPr/>
+          </a:p>
+        </p:txBody>
+      </p:sp>
+    </p:spTree>
+  </p:cSld>
+</p:notes>
+</file>
+
+<file path=ppt/notesSlides/notesSlide19.xml><?xml version="1.0" encoding="utf-8"?>
+<p:notes xmlns:a="http://schemas.openxmlformats.org/drawingml/2006/main" xmlns:r="http://schemas.openxmlformats.org/officeDocument/2006/relationships" xmlns:p="http://schemas.openxmlformats.org/presentationml/2006/main" xmlns:m="http://schemas.openxmlformats.org/officeDocument/2006/math" xmlns:w="http://schemas.openxmlformats.org/wordprocessingml/2006/main">
+  <p:cSld name="">
+    <p:spTree>
+      <p:nvGrpSpPr>
+        <p:cNvPr id="1" name=""/>
+        <p:cNvGrpSpPr/>
+        <p:nvPr/>
+      </p:nvGrpSpPr>
+      <p:grpSpPr bwMode="auto">
+        <a:xfrm>
+          <a:off x="0" y="0"/>
+          <a:ext cx="0" cy="0"/>
+          <a:chOff x="0" y="0"/>
+          <a:chExt cx="0" cy="0"/>
+        </a:xfrm>
+      </p:grpSpPr>
+      <p:sp>
+        <p:nvSpPr>
+          <p:cNvPr id="1939845838" name="Slide Image Placeholder 1"/>
+          <p:cNvSpPr>
+            <a:spLocks noChangeAspect="1" noGrp="1" noRot="1"/>
+          </p:cNvSpPr>
+          <p:nvPr>
+            <p:ph type="sldImg"/>
+          </p:nvPr>
+        </p:nvSpPr>
+        <p:spPr bwMode="auto"/>
+      </p:sp>
+      <p:sp>
+        <p:nvSpPr>
+          <p:cNvPr id="1847885602" name="Notes Placeholder 2"/>
+          <p:cNvSpPr>
+            <a:spLocks noGrp="1"/>
+          </p:cNvSpPr>
+          <p:nvPr>
+            <p:ph type="body" idx="1"/>
+          </p:nvPr>
+        </p:nvSpPr>
+        <p:spPr bwMode="auto"/>
+        <p:txBody>
+          <a:bodyPr/>
+          <a:lstStyle/>
+          <a:p>
+            <a:pPr>
+              <a:defRPr/>
+            </a:pPr>
+            <a:endParaRPr/>
+          </a:p>
+        </p:txBody>
+      </p:sp>
+      <p:sp>
+        <p:nvSpPr>
+          <p:cNvPr id="290353469" name="Slide Number Placeholder 3"/>
+          <p:cNvSpPr>
+            <a:spLocks noGrp="1"/>
+          </p:cNvSpPr>
+          <p:nvPr>
+            <p:ph type="sldNum" sz="quarter" idx="10"/>
+          </p:nvPr>
+        </p:nvSpPr>
+        <p:spPr bwMode="auto"/>
+        <p:txBody>
+          <a:bodyPr/>
+          <a:lstStyle/>
+          <a:p>
+            <a:pPr>
+              <a:defRPr/>
+            </a:pPr>
+            <a:fld id="{1477DE07-A6EC-54B7-993D-D8CA7817CCAE}" type="slidenum">
               <a:rPr/>
               <a:t/>
             </a:fld>
@@ -1266,7 +1433,7 @@
       </p:grpSpPr>
       <p:sp>
         <p:nvSpPr>
-          <p:cNvPr id="1349989605" name="Slide Image Placeholder 1"/>
+          <p:cNvPr id="1056135152" name="Slide Image Placeholder 1"/>
           <p:cNvSpPr>
             <a:spLocks noChangeAspect="1" noGrp="1" noRot="1"/>
           </p:cNvSpPr>
@@ -1278,7 +1445,7 @@
       </p:sp>
       <p:sp>
         <p:nvSpPr>
-          <p:cNvPr id="345541484" name="Notes Placeholder 2"/>
+          <p:cNvPr id="1793163923" name="Notes Placeholder 2"/>
           <p:cNvSpPr>
             <a:spLocks noGrp="1"/>
           </p:cNvSpPr>
@@ -1300,7 +1467,7 @@
       </p:sp>
       <p:sp>
         <p:nvSpPr>
-          <p:cNvPr id="1567253360" name="Slide Number Placeholder 3"/>
+          <p:cNvPr id="1613030377" name="Slide Number Placeholder 3"/>
           <p:cNvSpPr>
             <a:spLocks noGrp="1"/>
           </p:cNvSpPr>
@@ -1317,6 +1484,88 @@
               <a:defRPr/>
             </a:pPr>
             <a:fld id="{3765B5A5-AA94-B2D3-2514-CE998C57FDA2}" type="slidenum">
+              <a:rPr/>
+              <a:t/>
+            </a:fld>
+            <a:endParaRPr/>
+          </a:p>
+        </p:txBody>
+      </p:sp>
+    </p:spTree>
+  </p:cSld>
+</p:notes>
+</file>
+
+<file path=ppt/notesSlides/notesSlide20.xml><?xml version="1.0" encoding="utf-8"?>
+<p:notes xmlns:a="http://schemas.openxmlformats.org/drawingml/2006/main" xmlns:r="http://schemas.openxmlformats.org/officeDocument/2006/relationships" xmlns:p="http://schemas.openxmlformats.org/presentationml/2006/main" xmlns:m="http://schemas.openxmlformats.org/officeDocument/2006/math" xmlns:w="http://schemas.openxmlformats.org/wordprocessingml/2006/main">
+  <p:cSld name="">
+    <p:spTree>
+      <p:nvGrpSpPr>
+        <p:cNvPr id="1" name=""/>
+        <p:cNvGrpSpPr/>
+        <p:nvPr/>
+      </p:nvGrpSpPr>
+      <p:grpSpPr bwMode="auto">
+        <a:xfrm>
+          <a:off x="0" y="0"/>
+          <a:ext cx="0" cy="0"/>
+          <a:chOff x="0" y="0"/>
+          <a:chExt cx="0" cy="0"/>
+        </a:xfrm>
+      </p:grpSpPr>
+      <p:sp>
+        <p:nvSpPr>
+          <p:cNvPr id="95816313" name="Slide Image Placeholder 1"/>
+          <p:cNvSpPr>
+            <a:spLocks noChangeAspect="1" noGrp="1" noRot="1"/>
+          </p:cNvSpPr>
+          <p:nvPr>
+            <p:ph type="sldImg"/>
+          </p:nvPr>
+        </p:nvSpPr>
+        <p:spPr bwMode="auto"/>
+      </p:sp>
+      <p:sp>
+        <p:nvSpPr>
+          <p:cNvPr id="1324327181" name="Notes Placeholder 2"/>
+          <p:cNvSpPr>
+            <a:spLocks noGrp="1"/>
+          </p:cNvSpPr>
+          <p:nvPr>
+            <p:ph type="body" idx="1"/>
+          </p:nvPr>
+        </p:nvSpPr>
+        <p:spPr bwMode="auto"/>
+        <p:txBody>
+          <a:bodyPr/>
+          <a:lstStyle/>
+          <a:p>
+            <a:pPr>
+              <a:defRPr/>
+            </a:pPr>
+            <a:endParaRPr/>
+          </a:p>
+        </p:txBody>
+      </p:sp>
+      <p:sp>
+        <p:nvSpPr>
+          <p:cNvPr id="1667703657" name="Slide Number Placeholder 3"/>
+          <p:cNvSpPr>
+            <a:spLocks noGrp="1"/>
+          </p:cNvSpPr>
+          <p:nvPr>
+            <p:ph type="sldNum" sz="quarter" idx="10"/>
+          </p:nvPr>
+        </p:nvSpPr>
+        <p:spPr bwMode="auto"/>
+        <p:txBody>
+          <a:bodyPr/>
+          <a:lstStyle/>
+          <a:p>
+            <a:pPr>
+              <a:defRPr/>
+            </a:pPr>
+            <a:fld id="{D20DEA74-67FA-6698-4D70-4EEE2A61AFF2}" type="slidenum">
               <a:rPr/>
               <a:t/>
             </a:fld>
@@ -1348,7 +1597,7 @@
       </p:grpSpPr>
       <p:sp>
         <p:nvSpPr>
-          <p:cNvPr id="120321950" name="Slide Image Placeholder 1"/>
+          <p:cNvPr id="2" name="Slide Image Placeholder 1"/>
           <p:cNvSpPr>
             <a:spLocks noChangeAspect="1" noGrp="1" noRot="1"/>
           </p:cNvSpPr>
@@ -1360,7 +1609,7 @@
       </p:sp>
       <p:sp>
         <p:nvSpPr>
-          <p:cNvPr id="118458543" name="Notes Placeholder 2"/>
+          <p:cNvPr id="3" name="Notes Placeholder 2"/>
           <p:cNvSpPr>
             <a:spLocks noGrp="1"/>
           </p:cNvSpPr>
@@ -1382,7 +1631,7 @@
       </p:sp>
       <p:sp>
         <p:nvSpPr>
-          <p:cNvPr id="1346867379" name="Slide Number Placeholder 3"/>
+          <p:cNvPr id="4" name="Slide Number Placeholder 3"/>
           <p:cNvSpPr>
             <a:spLocks noGrp="1"/>
           </p:cNvSpPr>
@@ -1398,7 +1647,7 @@
             <a:pPr>
               <a:defRPr/>
             </a:pPr>
-            <a:fld id="{541E4A1C-674A-96CF-A498-CB14FF7FDD23}" type="slidenum">
+            <a:fld id="{9B22C66C-FED7-BE74-2707-C598F44CE9F0}" type="slidenum">
               <a:rPr/>
               <a:t/>
             </a:fld>
@@ -1430,7 +1679,7 @@
       </p:grpSpPr>
       <p:sp>
         <p:nvSpPr>
-          <p:cNvPr id="1359023204" name="Slide Image Placeholder 1"/>
+          <p:cNvPr id="1597251667" name="Slide Image Placeholder 1"/>
           <p:cNvSpPr>
             <a:spLocks noChangeAspect="1" noGrp="1" noRot="1"/>
           </p:cNvSpPr>
@@ -1442,7 +1691,7 @@
       </p:sp>
       <p:sp>
         <p:nvSpPr>
-          <p:cNvPr id="203951316" name="Notes Placeholder 2"/>
+          <p:cNvPr id="1325920405" name="Notes Placeholder 2"/>
           <p:cNvSpPr>
             <a:spLocks noGrp="1"/>
           </p:cNvSpPr>
@@ -1464,7 +1713,7 @@
       </p:sp>
       <p:sp>
         <p:nvSpPr>
-          <p:cNvPr id="1938475945" name="Slide Number Placeholder 3"/>
+          <p:cNvPr id="684723550" name="Slide Number Placeholder 3"/>
           <p:cNvSpPr>
             <a:spLocks noGrp="1"/>
           </p:cNvSpPr>
@@ -1480,7 +1729,7 @@
             <a:pPr>
               <a:defRPr/>
             </a:pPr>
-            <a:fld id="{321E2B8A-8290-02BA-7B6D-7A13BA106EEA}" type="slidenum">
+            <a:fld id="{541E4A1C-674A-96CF-A498-CB14FF7FDD23}" type="slidenum">
               <a:rPr/>
               <a:t/>
             </a:fld>
@@ -1512,7 +1761,7 @@
       </p:grpSpPr>
       <p:sp>
         <p:nvSpPr>
-          <p:cNvPr id="338947903" name="Slide Image Placeholder 1"/>
+          <p:cNvPr id="468992540" name="Slide Image Placeholder 1"/>
           <p:cNvSpPr>
             <a:spLocks noChangeAspect="1" noGrp="1" noRot="1"/>
           </p:cNvSpPr>
@@ -1524,7 +1773,7 @@
       </p:sp>
       <p:sp>
         <p:nvSpPr>
-          <p:cNvPr id="544630070" name="Notes Placeholder 2"/>
+          <p:cNvPr id="1365102698" name="Notes Placeholder 2"/>
           <p:cNvSpPr>
             <a:spLocks noGrp="1"/>
           </p:cNvSpPr>
@@ -1546,7 +1795,7 @@
       </p:sp>
       <p:sp>
         <p:nvSpPr>
-          <p:cNvPr id="229054830" name="Slide Number Placeholder 3"/>
+          <p:cNvPr id="70526411" name="Slide Number Placeholder 3"/>
           <p:cNvSpPr>
             <a:spLocks noGrp="1"/>
           </p:cNvSpPr>
@@ -1562,7 +1811,7 @@
             <a:pPr>
               <a:defRPr/>
             </a:pPr>
-            <a:fld id="{1CD8D221-38F1-5D6A-0891-A9DDF109D29F}" type="slidenum">
+            <a:fld id="{321E2B8A-8290-02BA-7B6D-7A13BA106EEA}" type="slidenum">
               <a:rPr/>
               <a:t/>
             </a:fld>
@@ -1594,7 +1843,7 @@
       </p:grpSpPr>
       <p:sp>
         <p:nvSpPr>
-          <p:cNvPr id="563519143" name="Slide Image Placeholder 1"/>
+          <p:cNvPr id="2" name="Slide Image Placeholder 1"/>
           <p:cNvSpPr>
             <a:spLocks noChangeAspect="1" noGrp="1" noRot="1"/>
           </p:cNvSpPr>
@@ -1606,7 +1855,7 @@
       </p:sp>
       <p:sp>
         <p:nvSpPr>
-          <p:cNvPr id="1405583943" name="Notes Placeholder 2"/>
+          <p:cNvPr id="3" name="Notes Placeholder 2"/>
           <p:cNvSpPr>
             <a:spLocks noGrp="1"/>
           </p:cNvSpPr>
@@ -1628,7 +1877,7 @@
       </p:sp>
       <p:sp>
         <p:nvSpPr>
-          <p:cNvPr id="28931311" name="Slide Number Placeholder 3"/>
+          <p:cNvPr id="4" name="Slide Number Placeholder 3"/>
           <p:cNvSpPr>
             <a:spLocks noGrp="1"/>
           </p:cNvSpPr>
@@ -1644,7 +1893,7 @@
             <a:pPr>
               <a:defRPr/>
             </a:pPr>
-            <a:fld id="{9F78EF94-F171-9E01-4648-A2BADDB5B6CB}" type="slidenum">
+            <a:fld id="{9EF11977-9DCA-F14F-7249-395B2FCDC879}" type="slidenum">
               <a:rPr/>
               <a:t/>
             </a:fld>
@@ -1676,7 +1925,7 @@
       </p:grpSpPr>
       <p:sp>
         <p:nvSpPr>
-          <p:cNvPr id="1263992987" name="Slide Image Placeholder 1"/>
+          <p:cNvPr id="1350044422" name="Slide Image Placeholder 1"/>
           <p:cNvSpPr>
             <a:spLocks noChangeAspect="1" noGrp="1" noRot="1"/>
           </p:cNvSpPr>
@@ -1688,7 +1937,7 @@
       </p:sp>
       <p:sp>
         <p:nvSpPr>
-          <p:cNvPr id="1398935193" name="Notes Placeholder 2"/>
+          <p:cNvPr id="239382829" name="Notes Placeholder 2"/>
           <p:cNvSpPr>
             <a:spLocks noGrp="1"/>
           </p:cNvSpPr>
@@ -1710,7 +1959,7 @@
       </p:sp>
       <p:sp>
         <p:nvSpPr>
-          <p:cNvPr id="1282310013" name="Slide Number Placeholder 3"/>
+          <p:cNvPr id="935859376" name="Slide Number Placeholder 3"/>
           <p:cNvSpPr>
             <a:spLocks noGrp="1"/>
           </p:cNvSpPr>
@@ -1726,7 +1975,7 @@
             <a:pPr>
               <a:defRPr/>
             </a:pPr>
-            <a:fld id="{0E68A04A-1296-7E4D-9032-66048A4CFD46}" type="slidenum">
+            <a:fld id="{69518941-34F8-0129-4924-3B3197D82446}" type="slidenum">
               <a:rPr/>
               <a:t/>
             </a:fld>
@@ -1758,7 +2007,7 @@
       </p:grpSpPr>
       <p:sp>
         <p:nvSpPr>
-          <p:cNvPr id="344805939" name="Slide Image Placeholder 1"/>
+          <p:cNvPr id="509608660" name="Slide Image Placeholder 1"/>
           <p:cNvSpPr>
             <a:spLocks noChangeAspect="1" noGrp="1" noRot="1"/>
           </p:cNvSpPr>
@@ -1770,7 +2019,7 @@
       </p:sp>
       <p:sp>
         <p:nvSpPr>
-          <p:cNvPr id="1033851914" name="Notes Placeholder 2"/>
+          <p:cNvPr id="357634406" name="Notes Placeholder 2"/>
           <p:cNvSpPr>
             <a:spLocks noGrp="1"/>
           </p:cNvSpPr>
@@ -1792,7 +2041,7 @@
       </p:sp>
       <p:sp>
         <p:nvSpPr>
-          <p:cNvPr id="982654365" name="Slide Number Placeholder 3"/>
+          <p:cNvPr id="689433544" name="Slide Number Placeholder 3"/>
           <p:cNvSpPr>
             <a:spLocks noGrp="1"/>
           </p:cNvSpPr>
@@ -1808,7 +2057,7 @@
             <a:pPr>
               <a:defRPr/>
             </a:pPr>
-            <a:fld id="{0DE72FD9-0917-2753-4F87-2A2A8856AE5F}" type="slidenum">
+            <a:fld id="{1CD8D221-38F1-5D6A-0891-A9DDF109D29F}" type="slidenum">
               <a:rPr/>
               <a:t/>
             </a:fld>
@@ -1840,7 +2089,7 @@
       </p:grpSpPr>
       <p:sp>
         <p:nvSpPr>
-          <p:cNvPr id="1745764511" name="Slide Image Placeholder 1"/>
+          <p:cNvPr id="1766911637" name="Slide Image Placeholder 1"/>
           <p:cNvSpPr>
             <a:spLocks noChangeAspect="1" noGrp="1" noRot="1"/>
           </p:cNvSpPr>
@@ -1852,7 +2101,7 @@
       </p:sp>
       <p:sp>
         <p:nvSpPr>
-          <p:cNvPr id="706329067" name="Notes Placeholder 2"/>
+          <p:cNvPr id="57252642" name="Notes Placeholder 2"/>
           <p:cNvSpPr>
             <a:spLocks noGrp="1"/>
           </p:cNvSpPr>
@@ -1874,7 +2123,7 @@
       </p:sp>
       <p:sp>
         <p:nvSpPr>
-          <p:cNvPr id="842459059" name="Slide Number Placeholder 3"/>
+          <p:cNvPr id="877189646" name="Slide Number Placeholder 3"/>
           <p:cNvSpPr>
             <a:spLocks noGrp="1"/>
           </p:cNvSpPr>
@@ -1890,7 +2139,7 @@
             <a:pPr>
               <a:defRPr/>
             </a:pPr>
-            <a:fld id="{5E779485-EB62-8F9A-B2D5-C94EBF42613F}" type="slidenum">
+            <a:fld id="{9F78EF94-F171-9E01-4648-A2BADDB5B6CB}" type="slidenum">
               <a:rPr/>
               <a:t/>
             </a:fld>
@@ -1922,7 +2171,7 @@
       </p:grpSpPr>
       <p:sp>
         <p:nvSpPr>
-          <p:cNvPr id="1822114025" name="Title 1"/>
+          <p:cNvPr id="1788572323" name="Title 1"/>
           <p:cNvSpPr>
             <a:spLocks noGrp="1"/>
           </p:cNvSpPr>
@@ -1957,7 +2206,7 @@
       </p:sp>
       <p:sp>
         <p:nvSpPr>
-          <p:cNvPr id="724606680" name="Subtitle 2"/>
+          <p:cNvPr id="1547429018" name="Subtitle 2"/>
           <p:cNvSpPr>
             <a:spLocks noGrp="1"/>
           </p:cNvSpPr>
@@ -2025,7 +2274,7 @@
       </p:sp>
       <p:sp>
         <p:nvSpPr>
-          <p:cNvPr id="287098637" name="Date Placeholder 3"/>
+          <p:cNvPr id="1631439520" name="Date Placeholder 3"/>
           <p:cNvSpPr>
             <a:spLocks noGrp="1"/>
           </p:cNvSpPr>
@@ -2041,7 +2290,7 @@
             <a:pPr>
               <a:defRPr/>
             </a:pPr>
-            <a:fld id="{6A67A7CE-7105-C15A-1A61-D7823EC46262}" type="datetime1">
+            <a:fld id="{9324E0FE-128A-0C3F-4C8D-B7FC0E2B76F2}" type="datetime1">
               <a:rPr lang="en-US"/>
               <a:t>5/13/2025</a:t>
             </a:fld>
@@ -2051,7 +2300,7 @@
       </p:sp>
       <p:sp>
         <p:nvSpPr>
-          <p:cNvPr id="866241743" name="Footer Placeholder 4"/>
+          <p:cNvPr id="655729536" name="Footer Placeholder 4"/>
           <p:cNvSpPr>
             <a:spLocks noGrp="1"/>
           </p:cNvSpPr>
@@ -2077,7 +2326,7 @@
       </p:sp>
       <p:sp>
         <p:nvSpPr>
-          <p:cNvPr id="744868012" name="Slide Number Placeholder 5"/>
+          <p:cNvPr id="877051277" name="Slide Number Placeholder 5"/>
           <p:cNvSpPr>
             <a:spLocks noGrp="1"/>
           </p:cNvSpPr>
@@ -2128,7 +2377,7 @@
       </p:grpSpPr>
       <p:sp>
         <p:nvSpPr>
-          <p:cNvPr id="1235336588" name="Title 1"/>
+          <p:cNvPr id="1773923268" name="Title 1"/>
           <p:cNvSpPr>
             <a:spLocks noGrp="1"/>
           </p:cNvSpPr>
@@ -2154,7 +2403,7 @@
       </p:sp>
       <p:sp>
         <p:nvSpPr>
-          <p:cNvPr id="251601738" name="Vertical Text Placeholder 2"/>
+          <p:cNvPr id="201863680" name="Vertical Text Placeholder 2"/>
           <p:cNvSpPr>
             <a:spLocks noGrp="1"/>
           </p:cNvSpPr>
@@ -2220,7 +2469,7 @@
       </p:sp>
       <p:sp>
         <p:nvSpPr>
-          <p:cNvPr id="345272447" name="Date Placeholder 3"/>
+          <p:cNvPr id="223513568" name="Date Placeholder 3"/>
           <p:cNvSpPr>
             <a:spLocks noGrp="1"/>
           </p:cNvSpPr>
@@ -2236,7 +2485,7 @@
             <a:pPr>
               <a:defRPr/>
             </a:pPr>
-            <a:fld id="{B60B7033-2D1C-4362-00B1-BFD90CD4EB2A}" type="datetime1">
+            <a:fld id="{5F40188D-87FA-F161-FC42-6EF3F41B9356}" type="datetime1">
               <a:rPr lang="en-US"/>
               <a:t>5/13/2025</a:t>
             </a:fld>
@@ -2246,7 +2495,7 @@
       </p:sp>
       <p:sp>
         <p:nvSpPr>
-          <p:cNvPr id="1058318588" name="Footer Placeholder 4"/>
+          <p:cNvPr id="904085660" name="Footer Placeholder 4"/>
           <p:cNvSpPr>
             <a:spLocks noGrp="1"/>
           </p:cNvSpPr>
@@ -2272,7 +2521,7 @@
       </p:sp>
       <p:sp>
         <p:nvSpPr>
-          <p:cNvPr id="84024705" name="Slide Number Placeholder 5"/>
+          <p:cNvPr id="1536729412" name="Slide Number Placeholder 5"/>
           <p:cNvSpPr>
             <a:spLocks noGrp="1"/>
           </p:cNvSpPr>
@@ -2323,7 +2572,7 @@
       </p:grpSpPr>
       <p:sp>
         <p:nvSpPr>
-          <p:cNvPr id="313703448" name="Vertical Title 1"/>
+          <p:cNvPr id="202330100" name="Vertical Title 1"/>
           <p:cNvSpPr>
             <a:spLocks noGrp="1"/>
           </p:cNvSpPr>
@@ -2354,7 +2603,7 @@
       </p:sp>
       <p:sp>
         <p:nvSpPr>
-          <p:cNvPr id="1831220267" name="Vertical Text Placeholder 2"/>
+          <p:cNvPr id="1337913314" name="Vertical Text Placeholder 2"/>
           <p:cNvSpPr>
             <a:spLocks noGrp="1"/>
           </p:cNvSpPr>
@@ -2425,7 +2674,7 @@
       </p:sp>
       <p:sp>
         <p:nvSpPr>
-          <p:cNvPr id="1541115441" name="Date Placeholder 3"/>
+          <p:cNvPr id="392443750" name="Date Placeholder 3"/>
           <p:cNvSpPr>
             <a:spLocks noGrp="1"/>
           </p:cNvSpPr>
@@ -2441,7 +2690,7 @@
             <a:pPr>
               <a:defRPr/>
             </a:pPr>
-            <a:fld id="{E18513D3-7A01-FA36-2118-FF7006AFEA34}" type="datetime1">
+            <a:fld id="{0B544E11-4DA8-ABF4-3590-4A341D324A6E}" type="datetime1">
               <a:rPr lang="en-US"/>
               <a:t>5/13/2025</a:t>
             </a:fld>
@@ -2451,7 +2700,7 @@
       </p:sp>
       <p:sp>
         <p:nvSpPr>
-          <p:cNvPr id="2079266523" name="Footer Placeholder 4"/>
+          <p:cNvPr id="1189527161" name="Footer Placeholder 4"/>
           <p:cNvSpPr>
             <a:spLocks noGrp="1"/>
           </p:cNvSpPr>
@@ -2477,7 +2726,7 @@
       </p:sp>
       <p:sp>
         <p:nvSpPr>
-          <p:cNvPr id="1738374086" name="Slide Number Placeholder 5"/>
+          <p:cNvPr id="1678429828" name="Slide Number Placeholder 5"/>
           <p:cNvSpPr>
             <a:spLocks noGrp="1"/>
           </p:cNvSpPr>
@@ -2528,7 +2777,7 @@
       </p:grpSpPr>
       <p:sp>
         <p:nvSpPr>
-          <p:cNvPr id="715074457" name="Title 1"/>
+          <p:cNvPr id="787777563" name="Title 1"/>
           <p:cNvSpPr>
             <a:spLocks noGrp="1"/>
           </p:cNvSpPr>
@@ -2554,7 +2803,7 @@
       </p:sp>
       <p:sp>
         <p:nvSpPr>
-          <p:cNvPr id="462508331" name="Content Placeholder 2"/>
+          <p:cNvPr id="2024997777" name="Content Placeholder 2"/>
           <p:cNvSpPr>
             <a:spLocks noGrp="1"/>
           </p:cNvSpPr>
@@ -2620,7 +2869,7 @@
       </p:sp>
       <p:sp>
         <p:nvSpPr>
-          <p:cNvPr id="2094850627" name="Date Placeholder 3"/>
+          <p:cNvPr id="426044991" name="Date Placeholder 3"/>
           <p:cNvSpPr>
             <a:spLocks noGrp="1"/>
           </p:cNvSpPr>
@@ -2636,7 +2885,7 @@
             <a:pPr>
               <a:defRPr/>
             </a:pPr>
-            <a:fld id="{7D4F0087-0F5A-9B76-91A9-DAB1028B4C6B}" type="datetime1">
+            <a:fld id="{15C2376C-8F38-1E44-83AA-74188D2CBF14}" type="datetime1">
               <a:rPr lang="en-US"/>
               <a:t>5/13/2025</a:t>
             </a:fld>
@@ -2646,7 +2895,7 @@
       </p:sp>
       <p:sp>
         <p:nvSpPr>
-          <p:cNvPr id="661122196" name="Footer Placeholder 4"/>
+          <p:cNvPr id="197418341" name="Footer Placeholder 4"/>
           <p:cNvSpPr>
             <a:spLocks noGrp="1"/>
           </p:cNvSpPr>
@@ -2672,7 +2921,7 @@
       </p:sp>
       <p:sp>
         <p:nvSpPr>
-          <p:cNvPr id="1086974974" name="Slide Number Placeholder 5"/>
+          <p:cNvPr id="952630054" name="Slide Number Placeholder 5"/>
           <p:cNvSpPr>
             <a:spLocks noGrp="1"/>
           </p:cNvSpPr>
@@ -2723,7 +2972,7 @@
       </p:grpSpPr>
       <p:sp>
         <p:nvSpPr>
-          <p:cNvPr id="2102499118" name="Title 1"/>
+          <p:cNvPr id="717025289" name="Title 1"/>
           <p:cNvSpPr>
             <a:spLocks noGrp="1"/>
           </p:cNvSpPr>
@@ -2758,7 +3007,7 @@
       </p:sp>
       <p:sp>
         <p:nvSpPr>
-          <p:cNvPr id="2098649056" name="Text Placeholder 2"/>
+          <p:cNvPr id="673433495" name="Text Placeholder 2"/>
           <p:cNvSpPr>
             <a:spLocks noGrp="1"/>
           </p:cNvSpPr>
@@ -2880,7 +3129,7 @@
       </p:sp>
       <p:sp>
         <p:nvSpPr>
-          <p:cNvPr id="906471459" name="Date Placeholder 3"/>
+          <p:cNvPr id="1785582390" name="Date Placeholder 3"/>
           <p:cNvSpPr>
             <a:spLocks noGrp="1"/>
           </p:cNvSpPr>
@@ -2896,7 +3145,7 @@
             <a:pPr>
               <a:defRPr/>
             </a:pPr>
-            <a:fld id="{61AEF433-251E-4763-3BB2-9C4913A4D518}" type="datetime1">
+            <a:fld id="{4401ECAF-4088-6F10-8059-0804F8C1C41F}" type="datetime1">
               <a:rPr lang="en-US"/>
               <a:t>5/13/2025</a:t>
             </a:fld>
@@ -2906,7 +3155,7 @@
       </p:sp>
       <p:sp>
         <p:nvSpPr>
-          <p:cNvPr id="1836637312" name="Footer Placeholder 4"/>
+          <p:cNvPr id="190879847" name="Footer Placeholder 4"/>
           <p:cNvSpPr>
             <a:spLocks noGrp="1"/>
           </p:cNvSpPr>
@@ -2932,7 +3181,7 @@
       </p:sp>
       <p:sp>
         <p:nvSpPr>
-          <p:cNvPr id="98356088" name="Slide Number Placeholder 5"/>
+          <p:cNvPr id="2128045597" name="Slide Number Placeholder 5"/>
           <p:cNvSpPr>
             <a:spLocks noGrp="1"/>
           </p:cNvSpPr>
@@ -2983,7 +3232,7 @@
       </p:grpSpPr>
       <p:sp>
         <p:nvSpPr>
-          <p:cNvPr id="1660391246" name="Title 1"/>
+          <p:cNvPr id="1503088167" name="Title 1"/>
           <p:cNvSpPr>
             <a:spLocks noGrp="1"/>
           </p:cNvSpPr>
@@ -3009,7 +3258,7 @@
       </p:sp>
       <p:sp>
         <p:nvSpPr>
-          <p:cNvPr id="1581149031" name="Content Placeholder 2"/>
+          <p:cNvPr id="658634191" name="Content Placeholder 2"/>
           <p:cNvSpPr>
             <a:spLocks noGrp="1"/>
           </p:cNvSpPr>
@@ -3080,7 +3329,7 @@
       </p:sp>
       <p:sp>
         <p:nvSpPr>
-          <p:cNvPr id="141337864" name="Content Placeholder 3"/>
+          <p:cNvPr id="1947495836" name="Content Placeholder 3"/>
           <p:cNvSpPr>
             <a:spLocks noGrp="1"/>
           </p:cNvSpPr>
@@ -3151,7 +3400,7 @@
       </p:sp>
       <p:sp>
         <p:nvSpPr>
-          <p:cNvPr id="1075240495" name="Date Placeholder 4"/>
+          <p:cNvPr id="1424988708" name="Date Placeholder 4"/>
           <p:cNvSpPr>
             <a:spLocks noGrp="1"/>
           </p:cNvSpPr>
@@ -3167,7 +3416,7 @@
             <a:pPr>
               <a:defRPr/>
             </a:pPr>
-            <a:fld id="{4FBD0EFC-57B8-6FC2-05AF-C406C6D642A5}" type="datetime1">
+            <a:fld id="{62509132-5F4C-B883-616D-52AFE2CBF1BF}" type="datetime1">
               <a:rPr lang="en-US"/>
               <a:t>5/13/2025</a:t>
             </a:fld>
@@ -3177,7 +3426,7 @@
       </p:sp>
       <p:sp>
         <p:nvSpPr>
-          <p:cNvPr id="2025323382" name="Footer Placeholder 5"/>
+          <p:cNvPr id="2063110024" name="Footer Placeholder 5"/>
           <p:cNvSpPr>
             <a:spLocks noGrp="1"/>
           </p:cNvSpPr>
@@ -3203,7 +3452,7 @@
       </p:sp>
       <p:sp>
         <p:nvSpPr>
-          <p:cNvPr id="42009592" name="Slide Number Placeholder 6"/>
+          <p:cNvPr id="203263282" name="Slide Number Placeholder 6"/>
           <p:cNvSpPr>
             <a:spLocks noGrp="1"/>
           </p:cNvSpPr>
@@ -3254,7 +3503,7 @@
       </p:grpSpPr>
       <p:sp>
         <p:nvSpPr>
-          <p:cNvPr id="1579661452" name="Title 1"/>
+          <p:cNvPr id="545657330" name="Title 1"/>
           <p:cNvSpPr>
             <a:spLocks noGrp="1"/>
           </p:cNvSpPr>
@@ -3285,7 +3534,7 @@
       </p:sp>
       <p:sp>
         <p:nvSpPr>
-          <p:cNvPr id="1120481773" name="Text Placeholder 2"/>
+          <p:cNvPr id="1513814883" name="Text Placeholder 2"/>
           <p:cNvSpPr>
             <a:spLocks noGrp="1"/>
           </p:cNvSpPr>
@@ -3353,7 +3602,7 @@
       </p:sp>
       <p:sp>
         <p:nvSpPr>
-          <p:cNvPr id="1383895760" name="Content Placeholder 3"/>
+          <p:cNvPr id="13855649" name="Content Placeholder 3"/>
           <p:cNvSpPr>
             <a:spLocks noGrp="1"/>
           </p:cNvSpPr>
@@ -3424,7 +3673,7 @@
       </p:sp>
       <p:sp>
         <p:nvSpPr>
-          <p:cNvPr id="1761761149" name="Text Placeholder 4"/>
+          <p:cNvPr id="521109198" name="Text Placeholder 4"/>
           <p:cNvSpPr>
             <a:spLocks noGrp="1"/>
           </p:cNvSpPr>
@@ -3492,7 +3741,7 @@
       </p:sp>
       <p:sp>
         <p:nvSpPr>
-          <p:cNvPr id="375998729" name="Content Placeholder 5"/>
+          <p:cNvPr id="800235911" name="Content Placeholder 5"/>
           <p:cNvSpPr>
             <a:spLocks noGrp="1"/>
           </p:cNvSpPr>
@@ -3563,7 +3812,7 @@
       </p:sp>
       <p:sp>
         <p:nvSpPr>
-          <p:cNvPr id="495137510" name="Date Placeholder 6"/>
+          <p:cNvPr id="2063691264" name="Date Placeholder 6"/>
           <p:cNvSpPr>
             <a:spLocks noGrp="1"/>
           </p:cNvSpPr>
@@ -3579,7 +3828,7 @@
             <a:pPr>
               <a:defRPr/>
             </a:pPr>
-            <a:fld id="{FBC5C08D-CF70-796C-1E86-35A871CCC6DA}" type="datetime1">
+            <a:fld id="{2E292AAA-914B-341B-FF1C-B850613C21DE}" type="datetime1">
               <a:rPr lang="en-US"/>
               <a:t>5/13/2025</a:t>
             </a:fld>
@@ -3589,7 +3838,7 @@
       </p:sp>
       <p:sp>
         <p:nvSpPr>
-          <p:cNvPr id="1907941148" name="Footer Placeholder 7"/>
+          <p:cNvPr id="1297176302" name="Footer Placeholder 7"/>
           <p:cNvSpPr>
             <a:spLocks noGrp="1"/>
           </p:cNvSpPr>
@@ -3615,7 +3864,7 @@
       </p:sp>
       <p:sp>
         <p:nvSpPr>
-          <p:cNvPr id="1526175887" name="Slide Number Placeholder 8"/>
+          <p:cNvPr id="1742539527" name="Slide Number Placeholder 8"/>
           <p:cNvSpPr>
             <a:spLocks noGrp="1"/>
           </p:cNvSpPr>
@@ -3666,7 +3915,7 @@
       </p:grpSpPr>
       <p:sp>
         <p:nvSpPr>
-          <p:cNvPr id="796185287" name="Title 1"/>
+          <p:cNvPr id="553423450" name="Title 1"/>
           <p:cNvSpPr>
             <a:spLocks noGrp="1"/>
           </p:cNvSpPr>
@@ -3692,7 +3941,7 @@
       </p:sp>
       <p:sp>
         <p:nvSpPr>
-          <p:cNvPr id="1442928664" name="Date Placeholder 2"/>
+          <p:cNvPr id="684495018" name="Date Placeholder 2"/>
           <p:cNvSpPr>
             <a:spLocks noGrp="1"/>
           </p:cNvSpPr>
@@ -3708,7 +3957,7 @@
             <a:pPr>
               <a:defRPr/>
             </a:pPr>
-            <a:fld id="{720C3734-ECE8-B9C3-61A3-3577CF65E8D6}" type="datetime1">
+            <a:fld id="{BB5B7F3C-1616-8FB6-C1E3-B8A2AD9044F3}" type="datetime1">
               <a:rPr lang="en-US"/>
               <a:t>5/13/2025</a:t>
             </a:fld>
@@ -3718,7 +3967,7 @@
       </p:sp>
       <p:sp>
         <p:nvSpPr>
-          <p:cNvPr id="1405329351" name="Footer Placeholder 3"/>
+          <p:cNvPr id="978429835" name="Footer Placeholder 3"/>
           <p:cNvSpPr>
             <a:spLocks noGrp="1"/>
           </p:cNvSpPr>
@@ -3744,7 +3993,7 @@
       </p:sp>
       <p:sp>
         <p:nvSpPr>
-          <p:cNvPr id="843665440" name="Slide Number Placeholder 4"/>
+          <p:cNvPr id="1933238374" name="Slide Number Placeholder 4"/>
           <p:cNvSpPr>
             <a:spLocks noGrp="1"/>
           </p:cNvSpPr>
@@ -3795,7 +4044,7 @@
       </p:grpSpPr>
       <p:sp>
         <p:nvSpPr>
-          <p:cNvPr id="1007821199" name="Date Placeholder 1"/>
+          <p:cNvPr id="862021517" name="Date Placeholder 1"/>
           <p:cNvSpPr>
             <a:spLocks noGrp="1"/>
           </p:cNvSpPr>
@@ -3811,7 +4060,7 @@
             <a:pPr>
               <a:defRPr/>
             </a:pPr>
-            <a:fld id="{75522617-5C24-E9CD-1069-3E511DE8ECF6}" type="datetime1">
+            <a:fld id="{F8AF552A-7608-E0CD-E949-AC6FE3E592D1}" type="datetime1">
               <a:rPr lang="en-US"/>
               <a:t>5/13/2025</a:t>
             </a:fld>
@@ -3821,7 +4070,7 @@
       </p:sp>
       <p:sp>
         <p:nvSpPr>
-          <p:cNvPr id="1106771358" name="Footer Placeholder 2"/>
+          <p:cNvPr id="865179677" name="Footer Placeholder 2"/>
           <p:cNvSpPr>
             <a:spLocks noGrp="1"/>
           </p:cNvSpPr>
@@ -3847,7 +4096,7 @@
       </p:sp>
       <p:sp>
         <p:nvSpPr>
-          <p:cNvPr id="1860406815" name="Slide Number Placeholder 3"/>
+          <p:cNvPr id="1651892166" name="Slide Number Placeholder 3"/>
           <p:cNvSpPr>
             <a:spLocks noGrp="1"/>
           </p:cNvSpPr>
@@ -3898,7 +4147,7 @@
       </p:grpSpPr>
       <p:sp>
         <p:nvSpPr>
-          <p:cNvPr id="2120071487" name="Title 1"/>
+          <p:cNvPr id="320017010" name="Title 1"/>
           <p:cNvSpPr>
             <a:spLocks noGrp="1"/>
           </p:cNvSpPr>
@@ -3933,7 +4182,7 @@
       </p:sp>
       <p:sp>
         <p:nvSpPr>
-          <p:cNvPr id="1985511742" name="Content Placeholder 2"/>
+          <p:cNvPr id="1759620266" name="Content Placeholder 2"/>
           <p:cNvSpPr>
             <a:spLocks noGrp="1"/>
           </p:cNvSpPr>
@@ -4032,7 +4281,7 @@
       </p:sp>
       <p:sp>
         <p:nvSpPr>
-          <p:cNvPr id="352344167" name="Text Placeholder 3"/>
+          <p:cNvPr id="622297312" name="Text Placeholder 3"/>
           <p:cNvSpPr>
             <a:spLocks noGrp="1"/>
           </p:cNvSpPr>
@@ -4100,7 +4349,7 @@
       </p:sp>
       <p:sp>
         <p:nvSpPr>
-          <p:cNvPr id="113957097" name="Date Placeholder 4"/>
+          <p:cNvPr id="475424352" name="Date Placeholder 4"/>
           <p:cNvSpPr>
             <a:spLocks noGrp="1"/>
           </p:cNvSpPr>
@@ -4116,7 +4365,7 @@
             <a:pPr>
               <a:defRPr/>
             </a:pPr>
-            <a:fld id="{83F50457-65EB-CAAB-CE9A-019CEA7BC0A3}" type="datetime1">
+            <a:fld id="{343CADCB-4796-FEC5-2B31-B2C09B93DE83}" type="datetime1">
               <a:rPr lang="en-US"/>
               <a:t>5/13/2025</a:t>
             </a:fld>
@@ -4126,7 +4375,7 @@
       </p:sp>
       <p:sp>
         <p:nvSpPr>
-          <p:cNvPr id="612304916" name="Footer Placeholder 5"/>
+          <p:cNvPr id="1090762436" name="Footer Placeholder 5"/>
           <p:cNvSpPr>
             <a:spLocks noGrp="1"/>
           </p:cNvSpPr>
@@ -4152,7 +4401,7 @@
       </p:sp>
       <p:sp>
         <p:nvSpPr>
-          <p:cNvPr id="2065379354" name="Slide Number Placeholder 6"/>
+          <p:cNvPr id="83536986" name="Slide Number Placeholder 6"/>
           <p:cNvSpPr>
             <a:spLocks noGrp="1"/>
           </p:cNvSpPr>
@@ -4203,7 +4452,7 @@
       </p:grpSpPr>
       <p:sp>
         <p:nvSpPr>
-          <p:cNvPr id="1966188059" name="Title 1"/>
+          <p:cNvPr id="893785555" name="Title 1"/>
           <p:cNvSpPr>
             <a:spLocks noGrp="1"/>
           </p:cNvSpPr>
@@ -4238,7 +4487,7 @@
       </p:sp>
       <p:sp>
         <p:nvSpPr>
-          <p:cNvPr id="1407695723" name="Picture Placeholder 2"/>
+          <p:cNvPr id="2141760527" name="Picture Placeholder 2"/>
           <p:cNvSpPr>
             <a:spLocks noChangeAspect="1" noGrp="1"/>
           </p:cNvSpPr>
@@ -4306,7 +4555,7 @@
       </p:sp>
       <p:sp>
         <p:nvSpPr>
-          <p:cNvPr id="851555633" name="Text Placeholder 3"/>
+          <p:cNvPr id="1998737317" name="Text Placeholder 3"/>
           <p:cNvSpPr>
             <a:spLocks noGrp="1"/>
           </p:cNvSpPr>
@@ -4374,7 +4623,7 @@
       </p:sp>
       <p:sp>
         <p:nvSpPr>
-          <p:cNvPr id="422150016" name="Date Placeholder 4"/>
+          <p:cNvPr id="693521031" name="Date Placeholder 4"/>
           <p:cNvSpPr>
             <a:spLocks noGrp="1"/>
           </p:cNvSpPr>
@@ -4390,7 +4639,7 @@
             <a:pPr>
               <a:defRPr/>
             </a:pPr>
-            <a:fld id="{6C16D173-8457-E1B7-D6D4-F46F12FA3A2A}" type="datetime1">
+            <a:fld id="{433086F0-FB96-0082-E7FA-5526D983920C}" type="datetime1">
               <a:rPr lang="en-US"/>
               <a:t>5/13/2025</a:t>
             </a:fld>
@@ -4400,7 +4649,7 @@
       </p:sp>
       <p:sp>
         <p:nvSpPr>
-          <p:cNvPr id="1319249439" name="Footer Placeholder 5"/>
+          <p:cNvPr id="1715876008" name="Footer Placeholder 5"/>
           <p:cNvSpPr>
             <a:spLocks noGrp="1"/>
           </p:cNvSpPr>
@@ -4426,7 +4675,7 @@
       </p:sp>
       <p:sp>
         <p:nvSpPr>
-          <p:cNvPr id="696723869" name="Slide Number Placeholder 6"/>
+          <p:cNvPr id="1227534541" name="Slide Number Placeholder 6"/>
           <p:cNvSpPr>
             <a:spLocks noGrp="1"/>
           </p:cNvSpPr>
@@ -4482,7 +4731,7 @@
       </p:grpSpPr>
       <p:sp>
         <p:nvSpPr>
-          <p:cNvPr id="1936415458" name="Title Placeholder 1"/>
+          <p:cNvPr id="683655551" name="Title Placeholder 1"/>
           <p:cNvSpPr>
             <a:spLocks noGrp="1"/>
           </p:cNvSpPr>
@@ -4518,7 +4767,7 @@
       </p:sp>
       <p:sp>
         <p:nvSpPr>
-          <p:cNvPr id="625264796" name="Text Placeholder 2"/>
+          <p:cNvPr id="1075543888" name="Text Placeholder 2"/>
           <p:cNvSpPr>
             <a:spLocks noGrp="1"/>
           </p:cNvSpPr>
@@ -4594,7 +4843,7 @@
       </p:sp>
       <p:sp>
         <p:nvSpPr>
-          <p:cNvPr id="1163770166" name="Date Placeholder 3"/>
+          <p:cNvPr id="1973500291" name="Date Placeholder 3"/>
           <p:cNvSpPr>
             <a:spLocks noGrp="1"/>
           </p:cNvSpPr>
@@ -4628,7 +4877,7 @@
             <a:pPr>
               <a:defRPr/>
             </a:pPr>
-            <a:fld id="{38922831-ABC1-6B6C-EA30-A013869BA2DE}" type="datetime1">
+            <a:fld id="{93CB7849-C040-50EE-D507-33F00D8C60DE}" type="datetime1">
               <a:rPr lang="en-US"/>
               <a:t>5/13/2025</a:t>
             </a:fld>
@@ -4638,7 +4887,7 @@
       </p:sp>
       <p:sp>
         <p:nvSpPr>
-          <p:cNvPr id="2014542074" name="Footer Placeholder 4"/>
+          <p:cNvPr id="1437503346" name="Footer Placeholder 4"/>
           <p:cNvSpPr>
             <a:spLocks noGrp="1"/>
           </p:cNvSpPr>
@@ -4682,7 +4931,7 @@
       </p:sp>
       <p:sp>
         <p:nvSpPr>
-          <p:cNvPr id="1570197702" name="Slide Number Placeholder 5"/>
+          <p:cNvPr id="1670817145" name="Slide Number Placeholder 5"/>
           <p:cNvSpPr>
             <a:spLocks noGrp="1"/>
           </p:cNvSpPr>
@@ -5043,7 +5292,7 @@
       </p:grpSpPr>
       <p:sp>
         <p:nvSpPr>
-          <p:cNvPr id="1344959263" name="Title 1"/>
+          <p:cNvPr id="782180088" name="Title 1"/>
           <p:cNvSpPr>
             <a:spLocks noGrp="1"/>
           </p:cNvSpPr>
@@ -5078,7 +5327,7 @@
       </p:sp>
       <p:sp>
         <p:nvSpPr>
-          <p:cNvPr id="1324933799" name="Subtitle 2"/>
+          <p:cNvPr id="308211313" name="Subtitle 2"/>
           <p:cNvSpPr>
             <a:spLocks noGrp="1"/>
           </p:cNvSpPr>
@@ -5177,7 +5426,7 @@
       </p:grpSpPr>
       <p:sp>
         <p:nvSpPr>
-          <p:cNvPr id="1893397600" name="Title 1"/>
+          <p:cNvPr id="189885467" name="Title 1"/>
           <p:cNvSpPr>
             <a:spLocks noGrp="1"/>
           </p:cNvSpPr>
@@ -5194,7 +5443,35 @@
               <a:defRPr/>
             </a:pPr>
             <a:r>
-              <a:rPr lang="en-US" sz="4400" b="0" i="0" u="none" strike="noStrike" cap="none" spc="0">
+              <a:rPr/>
+              <a:t>Sasto Nordic</a:t>
+            </a:r>
+            <a:endParaRPr/>
+          </a:p>
+        </p:txBody>
+      </p:sp>
+      <p:sp>
+        <p:nvSpPr>
+          <p:cNvPr id="528854080" name="Content Placeholder 2"/>
+          <p:cNvSpPr>
+            <a:spLocks noGrp="1"/>
+          </p:cNvSpPr>
+          <p:nvPr>
+            <p:ph idx="1"/>
+          </p:nvPr>
+        </p:nvSpPr>
+        <p:spPr bwMode="auto"/>
+        <p:txBody>
+          <a:bodyPr vertOverflow="overflow" horzOverflow="overflow" vert="horz" wrap="square" lIns="91440" tIns="45720" rIns="91440" bIns="45720" numCol="1" spcCol="0" rtlCol="0" fromWordArt="0" anchor="t" anchorCtr="0" forceAA="0" upright="0" compatLnSpc="0">
+            <a:normAutofit fontScale="90000" lnSpcReduction="2000"/>
+          </a:bodyPr>
+          <a:lstStyle/>
+          <a:p>
+            <a:pPr>
+              <a:defRPr/>
+            </a:pPr>
+            <a:r>
+              <a:rPr lang="en-US" sz="2800" b="0" i="0" u="none" strike="noStrike" cap="none" spc="0">
                 <a:solidFill>
                   <a:schemeClr val="tx1"/>
                 </a:solidFill>
@@ -5202,15 +5479,179 @@
                 <a:ea typeface="Arial"/>
                 <a:cs typeface="Arial"/>
               </a:rPr>
-              <a:t>Tarkeshwar Dental</a:t>
-            </a:r>
-            <a:endParaRPr sz="4400"/>
-          </a:p>
-        </p:txBody>
-      </p:sp>
-      <p:sp>
-        <p:nvSpPr>
-          <p:cNvPr id="600705393" name="Date Placeholder 3"/>
+              <a:t>Startup that sold Nepali products in Nordic countries</a:t>
+            </a:r>
+            <a:br>
+              <a:rPr lang="en-US" sz="2800" b="0" i="0" u="none" strike="noStrike" cap="none" spc="0">
+                <a:solidFill>
+                  <a:schemeClr val="tx1"/>
+                </a:solidFill>
+                <a:latin typeface="Arial"/>
+                <a:ea typeface="Arial"/>
+                <a:cs typeface="Arial"/>
+              </a:rPr>
+            </a:br>
+            <a:r>
+              <a:rPr lang="en-US" sz="2800" b="0" i="0" u="none" strike="noStrike" cap="none" spc="0">
+                <a:solidFill>
+                  <a:schemeClr val="tx1"/>
+                </a:solidFill>
+                <a:latin typeface="Arial"/>
+                <a:ea typeface="Arial"/>
+                <a:cs typeface="Arial"/>
+              </a:rPr>
+              <a:t>(Denmark, Norway, Sweden)</a:t>
+            </a:r>
+            <a:endParaRPr lang="en-US" sz="2800" b="0" i="0" u="none" strike="noStrike" cap="none" spc="0">
+              <a:solidFill>
+                <a:schemeClr val="tx1"/>
+              </a:solidFill>
+              <a:latin typeface="Arial"/>
+              <a:cs typeface="Arial"/>
+            </a:endParaRPr>
+          </a:p>
+          <a:p>
+            <a:pPr>
+              <a:defRPr/>
+            </a:pPr>
+            <a:endParaRPr lang="en-US" sz="2800" b="0" i="0" u="none" strike="noStrike" cap="none" spc="0">
+              <a:solidFill>
+                <a:schemeClr val="tx1"/>
+              </a:solidFill>
+              <a:latin typeface="Arial"/>
+              <a:cs typeface="Arial"/>
+            </a:endParaRPr>
+          </a:p>
+          <a:p>
+            <a:pPr>
+              <a:defRPr/>
+            </a:pPr>
+            <a:r>
+              <a:rPr lang="en-US" sz="2800" b="1" i="0" u="none" strike="noStrike" cap="none" spc="0">
+                <a:solidFill>
+                  <a:schemeClr val="tx1"/>
+                </a:solidFill>
+                <a:latin typeface="Arial"/>
+                <a:ea typeface="Arial"/>
+                <a:cs typeface="Arial"/>
+              </a:rPr>
+              <a:t>Project:</a:t>
+            </a:r>
+            <a:r>
+              <a:rPr lang="en-US" sz="2800" b="0" i="0" u="none" strike="noStrike" cap="none" spc="0">
+                <a:solidFill>
+                  <a:schemeClr val="tx1"/>
+                </a:solidFill>
+                <a:latin typeface="Arial"/>
+                <a:ea typeface="Arial"/>
+                <a:cs typeface="Arial"/>
+              </a:rPr>
+              <a:t> E-commerce site &amp; Branding materials</a:t>
+            </a:r>
+            <a:endParaRPr lang="en-US" sz="2800" b="0" i="0" u="none" strike="noStrike" cap="none" spc="0">
+              <a:solidFill>
+                <a:schemeClr val="tx1"/>
+              </a:solidFill>
+              <a:latin typeface="Arial"/>
+              <a:cs typeface="Arial"/>
+            </a:endParaRPr>
+          </a:p>
+          <a:p>
+            <a:pPr>
+              <a:defRPr/>
+            </a:pPr>
+            <a:endParaRPr lang="en-US" sz="2800" b="0" i="0" u="none" strike="noStrike" cap="none" spc="0">
+              <a:solidFill>
+                <a:schemeClr val="tx1"/>
+              </a:solidFill>
+              <a:latin typeface="Arial"/>
+              <a:cs typeface="Arial"/>
+            </a:endParaRPr>
+          </a:p>
+          <a:p>
+            <a:pPr>
+              <a:defRPr/>
+            </a:pPr>
+            <a:r>
+              <a:rPr lang="en-US" sz="2800" b="0" i="0" u="none" strike="noStrike" cap="none" spc="0">
+                <a:solidFill>
+                  <a:schemeClr val="tx1"/>
+                </a:solidFill>
+                <a:latin typeface="Arial"/>
+                <a:ea typeface="Arial"/>
+                <a:cs typeface="Arial"/>
+              </a:rPr>
+              <a:t>Assisted with data entry, testing edge cases, and editing templates</a:t>
+            </a:r>
+            <a:endParaRPr lang="en-US" sz="2800" b="0" i="0" u="none" strike="noStrike" cap="none" spc="0">
+              <a:solidFill>
+                <a:schemeClr val="tx1"/>
+              </a:solidFill>
+              <a:latin typeface="Arial"/>
+              <a:ea typeface="Arial"/>
+              <a:cs typeface="Arial"/>
+            </a:endParaRPr>
+          </a:p>
+          <a:p>
+            <a:pPr>
+              <a:defRPr/>
+            </a:pPr>
+            <a:endParaRPr/>
+          </a:p>
+          <a:p>
+            <a:pPr>
+              <a:defRPr/>
+            </a:pPr>
+            <a:r>
+              <a:rPr lang="en-US" sz="2800" b="0" i="0" u="none" strike="noStrike" cap="none" spc="0">
+                <a:solidFill>
+                  <a:schemeClr val="tx1"/>
+                </a:solidFill>
+                <a:latin typeface="Arial"/>
+                <a:ea typeface="Arial"/>
+                <a:cs typeface="Arial"/>
+              </a:rPr>
+              <a:t>To </a:t>
+            </a:r>
+            <a:r>
+              <a:rPr lang="en-US" sz="2800" b="0" i="0" u="none" strike="noStrike" cap="none" spc="0">
+                <a:solidFill>
+                  <a:schemeClr val="tx1"/>
+                </a:solidFill>
+                <a:latin typeface="Arial"/>
+                <a:ea typeface="Arial"/>
+                <a:cs typeface="Arial"/>
+              </a:rPr>
+              <a:t>familiarize myself with WordPress, Elementor, WooCommerce,</a:t>
+            </a:r>
+            <a:br>
+              <a:rPr lang="en-US" sz="2800" b="0" i="0" u="none" strike="noStrike" cap="none" spc="0">
+                <a:solidFill>
+                  <a:schemeClr val="tx1"/>
+                </a:solidFill>
+                <a:latin typeface="Arial"/>
+                <a:ea typeface="Arial"/>
+                <a:cs typeface="Arial"/>
+              </a:rPr>
+            </a:br>
+            <a:r>
+              <a:rPr lang="en-US" sz="2800" b="0" i="0" u="none" strike="noStrike" cap="none" spc="0">
+                <a:solidFill>
+                  <a:schemeClr val="tx1"/>
+                </a:solidFill>
+                <a:latin typeface="Arial"/>
+                <a:ea typeface="Arial"/>
+                <a:cs typeface="Arial"/>
+              </a:rPr>
+              <a:t>&amp; the company's WordPress workflow</a:t>
+            </a:r>
+            <a:endParaRPr/>
+          </a:p>
+        </p:txBody>
+      </p:sp>
+      <p:sp>
+        <p:nvSpPr>
+          <p:cNvPr id="1676935256" name="Date Placeholder 3"/>
           <p:cNvSpPr>
             <a:spLocks noGrp="1"/>
           </p:cNvSpPr>
@@ -5228,12 +5669,12 @@
             </a:pPr>
             <a:r>
               <a:rPr lang="en-US"/>
-              <a:t>5/12/2025</a:t>
+              <a:t>5/12/20255/13/2025</a:t>
             </a:r>
             <a:br>
               <a:rPr lang="en-US"/>
             </a:br>
-            <a:fld id="{73C44D11-36AB-263F-52AB-990AF7C664E3}" type="datetime1">
+            <a:fld id="{6BF9D34E-8DCC-BA02-E73E-FA55540AD03E}" type="datetime1">
               <a:rPr lang="en-US"/>
               <a:t/>
             </a:fld>
@@ -5243,7 +5684,7 @@
       </p:sp>
       <p:sp>
         <p:nvSpPr>
-          <p:cNvPr id="859636085" name="Footer Placeholder 4"/>
+          <p:cNvPr id="1601551545" name="Footer Placeholder 4"/>
           <p:cNvSpPr>
             <a:spLocks noGrp="1"/>
           </p:cNvSpPr>
@@ -5269,7 +5710,7 @@
       </p:sp>
       <p:sp>
         <p:nvSpPr>
-          <p:cNvPr id="772966889" name="Slide Number Placeholder 5"/>
+          <p:cNvPr id="1085856547" name="Slide Number Placeholder 5"/>
           <p:cNvSpPr>
             <a:spLocks noGrp="1"/>
           </p:cNvSpPr>
@@ -5285,7 +5726,7 @@
             <a:pPr>
               <a:defRPr/>
             </a:pPr>
-            <a:fld id="{A637B02B-AA62-5945-7EBF-BA84F3E04421}" type="slidenum">
+            <a:fld id="{B48C593D-D5B0-9761-DF69-785A93012809}" type="slidenum">
               <a:rPr lang="en-US"/>
               <a:t/>
             </a:fld>
@@ -5293,9 +5734,160 @@
           </a:p>
         </p:txBody>
       </p:sp>
+    </p:spTree>
+  </p:cSld>
+  <p:clrMapOvr>
+    <a:masterClrMapping/>
+  </p:clrMapOvr>
+  <mc:AlternateContent xmlns:mc="http://schemas.openxmlformats.org/markup-compatibility/2006">
+    <mc:Choice xmlns:p159="http://schemas.microsoft.com/office/powerpoint/2015/09/main" xmlns:p14="http://schemas.microsoft.com/office/powerpoint/2010/main" Requires="p159">
+      <p:transition p14:dur="2000" advClick="1"/>
+    </mc:Choice>
+    <mc:Fallback>
+      <p:transition advClick="1"/>
+    </mc:Fallback>
+  </mc:AlternateContent>
+</p:sld>
+</file>
+
+<file path=ppt/slides/slide11.xml><?xml version="1.0" encoding="utf-8"?>
+<p:sld xmlns:a="http://schemas.openxmlformats.org/drawingml/2006/main" xmlns:r="http://schemas.openxmlformats.org/officeDocument/2006/relationships" xmlns:p="http://schemas.openxmlformats.org/presentationml/2006/main" xmlns:m="http://schemas.openxmlformats.org/officeDocument/2006/math" xmlns:w="http://schemas.openxmlformats.org/wordprocessingml/2006/main" xmlns:mc="http://schemas.openxmlformats.org/markup-compatibility/2006" showMasterPhAnim="0" showMasterSp="1" show="1">
+  <p:cSld name="">
+    <p:spTree>
+      <p:nvGrpSpPr>
+        <p:cNvPr id="1" name=""/>
+        <p:cNvGrpSpPr/>
+        <p:nvPr/>
+      </p:nvGrpSpPr>
+      <p:grpSpPr bwMode="auto">
+        <a:xfrm>
+          <a:off x="0" y="0"/>
+          <a:ext cx="0" cy="0"/>
+          <a:chOff x="0" y="0"/>
+          <a:chExt cx="0" cy="0"/>
+        </a:xfrm>
+      </p:grpSpPr>
+      <p:sp>
+        <p:nvSpPr>
+          <p:cNvPr id="204459261" name="Title 1"/>
+          <p:cNvSpPr>
+            <a:spLocks noGrp="1"/>
+          </p:cNvSpPr>
+          <p:nvPr>
+            <p:ph type="title"/>
+          </p:nvPr>
+        </p:nvSpPr>
+        <p:spPr bwMode="auto"/>
+        <p:txBody>
+          <a:bodyPr/>
+          <a:lstStyle/>
+          <a:p>
+            <a:pPr>
+              <a:defRPr/>
+            </a:pPr>
+            <a:r>
+              <a:rPr lang="en-US" sz="4400" b="0" i="0" u="none" strike="noStrike" cap="none" spc="0">
+                <a:solidFill>
+                  <a:schemeClr val="tx1"/>
+                </a:solidFill>
+                <a:latin typeface="+mj-lt"/>
+                <a:ea typeface="+mj-ea"/>
+                <a:cs typeface="+mj-cs"/>
+              </a:rPr>
+              <a:t>Sasto Nordic</a:t>
+            </a:r>
+            <a:endParaRPr sz="4400"/>
+          </a:p>
+        </p:txBody>
+      </p:sp>
+      <p:sp>
+        <p:nvSpPr>
+          <p:cNvPr id="1634087999" name="Date Placeholder 3"/>
+          <p:cNvSpPr>
+            <a:spLocks noGrp="1"/>
+          </p:cNvSpPr>
+          <p:nvPr>
+            <p:ph type="dt" sz="half" idx="10"/>
+          </p:nvPr>
+        </p:nvSpPr>
+        <p:spPr bwMode="auto"/>
+        <p:txBody>
+          <a:bodyPr/>
+          <a:lstStyle/>
+          <a:p>
+            <a:pPr>
+              <a:defRPr/>
+            </a:pPr>
+            <a:r>
+              <a:rPr lang="en-US"/>
+              <a:t>5/12/20255/13/2025</a:t>
+            </a:r>
+            <a:br>
+              <a:rPr lang="en-US"/>
+            </a:br>
+            <a:fld id="{558490FC-DC27-550E-D16E-A6BA0A459244}" type="datetime1">
+              <a:rPr lang="en-US"/>
+              <a:t/>
+            </a:fld>
+            <a:endParaRPr/>
+          </a:p>
+        </p:txBody>
+      </p:sp>
+      <p:sp>
+        <p:nvSpPr>
+          <p:cNvPr id="862917708" name="Footer Placeholder 4"/>
+          <p:cNvSpPr>
+            <a:spLocks noGrp="1"/>
+          </p:cNvSpPr>
+          <p:nvPr>
+            <p:ph type="ftr" sz="quarter" idx="11"/>
+          </p:nvPr>
+        </p:nvSpPr>
+        <p:spPr bwMode="auto"/>
+        <p:txBody>
+          <a:bodyPr/>
+          <a:lstStyle/>
+          <a:p>
+            <a:pPr>
+              <a:defRPr/>
+            </a:pPr>
+            <a:r>
+              <a:rPr/>
+              <a:t>Sujal Gurung</a:t>
+            </a:r>
+            <a:endParaRPr/>
+          </a:p>
+        </p:txBody>
+      </p:sp>
+      <p:sp>
+        <p:nvSpPr>
+          <p:cNvPr id="1516465753" name="Slide Number Placeholder 5"/>
+          <p:cNvSpPr>
+            <a:spLocks noGrp="1"/>
+          </p:cNvSpPr>
+          <p:nvPr>
+            <p:ph type="sldNum" sz="quarter" idx="12"/>
+          </p:nvPr>
+        </p:nvSpPr>
+        <p:spPr bwMode="auto"/>
+        <p:txBody>
+          <a:bodyPr/>
+          <a:lstStyle/>
+          <a:p>
+            <a:pPr>
+              <a:defRPr/>
+            </a:pPr>
+            <a:fld id="{3AD95713-A622-CBDC-6AD9-37F38D2B79D7}" type="slidenum">
+              <a:rPr lang="en-US"/>
+              <a:t/>
+            </a:fld>
+            <a:endParaRPr lang="en-US"/>
+          </a:p>
+        </p:txBody>
+      </p:sp>
       <p:pic>
         <p:nvPicPr>
-          <p:cNvPr id="39125713" name=""/>
+          <p:cNvPr id="951151525" name=""/>
           <p:cNvPicPr>
             <a:picLocks noChangeAspect="1"/>
           </p:cNvPicPr>
@@ -5317,7 +5909,7 @@
       </p:pic>
       <p:pic>
         <p:nvPicPr>
-          <p:cNvPr id="829124117" name=""/>
+          <p:cNvPr id="2031275121" name=""/>
           <p:cNvPicPr>
             <a:picLocks noChangeAspect="1"/>
           </p:cNvPicPr>
@@ -5353,295 +5945,6 @@
 </p:sld>
 </file>
 
-<file path=ppt/slides/slide11.xml><?xml version="1.0" encoding="utf-8"?>
-<p:sld xmlns:a="http://schemas.openxmlformats.org/drawingml/2006/main" xmlns:r="http://schemas.openxmlformats.org/officeDocument/2006/relationships" xmlns:p="http://schemas.openxmlformats.org/presentationml/2006/main" xmlns:m="http://schemas.openxmlformats.org/officeDocument/2006/math" xmlns:w="http://schemas.openxmlformats.org/wordprocessingml/2006/main" xmlns:mc="http://schemas.openxmlformats.org/markup-compatibility/2006" showMasterPhAnim="0" showMasterSp="1" show="1">
-  <p:cSld name="">
-    <p:spTree>
-      <p:nvGrpSpPr>
-        <p:cNvPr id="1" name=""/>
-        <p:cNvGrpSpPr/>
-        <p:nvPr/>
-      </p:nvGrpSpPr>
-      <p:grpSpPr bwMode="auto">
-        <a:xfrm>
-          <a:off x="0" y="0"/>
-          <a:ext cx="0" cy="0"/>
-          <a:chOff x="0" y="0"/>
-          <a:chExt cx="0" cy="0"/>
-        </a:xfrm>
-      </p:grpSpPr>
-      <p:sp>
-        <p:nvSpPr>
-          <p:cNvPr id="1779542524" name="Title 1"/>
-          <p:cNvSpPr>
-            <a:spLocks noGrp="1"/>
-          </p:cNvSpPr>
-          <p:nvPr>
-            <p:ph type="title"/>
-          </p:nvPr>
-        </p:nvSpPr>
-        <p:spPr bwMode="auto"/>
-        <p:txBody>
-          <a:bodyPr/>
-          <a:lstStyle/>
-          <a:p>
-            <a:pPr>
-              <a:defRPr/>
-            </a:pPr>
-            <a:r>
-              <a:rPr lang="en-US" sz="4400" b="0" i="0" u="none" strike="noStrike" cap="none" spc="0">
-                <a:solidFill>
-                  <a:schemeClr val="tx1"/>
-                </a:solidFill>
-                <a:latin typeface="Arial"/>
-                <a:ea typeface="Arial"/>
-                <a:cs typeface="Arial"/>
-              </a:rPr>
-              <a:t>GLOHMED</a:t>
-            </a:r>
-            <a:endParaRPr sz="4400"/>
-          </a:p>
-        </p:txBody>
-      </p:sp>
-      <p:sp>
-        <p:nvSpPr>
-          <p:cNvPr id="2048487365" name="Content Placeholder 2"/>
-          <p:cNvSpPr>
-            <a:spLocks noGrp="1"/>
-          </p:cNvSpPr>
-          <p:nvPr>
-            <p:ph idx="1"/>
-          </p:nvPr>
-        </p:nvSpPr>
-        <p:spPr bwMode="auto"/>
-        <p:txBody>
-          <a:bodyPr vertOverflow="overflow" horzOverflow="overflow" vert="horz" wrap="square" lIns="91440" tIns="45720" rIns="91440" bIns="45720" numCol="1" spcCol="0" rtlCol="0" fromWordArt="0" anchor="t" anchorCtr="0" forceAA="0" upright="0" compatLnSpc="0">
-            <a:normAutofit fontScale="95000" lnSpcReduction="1000"/>
-          </a:bodyPr>
-          <a:lstStyle/>
-          <a:p>
-            <a:pPr>
-              <a:defRPr/>
-            </a:pPr>
-            <a:r>
-              <a:rPr/>
-              <a:t>Medical research organization in Nepal &amp; long-term client</a:t>
-            </a:r>
-            <a:endParaRPr/>
-          </a:p>
-          <a:p>
-            <a:pPr>
-              <a:defRPr/>
-            </a:pPr>
-            <a:endParaRPr/>
-          </a:p>
-          <a:p>
-            <a:pPr>
-              <a:defRPr/>
-            </a:pPr>
-            <a:r>
-              <a:rPr/>
-              <a:t>Handled website redesign, update requests</a:t>
-            </a:r>
-            <a:endParaRPr/>
-          </a:p>
-          <a:p>
-            <a:pPr>
-              <a:defRPr/>
-            </a:pPr>
-            <a:endParaRPr/>
-          </a:p>
-          <a:p>
-            <a:pPr>
-              <a:defRPr/>
-            </a:pPr>
-            <a:r>
-              <a:rPr lang="en-US" sz="2800" b="0" i="0" u="none" strike="noStrike" cap="none" spc="0">
-                <a:solidFill>
-                  <a:schemeClr val="tx1"/>
-                </a:solidFill>
-                <a:latin typeface="Arial"/>
-                <a:ea typeface="Arial"/>
-                <a:cs typeface="Arial"/>
-              </a:rPr>
-              <a:t>Optimized site by replacing heavy 3rd-party plugins</a:t>
-            </a:r>
-            <a:endParaRPr lang="en-US" sz="2800" b="0" i="0" u="none" strike="noStrike" cap="none" spc="0">
-              <a:solidFill>
-                <a:schemeClr val="tx1"/>
-              </a:solidFill>
-              <a:latin typeface="Arial"/>
-              <a:ea typeface="Arial"/>
-              <a:cs typeface="Arial"/>
-            </a:endParaRPr>
-          </a:p>
-          <a:p>
-            <a:pPr>
-              <a:defRPr/>
-            </a:pPr>
-            <a:endParaRPr lang="en-US" sz="2800" b="0" i="0" u="none" strike="noStrike" cap="none" spc="0">
-              <a:solidFill>
-                <a:schemeClr val="tx1"/>
-              </a:solidFill>
-              <a:latin typeface="Arial"/>
-              <a:cs typeface="Arial"/>
-            </a:endParaRPr>
-          </a:p>
-          <a:p>
-            <a:pPr>
-              <a:defRPr/>
-            </a:pPr>
-            <a:r>
-              <a:rPr lang="en-US" sz="2800" b="0" i="0" u="none" strike="noStrike" cap="none" spc="0">
-                <a:solidFill>
-                  <a:schemeClr val="tx1"/>
-                </a:solidFill>
-                <a:latin typeface="Arial"/>
-                <a:ea typeface="Arial"/>
-                <a:cs typeface="Arial"/>
-              </a:rPr>
-              <a:t>Perform maintenance, backups, verifying update safety </a:t>
-            </a:r>
-            <a:endParaRPr lang="en-US" sz="2800" b="0" i="0" u="none" strike="noStrike" cap="none" spc="0">
-              <a:solidFill>
-                <a:schemeClr val="tx1"/>
-              </a:solidFill>
-              <a:latin typeface="Arial"/>
-              <a:cs typeface="Arial"/>
-            </a:endParaRPr>
-          </a:p>
-          <a:p>
-            <a:pPr>
-              <a:defRPr/>
-            </a:pPr>
-            <a:endParaRPr lang="en-US" sz="2800" b="0" i="0" u="none" strike="noStrike" cap="none" spc="0">
-              <a:solidFill>
-                <a:schemeClr val="tx1"/>
-              </a:solidFill>
-              <a:latin typeface="Arial"/>
-              <a:cs typeface="Arial"/>
-            </a:endParaRPr>
-          </a:p>
-          <a:p>
-            <a:pPr>
-              <a:defRPr/>
-            </a:pPr>
-            <a:r>
-              <a:rPr lang="en-US" sz="2800" b="0" i="0" u="none" strike="noStrike" cap="none" spc="0">
-                <a:solidFill>
-                  <a:schemeClr val="tx1"/>
-                </a:solidFill>
-                <a:latin typeface="Arial"/>
-                <a:ea typeface="Arial"/>
-                <a:cs typeface="Arial"/>
-              </a:rPr>
-              <a:t>Designed easy-to-edit HTML email newsletter templates</a:t>
-            </a:r>
-            <a:endParaRPr/>
-          </a:p>
-        </p:txBody>
-      </p:sp>
-      <p:sp>
-        <p:nvSpPr>
-          <p:cNvPr id="267087714" name="Date Placeholder 3"/>
-          <p:cNvSpPr>
-            <a:spLocks noGrp="1"/>
-          </p:cNvSpPr>
-          <p:nvPr>
-            <p:ph type="dt" sz="half" idx="10"/>
-          </p:nvPr>
-        </p:nvSpPr>
-        <p:spPr bwMode="auto"/>
-        <p:txBody>
-          <a:bodyPr/>
-          <a:lstStyle/>
-          <a:p>
-            <a:pPr>
-              <a:defRPr/>
-            </a:pPr>
-            <a:r>
-              <a:rPr lang="en-US"/>
-              <a:t>5/12/2025</a:t>
-            </a:r>
-            <a:br>
-              <a:rPr lang="en-US"/>
-            </a:br>
-            <a:fld id="{9D2E847A-A46E-BA86-BDDD-5C0E61036E21}" type="datetime1">
-              <a:rPr lang="en-US"/>
-              <a:t/>
-            </a:fld>
-            <a:endParaRPr/>
-          </a:p>
-        </p:txBody>
-      </p:sp>
-      <p:sp>
-        <p:nvSpPr>
-          <p:cNvPr id="550203080" name="Footer Placeholder 4"/>
-          <p:cNvSpPr>
-            <a:spLocks noGrp="1"/>
-          </p:cNvSpPr>
-          <p:nvPr>
-            <p:ph type="ftr" sz="quarter" idx="11"/>
-          </p:nvPr>
-        </p:nvSpPr>
-        <p:spPr bwMode="auto"/>
-        <p:txBody>
-          <a:bodyPr/>
-          <a:lstStyle/>
-          <a:p>
-            <a:pPr>
-              <a:defRPr/>
-            </a:pPr>
-            <a:r>
-              <a:rPr/>
-              <a:t>Sujal Gurung</a:t>
-            </a:r>
-            <a:endParaRPr/>
-          </a:p>
-        </p:txBody>
-      </p:sp>
-      <p:sp>
-        <p:nvSpPr>
-          <p:cNvPr id="2089200873" name="Slide Number Placeholder 5"/>
-          <p:cNvSpPr>
-            <a:spLocks noGrp="1"/>
-          </p:cNvSpPr>
-          <p:nvPr>
-            <p:ph type="sldNum" sz="quarter" idx="12"/>
-          </p:nvPr>
-        </p:nvSpPr>
-        <p:spPr bwMode="auto"/>
-        <p:txBody>
-          <a:bodyPr/>
-          <a:lstStyle/>
-          <a:p>
-            <a:pPr>
-              <a:defRPr/>
-            </a:pPr>
-            <a:fld id="{51F8749E-8396-AA3A-C2B5-F95575F166A8}" type="slidenum">
-              <a:rPr lang="en-US"/>
-              <a:t/>
-            </a:fld>
-            <a:endParaRPr lang="en-US"/>
-          </a:p>
-        </p:txBody>
-      </p:sp>
-    </p:spTree>
-  </p:cSld>
-  <p:clrMapOvr>
-    <a:masterClrMapping/>
-  </p:clrMapOvr>
-  <mc:AlternateContent xmlns:mc="http://schemas.openxmlformats.org/markup-compatibility/2006">
-    <mc:Choice xmlns:p159="http://schemas.microsoft.com/office/powerpoint/2015/09/main" xmlns:p14="http://schemas.microsoft.com/office/powerpoint/2010/main" Requires="p159">
-      <p:transition p14:dur="2000" advClick="1"/>
-    </mc:Choice>
-    <mc:Fallback>
-      <p:transition advClick="1"/>
-    </mc:Fallback>
-  </mc:AlternateContent>
-</p:sld>
-</file>
-
 <file path=ppt/slides/slide12.xml><?xml version="1.0" encoding="utf-8"?>
 <p:sld xmlns:a="http://schemas.openxmlformats.org/drawingml/2006/main" xmlns:r="http://schemas.openxmlformats.org/officeDocument/2006/relationships" xmlns:p="http://schemas.openxmlformats.org/presentationml/2006/main" xmlns:m="http://schemas.openxmlformats.org/officeDocument/2006/math" xmlns:w="http://schemas.openxmlformats.org/wordprocessingml/2006/main" xmlns:mc="http://schemas.openxmlformats.org/markup-compatibility/2006" showMasterPhAnim="0" showMasterSp="1" show="1">
   <p:cSld name="">
@@ -5661,7 +5964,7 @@
       </p:grpSpPr>
       <p:sp>
         <p:nvSpPr>
-          <p:cNvPr id="1349790921" name="Title 1"/>
+          <p:cNvPr id="733824230" name="Title 1"/>
           <p:cNvSpPr>
             <a:spLocks noGrp="1"/>
           </p:cNvSpPr>
@@ -5686,7 +5989,7 @@
                 <a:ea typeface="Arial"/>
                 <a:cs typeface="Arial"/>
               </a:rPr>
-              <a:t>GLOHMED</a:t>
+              <a:t>Tarkeshwar Dental</a:t>
             </a:r>
             <a:endParaRPr sz="4400"/>
           </a:p>
@@ -5694,7 +5997,160 @@
       </p:sp>
       <p:sp>
         <p:nvSpPr>
-          <p:cNvPr id="989218861" name="Date Placeholder 3"/>
+          <p:cNvPr id="196240477" name="Content Placeholder 2"/>
+          <p:cNvSpPr>
+            <a:spLocks noGrp="1"/>
+          </p:cNvSpPr>
+          <p:nvPr>
+            <p:ph idx="1"/>
+          </p:nvPr>
+        </p:nvSpPr>
+        <p:spPr bwMode="auto"/>
+        <p:txBody>
+          <a:bodyPr vertOverflow="overflow" horzOverflow="overflow" vert="horz" wrap="square" lIns="91440" tIns="45720" rIns="91440" bIns="45720" numCol="1" spcCol="0" rtlCol="0" fromWordArt="0" anchor="t" anchorCtr="0" forceAA="0" upright="0" compatLnSpc="0">
+            <a:normAutofit/>
+          </a:bodyPr>
+          <a:lstStyle/>
+          <a:p>
+            <a:pPr>
+              <a:defRPr/>
+            </a:pPr>
+            <a:r>
+              <a:rPr lang="en-US" sz="2500" b="1" i="0" u="none" strike="noStrike" cap="none" spc="0">
+                <a:solidFill>
+                  <a:schemeClr val="tx1"/>
+                </a:solidFill>
+                <a:latin typeface="Arial"/>
+                <a:ea typeface="Arial"/>
+                <a:cs typeface="Arial"/>
+              </a:rPr>
+              <a:t>Project:</a:t>
+            </a:r>
+            <a:r>
+              <a:rPr lang="en-US" sz="2500" b="0" i="0" u="none" strike="noStrike" cap="none" spc="0">
+                <a:solidFill>
+                  <a:schemeClr val="tx1"/>
+                </a:solidFill>
+                <a:latin typeface="Arial"/>
+                <a:ea typeface="Arial"/>
+                <a:cs typeface="Arial"/>
+              </a:rPr>
+              <a:t> Informational website for a dental clinic &amp; their services</a:t>
+            </a:r>
+            <a:endParaRPr lang="en-US" sz="2500" b="0" i="0" u="none" strike="noStrike" cap="none" spc="0">
+              <a:solidFill>
+                <a:schemeClr val="tx1"/>
+              </a:solidFill>
+              <a:latin typeface="Arial"/>
+              <a:ea typeface="Arial"/>
+              <a:cs typeface="Arial"/>
+            </a:endParaRPr>
+          </a:p>
+          <a:p>
+            <a:pPr>
+              <a:defRPr/>
+            </a:pPr>
+            <a:endParaRPr lang="en-US" sz="2500" b="0" i="0" u="none" strike="noStrike" cap="none" spc="0">
+              <a:solidFill>
+                <a:schemeClr val="tx1"/>
+              </a:solidFill>
+              <a:latin typeface="Arial"/>
+              <a:cs typeface="Arial"/>
+            </a:endParaRPr>
+          </a:p>
+          <a:p>
+            <a:pPr>
+              <a:defRPr/>
+            </a:pPr>
+            <a:r>
+              <a:rPr lang="en-US" sz="2500" b="0" i="0" u="none" strike="noStrike" cap="none" spc="0">
+                <a:solidFill>
+                  <a:schemeClr val="tx1"/>
+                </a:solidFill>
+                <a:latin typeface="Arial"/>
+                <a:ea typeface="Arial"/>
+                <a:cs typeface="Arial"/>
+              </a:rPr>
+              <a:t>Joined client meetings to understand project goals</a:t>
+            </a:r>
+            <a:endParaRPr lang="en-US" sz="2500" b="0" i="0" u="none" strike="noStrike" cap="none" spc="0">
+              <a:solidFill>
+                <a:schemeClr val="tx1"/>
+              </a:solidFill>
+              <a:latin typeface="Arial"/>
+              <a:ea typeface="Arial"/>
+              <a:cs typeface="Arial"/>
+            </a:endParaRPr>
+          </a:p>
+          <a:p>
+            <a:pPr>
+              <a:defRPr/>
+            </a:pPr>
+            <a:endParaRPr lang="en-US" sz="2500" b="0" i="0" u="none" strike="noStrike" cap="none" spc="0">
+              <a:solidFill>
+                <a:schemeClr val="tx1"/>
+              </a:solidFill>
+              <a:latin typeface="Arial"/>
+              <a:cs typeface="Arial"/>
+            </a:endParaRPr>
+          </a:p>
+          <a:p>
+            <a:pPr>
+              <a:defRPr/>
+            </a:pPr>
+            <a:r>
+              <a:rPr lang="en-US" sz="2500" b="0" i="0" u="none" strike="noStrike" cap="none" spc="0">
+                <a:solidFill>
+                  <a:schemeClr val="tx1"/>
+                </a:solidFill>
+                <a:latin typeface="Arial"/>
+                <a:ea typeface="Arial"/>
+                <a:cs typeface="Arial"/>
+              </a:rPr>
+              <a:t>Built majority of site, learning advanced WordPress features</a:t>
+            </a:r>
+            <a:endParaRPr lang="en-US" sz="2500" b="0" i="0" u="none" strike="noStrike" cap="none" spc="0">
+              <a:solidFill>
+                <a:schemeClr val="tx1"/>
+              </a:solidFill>
+              <a:latin typeface="Arial"/>
+              <a:cs typeface="Arial"/>
+            </a:endParaRPr>
+          </a:p>
+          <a:p>
+            <a:pPr>
+              <a:defRPr/>
+            </a:pPr>
+            <a:endParaRPr lang="en-US" sz="2500" b="0" i="0" u="none" strike="noStrike" cap="none" spc="0">
+              <a:solidFill>
+                <a:schemeClr val="tx1"/>
+              </a:solidFill>
+              <a:latin typeface="Arial"/>
+              <a:cs typeface="Arial"/>
+            </a:endParaRPr>
+          </a:p>
+          <a:p>
+            <a:pPr>
+              <a:defRPr/>
+            </a:pPr>
+            <a:r>
+              <a:rPr lang="en-US" sz="2500" b="0" i="0" u="none" strike="noStrike" cap="none" spc="0">
+                <a:solidFill>
+                  <a:schemeClr val="tx1"/>
+                </a:solidFill>
+                <a:latin typeface="Arial"/>
+                <a:ea typeface="Arial"/>
+                <a:cs typeface="Arial"/>
+              </a:rPr>
+              <a:t>Learned local development setup, deployment and team workflows</a:t>
+            </a:r>
+            <a:endParaRPr/>
+          </a:p>
+        </p:txBody>
+      </p:sp>
+      <p:sp>
+        <p:nvSpPr>
+          <p:cNvPr id="143442416" name="Date Placeholder 3"/>
           <p:cNvSpPr>
             <a:spLocks noGrp="1"/>
           </p:cNvSpPr>
@@ -5712,12 +6168,12 @@
             </a:pPr>
             <a:r>
               <a:rPr lang="en-US"/>
-              <a:t>5/12/2025</a:t>
+              <a:t>5/12/20255/13/2025</a:t>
             </a:r>
             <a:br>
               <a:rPr lang="en-US"/>
             </a:br>
-            <a:fld id="{B62FC748-E5C9-1201-2772-F493042EB351}" type="datetime1">
+            <a:fld id="{5DE8D6B7-7CEB-A7FC-E734-433E7058DBD3}" type="datetime1">
               <a:rPr lang="en-US"/>
               <a:t/>
             </a:fld>
@@ -5727,7 +6183,7 @@
       </p:sp>
       <p:sp>
         <p:nvSpPr>
-          <p:cNvPr id="480715344" name="Footer Placeholder 4"/>
+          <p:cNvPr id="904869568" name="Footer Placeholder 4"/>
           <p:cNvSpPr>
             <a:spLocks noGrp="1"/>
           </p:cNvSpPr>
@@ -5753,7 +6209,7 @@
       </p:sp>
       <p:sp>
         <p:nvSpPr>
-          <p:cNvPr id="294453213" name="Slide Number Placeholder 5"/>
+          <p:cNvPr id="2082950719" name="Slide Number Placeholder 5"/>
           <p:cNvSpPr>
             <a:spLocks noGrp="1"/>
           </p:cNvSpPr>
@@ -5769,7 +6225,7 @@
             <a:pPr>
               <a:defRPr/>
             </a:pPr>
-            <a:fld id="{DE29CF69-1512-2556-F10D-2F0DCF98440A}" type="slidenum">
+            <a:fld id="{B8686DCE-2E9E-8F2F-D3B3-B5F7A56E6C3A}" type="slidenum">
               <a:rPr lang="en-US"/>
               <a:t/>
             </a:fld>
@@ -5777,9 +6233,160 @@
           </a:p>
         </p:txBody>
       </p:sp>
+    </p:spTree>
+  </p:cSld>
+  <p:clrMapOvr>
+    <a:masterClrMapping/>
+  </p:clrMapOvr>
+  <mc:AlternateContent xmlns:mc="http://schemas.openxmlformats.org/markup-compatibility/2006">
+    <mc:Choice xmlns:p159="http://schemas.microsoft.com/office/powerpoint/2015/09/main" xmlns:p14="http://schemas.microsoft.com/office/powerpoint/2010/main" Requires="p159">
+      <p:transition p14:dur="2000" advClick="1"/>
+    </mc:Choice>
+    <mc:Fallback>
+      <p:transition advClick="1"/>
+    </mc:Fallback>
+  </mc:AlternateContent>
+</p:sld>
+</file>
+
+<file path=ppt/slides/slide13.xml><?xml version="1.0" encoding="utf-8"?>
+<p:sld xmlns:a="http://schemas.openxmlformats.org/drawingml/2006/main" xmlns:r="http://schemas.openxmlformats.org/officeDocument/2006/relationships" xmlns:p="http://schemas.openxmlformats.org/presentationml/2006/main" xmlns:m="http://schemas.openxmlformats.org/officeDocument/2006/math" xmlns:w="http://schemas.openxmlformats.org/wordprocessingml/2006/main" xmlns:mc="http://schemas.openxmlformats.org/markup-compatibility/2006" showMasterPhAnim="0" showMasterSp="1" show="1">
+  <p:cSld name="">
+    <p:spTree>
+      <p:nvGrpSpPr>
+        <p:cNvPr id="1" name=""/>
+        <p:cNvGrpSpPr/>
+        <p:nvPr/>
+      </p:nvGrpSpPr>
+      <p:grpSpPr bwMode="auto">
+        <a:xfrm>
+          <a:off x="0" y="0"/>
+          <a:ext cx="0" cy="0"/>
+          <a:chOff x="0" y="0"/>
+          <a:chExt cx="0" cy="0"/>
+        </a:xfrm>
+      </p:grpSpPr>
+      <p:sp>
+        <p:nvSpPr>
+          <p:cNvPr id="1693041966" name="Title 1"/>
+          <p:cNvSpPr>
+            <a:spLocks noGrp="1"/>
+          </p:cNvSpPr>
+          <p:nvPr>
+            <p:ph type="title"/>
+          </p:nvPr>
+        </p:nvSpPr>
+        <p:spPr bwMode="auto"/>
+        <p:txBody>
+          <a:bodyPr/>
+          <a:lstStyle/>
+          <a:p>
+            <a:pPr>
+              <a:defRPr/>
+            </a:pPr>
+            <a:r>
+              <a:rPr lang="en-US" sz="4400" b="0" i="0" u="none" strike="noStrike" cap="none" spc="0">
+                <a:solidFill>
+                  <a:schemeClr val="tx1"/>
+                </a:solidFill>
+                <a:latin typeface="Arial"/>
+                <a:ea typeface="Arial"/>
+                <a:cs typeface="Arial"/>
+              </a:rPr>
+              <a:t>Tarkeshwar Dental</a:t>
+            </a:r>
+            <a:endParaRPr sz="4400"/>
+          </a:p>
+        </p:txBody>
+      </p:sp>
+      <p:sp>
+        <p:nvSpPr>
+          <p:cNvPr id="773884360" name="Date Placeholder 3"/>
+          <p:cNvSpPr>
+            <a:spLocks noGrp="1"/>
+          </p:cNvSpPr>
+          <p:nvPr>
+            <p:ph type="dt" sz="half" idx="10"/>
+          </p:nvPr>
+        </p:nvSpPr>
+        <p:spPr bwMode="auto"/>
+        <p:txBody>
+          <a:bodyPr/>
+          <a:lstStyle/>
+          <a:p>
+            <a:pPr>
+              <a:defRPr/>
+            </a:pPr>
+            <a:r>
+              <a:rPr lang="en-US"/>
+              <a:t>5/12/20255/13/2025</a:t>
+            </a:r>
+            <a:br>
+              <a:rPr lang="en-US"/>
+            </a:br>
+            <a:fld id="{3B5A5035-E84D-FAEB-2962-8A38E59981FB}" type="datetime1">
+              <a:rPr lang="en-US"/>
+              <a:t/>
+            </a:fld>
+            <a:endParaRPr/>
+          </a:p>
+        </p:txBody>
+      </p:sp>
+      <p:sp>
+        <p:nvSpPr>
+          <p:cNvPr id="1854572790" name="Footer Placeholder 4"/>
+          <p:cNvSpPr>
+            <a:spLocks noGrp="1"/>
+          </p:cNvSpPr>
+          <p:nvPr>
+            <p:ph type="ftr" sz="quarter" idx="11"/>
+          </p:nvPr>
+        </p:nvSpPr>
+        <p:spPr bwMode="auto"/>
+        <p:txBody>
+          <a:bodyPr/>
+          <a:lstStyle/>
+          <a:p>
+            <a:pPr>
+              <a:defRPr/>
+            </a:pPr>
+            <a:r>
+              <a:rPr/>
+              <a:t>Sujal Gurung</a:t>
+            </a:r>
+            <a:endParaRPr/>
+          </a:p>
+        </p:txBody>
+      </p:sp>
+      <p:sp>
+        <p:nvSpPr>
+          <p:cNvPr id="525791921" name="Slide Number Placeholder 5"/>
+          <p:cNvSpPr>
+            <a:spLocks noGrp="1"/>
+          </p:cNvSpPr>
+          <p:nvPr>
+            <p:ph type="sldNum" sz="quarter" idx="12"/>
+          </p:nvPr>
+        </p:nvSpPr>
+        <p:spPr bwMode="auto"/>
+        <p:txBody>
+          <a:bodyPr/>
+          <a:lstStyle/>
+          <a:p>
+            <a:pPr>
+              <a:defRPr/>
+            </a:pPr>
+            <a:fld id="{A637B02B-AA62-5945-7EBF-BA84F3E04421}" type="slidenum">
+              <a:rPr lang="en-US"/>
+              <a:t/>
+            </a:fld>
+            <a:endParaRPr lang="en-US"/>
+          </a:p>
+        </p:txBody>
+      </p:sp>
       <p:pic>
         <p:nvPicPr>
-          <p:cNvPr id="349772333" name=""/>
+          <p:cNvPr id="1721315058" name=""/>
           <p:cNvPicPr>
             <a:picLocks noChangeAspect="1"/>
           </p:cNvPicPr>
@@ -5801,7 +6408,7 @@
       </p:pic>
       <p:pic>
         <p:nvPicPr>
-          <p:cNvPr id="562666412" name=""/>
+          <p:cNvPr id="548415286" name=""/>
           <p:cNvPicPr>
             <a:picLocks noChangeAspect="1"/>
           </p:cNvPicPr>
@@ -5837,294 +6444,6 @@
 </p:sld>
 </file>
 
-<file path=ppt/slides/slide13.xml><?xml version="1.0" encoding="utf-8"?>
-<p:sld xmlns:a="http://schemas.openxmlformats.org/drawingml/2006/main" xmlns:r="http://schemas.openxmlformats.org/officeDocument/2006/relationships" xmlns:p="http://schemas.openxmlformats.org/presentationml/2006/main" xmlns:m="http://schemas.openxmlformats.org/officeDocument/2006/math" xmlns:w="http://schemas.openxmlformats.org/wordprocessingml/2006/main" xmlns:mc="http://schemas.openxmlformats.org/markup-compatibility/2006" showMasterPhAnim="0" showMasterSp="1" show="1">
-  <p:cSld name="">
-    <p:spTree>
-      <p:nvGrpSpPr>
-        <p:cNvPr id="1" name=""/>
-        <p:cNvGrpSpPr/>
-        <p:nvPr/>
-      </p:nvGrpSpPr>
-      <p:grpSpPr bwMode="auto">
-        <a:xfrm>
-          <a:off x="0" y="0"/>
-          <a:ext cx="0" cy="0"/>
-          <a:chOff x="0" y="0"/>
-          <a:chExt cx="0" cy="0"/>
-        </a:xfrm>
-      </p:grpSpPr>
-      <p:sp>
-        <p:nvSpPr>
-          <p:cNvPr id="1858292386" name="Title 1"/>
-          <p:cNvSpPr>
-            <a:spLocks noGrp="1"/>
-          </p:cNvSpPr>
-          <p:nvPr>
-            <p:ph type="title"/>
-          </p:nvPr>
-        </p:nvSpPr>
-        <p:spPr bwMode="auto"/>
-        <p:txBody>
-          <a:bodyPr/>
-          <a:lstStyle/>
-          <a:p>
-            <a:pPr>
-              <a:defRPr/>
-            </a:pPr>
-            <a:r>
-              <a:rPr lang="en-US" sz="4400" b="0" i="0" u="none" strike="noStrike" cap="none" spc="0">
-                <a:solidFill>
-                  <a:schemeClr val="tx1"/>
-                </a:solidFill>
-                <a:latin typeface="Arial"/>
-                <a:ea typeface="Arial"/>
-                <a:cs typeface="Arial"/>
-              </a:rPr>
-              <a:t>Foreign language test web-app</a:t>
-            </a:r>
-            <a:endParaRPr sz="4400"/>
-          </a:p>
-        </p:txBody>
-      </p:sp>
-      <p:sp>
-        <p:nvSpPr>
-          <p:cNvPr id="1636176295" name="Content Placeholder 2"/>
-          <p:cNvSpPr>
-            <a:spLocks noGrp="1"/>
-          </p:cNvSpPr>
-          <p:nvPr>
-            <p:ph idx="1"/>
-          </p:nvPr>
-        </p:nvSpPr>
-        <p:spPr bwMode="auto"/>
-        <p:txBody>
-          <a:bodyPr vertOverflow="overflow" horzOverflow="overflow" vert="horz" wrap="square" lIns="91440" tIns="45720" rIns="91440" bIns="45720" numCol="1" spcCol="0" rtlCol="0" fromWordArt="0" anchor="t" anchorCtr="0" forceAA="0" upright="0" compatLnSpc="0">
-            <a:normAutofit fontScale="95000" lnSpcReduction="1000"/>
-          </a:bodyPr>
-          <a:lstStyle/>
-          <a:p>
-            <a:pPr>
-              <a:defRPr/>
-            </a:pPr>
-            <a:r>
-              <a:rPr/>
-              <a:t>Was taught to make MVPs quickly with NextJS, SQLite</a:t>
-            </a:r>
-            <a:endParaRPr/>
-          </a:p>
-          <a:p>
-            <a:pPr>
-              <a:defRPr/>
-            </a:pPr>
-            <a:endParaRPr/>
-          </a:p>
-          <a:p>
-            <a:pPr>
-              <a:defRPr/>
-            </a:pPr>
-            <a:r>
-              <a:rPr/>
-              <a:t>Tasked to work on a unique project idea</a:t>
-            </a:r>
-            <a:endParaRPr/>
-          </a:p>
-          <a:p>
-            <a:pPr>
-              <a:defRPr/>
-            </a:pPr>
-            <a:endParaRPr/>
-          </a:p>
-          <a:p>
-            <a:pPr>
-              <a:defRPr/>
-            </a:pPr>
-            <a:r>
-              <a:rPr lang="en-US" sz="2800" b="0" i="0" u="none" strike="noStrike" cap="none" spc="0">
-                <a:solidFill>
-                  <a:schemeClr val="tx1"/>
-                </a:solidFill>
-                <a:latin typeface="Arial"/>
-                <a:ea typeface="Arial"/>
-                <a:cs typeface="Arial"/>
-              </a:rPr>
-              <a:t>Built foreign language exam web app prototype</a:t>
-            </a:r>
-            <a:endParaRPr lang="en-US" sz="2800" b="0" i="0" u="none" strike="noStrike" cap="none" spc="0">
-              <a:solidFill>
-                <a:schemeClr val="tx1"/>
-              </a:solidFill>
-              <a:latin typeface="Arial"/>
-              <a:cs typeface="Arial"/>
-            </a:endParaRPr>
-          </a:p>
-          <a:p>
-            <a:pPr>
-              <a:defRPr/>
-            </a:pPr>
-            <a:endParaRPr lang="en-US" sz="2800" b="0" i="0" u="none" strike="noStrike" cap="none" spc="0">
-              <a:solidFill>
-                <a:schemeClr val="tx1"/>
-              </a:solidFill>
-              <a:latin typeface="Arial"/>
-              <a:cs typeface="Arial"/>
-            </a:endParaRPr>
-          </a:p>
-          <a:p>
-            <a:pPr>
-              <a:defRPr/>
-            </a:pPr>
-            <a:r>
-              <a:rPr lang="en-US" sz="2800" b="0" i="0" u="none" strike="noStrike" cap="none" spc="0">
-                <a:solidFill>
-                  <a:schemeClr val="tx1"/>
-                </a:solidFill>
-                <a:latin typeface="Arial"/>
-                <a:ea typeface="Arial"/>
-                <a:cs typeface="Arial"/>
-              </a:rPr>
-              <a:t>Aimed at non-technical examiners for easy test editing</a:t>
-            </a:r>
-            <a:endParaRPr lang="en-US" sz="2800" b="0" i="0" u="none" strike="noStrike" cap="none" spc="0">
-              <a:solidFill>
-                <a:schemeClr val="tx1"/>
-              </a:solidFill>
-              <a:latin typeface="Arial"/>
-              <a:cs typeface="Arial"/>
-            </a:endParaRPr>
-          </a:p>
-          <a:p>
-            <a:pPr>
-              <a:defRPr/>
-            </a:pPr>
-            <a:endParaRPr lang="en-US" sz="2800" b="0" i="0" u="none" strike="noStrike" cap="none" spc="0">
-              <a:solidFill>
-                <a:schemeClr val="tx1"/>
-              </a:solidFill>
-              <a:latin typeface="Arial"/>
-              <a:cs typeface="Arial"/>
-            </a:endParaRPr>
-          </a:p>
-          <a:p>
-            <a:pPr>
-              <a:defRPr/>
-            </a:pPr>
-            <a:r>
-              <a:rPr lang="en-US" sz="2800" b="0" i="0" u="none" strike="noStrike" cap="none" spc="0">
-                <a:solidFill>
-                  <a:schemeClr val="tx1"/>
-                </a:solidFill>
-                <a:latin typeface="Arial"/>
-                <a:ea typeface="Arial"/>
-                <a:cs typeface="Arial"/>
-              </a:rPr>
-              <a:t>Created demo with Korean EPS test questions</a:t>
-            </a:r>
-            <a:endParaRPr/>
-          </a:p>
-        </p:txBody>
-      </p:sp>
-      <p:sp>
-        <p:nvSpPr>
-          <p:cNvPr id="2052986281" name="Date Placeholder 3"/>
-          <p:cNvSpPr>
-            <a:spLocks noGrp="1"/>
-          </p:cNvSpPr>
-          <p:nvPr>
-            <p:ph type="dt" sz="half" idx="10"/>
-          </p:nvPr>
-        </p:nvSpPr>
-        <p:spPr bwMode="auto"/>
-        <p:txBody>
-          <a:bodyPr/>
-          <a:lstStyle/>
-          <a:p>
-            <a:pPr>
-              <a:defRPr/>
-            </a:pPr>
-            <a:r>
-              <a:rPr lang="en-US"/>
-              <a:t>5/12/2025</a:t>
-            </a:r>
-            <a:br>
-              <a:rPr lang="en-US"/>
-            </a:br>
-            <a:fld id="{349F8D28-B796-A810-FDEA-A92D678A0DFC}" type="datetime1">
-              <a:rPr lang="en-US"/>
-              <a:t/>
-            </a:fld>
-            <a:endParaRPr/>
-          </a:p>
-        </p:txBody>
-      </p:sp>
-      <p:sp>
-        <p:nvSpPr>
-          <p:cNvPr id="1113811151" name="Footer Placeholder 4"/>
-          <p:cNvSpPr>
-            <a:spLocks noGrp="1"/>
-          </p:cNvSpPr>
-          <p:nvPr>
-            <p:ph type="ftr" sz="quarter" idx="11"/>
-          </p:nvPr>
-        </p:nvSpPr>
-        <p:spPr bwMode="auto"/>
-        <p:txBody>
-          <a:bodyPr/>
-          <a:lstStyle/>
-          <a:p>
-            <a:pPr>
-              <a:defRPr/>
-            </a:pPr>
-            <a:r>
-              <a:rPr/>
-              <a:t>Sujal Gurung</a:t>
-            </a:r>
-            <a:endParaRPr/>
-          </a:p>
-        </p:txBody>
-      </p:sp>
-      <p:sp>
-        <p:nvSpPr>
-          <p:cNvPr id="698445974" name="Slide Number Placeholder 5"/>
-          <p:cNvSpPr>
-            <a:spLocks noGrp="1"/>
-          </p:cNvSpPr>
-          <p:nvPr>
-            <p:ph type="sldNum" sz="quarter" idx="12"/>
-          </p:nvPr>
-        </p:nvSpPr>
-        <p:spPr bwMode="auto"/>
-        <p:txBody>
-          <a:bodyPr/>
-          <a:lstStyle/>
-          <a:p>
-            <a:pPr>
-              <a:defRPr/>
-            </a:pPr>
-            <a:fld id="{B84A4F69-A641-A104-9CD5-3AE7F7CBF276}" type="slidenum">
-              <a:rPr lang="en-US"/>
-              <a:t/>
-            </a:fld>
-            <a:endParaRPr lang="en-US"/>
-          </a:p>
-        </p:txBody>
-      </p:sp>
-    </p:spTree>
-  </p:cSld>
-  <p:clrMapOvr>
-    <a:masterClrMapping/>
-  </p:clrMapOvr>
-  <mc:AlternateContent xmlns:mc="http://schemas.openxmlformats.org/markup-compatibility/2006">
-    <mc:Choice xmlns:p159="http://schemas.microsoft.com/office/powerpoint/2015/09/main" xmlns:p14="http://schemas.microsoft.com/office/powerpoint/2010/main" Requires="p159">
-      <p:transition p14:dur="2000" advClick="1"/>
-    </mc:Choice>
-    <mc:Fallback>
-      <p:transition advClick="1"/>
-    </mc:Fallback>
-  </mc:AlternateContent>
-</p:sld>
-</file>
-
 <file path=ppt/slides/slide14.xml><?xml version="1.0" encoding="utf-8"?>
 <p:sld xmlns:a="http://schemas.openxmlformats.org/drawingml/2006/main" xmlns:r="http://schemas.openxmlformats.org/officeDocument/2006/relationships" xmlns:p="http://schemas.openxmlformats.org/presentationml/2006/main" xmlns:m="http://schemas.openxmlformats.org/officeDocument/2006/math" xmlns:w="http://schemas.openxmlformats.org/wordprocessingml/2006/main" xmlns:mc="http://schemas.openxmlformats.org/markup-compatibility/2006" showMasterPhAnim="0" showMasterSp="1" show="1">
   <p:cSld name="">
@@ -6144,7 +6463,491 @@
       </p:grpSpPr>
       <p:sp>
         <p:nvSpPr>
-          <p:cNvPr id="162926471" name="Title 1"/>
+          <p:cNvPr id="1662397993" name="Title 1"/>
+          <p:cNvSpPr>
+            <a:spLocks noGrp="1"/>
+          </p:cNvSpPr>
+          <p:nvPr>
+            <p:ph type="title"/>
+          </p:nvPr>
+        </p:nvSpPr>
+        <p:spPr bwMode="auto"/>
+        <p:txBody>
+          <a:bodyPr/>
+          <a:lstStyle/>
+          <a:p>
+            <a:pPr>
+              <a:defRPr/>
+            </a:pPr>
+            <a:r>
+              <a:rPr lang="en-US" sz="4400" b="0" i="0" u="none" strike="noStrike" cap="none" spc="0">
+                <a:solidFill>
+                  <a:schemeClr val="tx1"/>
+                </a:solidFill>
+                <a:latin typeface="Arial"/>
+                <a:ea typeface="Arial"/>
+                <a:cs typeface="Arial"/>
+              </a:rPr>
+              <a:t>GLOHMED</a:t>
+            </a:r>
+            <a:endParaRPr sz="4400"/>
+          </a:p>
+        </p:txBody>
+      </p:sp>
+      <p:sp>
+        <p:nvSpPr>
+          <p:cNvPr id="1280811514" name="Content Placeholder 2"/>
+          <p:cNvSpPr>
+            <a:spLocks noGrp="1"/>
+          </p:cNvSpPr>
+          <p:nvPr>
+            <p:ph idx="1"/>
+          </p:nvPr>
+        </p:nvSpPr>
+        <p:spPr bwMode="auto"/>
+        <p:txBody>
+          <a:bodyPr vertOverflow="overflow" horzOverflow="overflow" vert="horz" wrap="square" lIns="91440" tIns="45720" rIns="91440" bIns="45720" numCol="1" spcCol="0" rtlCol="0" fromWordArt="0" anchor="t" anchorCtr="0" forceAA="0" upright="0" compatLnSpc="0">
+            <a:normAutofit fontScale="95000" lnSpcReduction="1000"/>
+          </a:bodyPr>
+          <a:lstStyle/>
+          <a:p>
+            <a:pPr>
+              <a:defRPr/>
+            </a:pPr>
+            <a:r>
+              <a:rPr/>
+              <a:t>Medical research organization in Nepal &amp; long-term client</a:t>
+            </a:r>
+            <a:endParaRPr/>
+          </a:p>
+          <a:p>
+            <a:pPr>
+              <a:defRPr/>
+            </a:pPr>
+            <a:endParaRPr/>
+          </a:p>
+          <a:p>
+            <a:pPr>
+              <a:defRPr/>
+            </a:pPr>
+            <a:r>
+              <a:rPr/>
+              <a:t>Handled website redesign, update requests</a:t>
+            </a:r>
+            <a:endParaRPr/>
+          </a:p>
+          <a:p>
+            <a:pPr>
+              <a:defRPr/>
+            </a:pPr>
+            <a:endParaRPr/>
+          </a:p>
+          <a:p>
+            <a:pPr>
+              <a:defRPr/>
+            </a:pPr>
+            <a:r>
+              <a:rPr lang="en-US" sz="2800" b="0" i="0" u="none" strike="noStrike" cap="none" spc="0">
+                <a:solidFill>
+                  <a:schemeClr val="tx1"/>
+                </a:solidFill>
+                <a:latin typeface="Arial"/>
+                <a:ea typeface="Arial"/>
+                <a:cs typeface="Arial"/>
+              </a:rPr>
+              <a:t>Optimized site by replacing heavy 3rd-party plugins</a:t>
+            </a:r>
+            <a:endParaRPr lang="en-US" sz="2800" b="0" i="0" u="none" strike="noStrike" cap="none" spc="0">
+              <a:solidFill>
+                <a:schemeClr val="tx1"/>
+              </a:solidFill>
+              <a:latin typeface="Arial"/>
+              <a:ea typeface="Arial"/>
+              <a:cs typeface="Arial"/>
+            </a:endParaRPr>
+          </a:p>
+          <a:p>
+            <a:pPr>
+              <a:defRPr/>
+            </a:pPr>
+            <a:endParaRPr lang="en-US" sz="2800" b="0" i="0" u="none" strike="noStrike" cap="none" spc="0">
+              <a:solidFill>
+                <a:schemeClr val="tx1"/>
+              </a:solidFill>
+              <a:latin typeface="Arial"/>
+              <a:cs typeface="Arial"/>
+            </a:endParaRPr>
+          </a:p>
+          <a:p>
+            <a:pPr>
+              <a:defRPr/>
+            </a:pPr>
+            <a:r>
+              <a:rPr lang="en-US" sz="2800" b="0" i="0" u="none" strike="noStrike" cap="none" spc="0">
+                <a:solidFill>
+                  <a:schemeClr val="tx1"/>
+                </a:solidFill>
+                <a:latin typeface="Arial"/>
+                <a:ea typeface="Arial"/>
+                <a:cs typeface="Arial"/>
+              </a:rPr>
+              <a:t>Perform maintenance, backups, verifying update safety </a:t>
+            </a:r>
+            <a:endParaRPr lang="en-US" sz="2800" b="0" i="0" u="none" strike="noStrike" cap="none" spc="0">
+              <a:solidFill>
+                <a:schemeClr val="tx1"/>
+              </a:solidFill>
+              <a:latin typeface="Arial"/>
+              <a:cs typeface="Arial"/>
+            </a:endParaRPr>
+          </a:p>
+          <a:p>
+            <a:pPr>
+              <a:defRPr/>
+            </a:pPr>
+            <a:endParaRPr lang="en-US" sz="2800" b="0" i="0" u="none" strike="noStrike" cap="none" spc="0">
+              <a:solidFill>
+                <a:schemeClr val="tx1"/>
+              </a:solidFill>
+              <a:latin typeface="Arial"/>
+              <a:cs typeface="Arial"/>
+            </a:endParaRPr>
+          </a:p>
+          <a:p>
+            <a:pPr>
+              <a:defRPr/>
+            </a:pPr>
+            <a:r>
+              <a:rPr lang="en-US" sz="2800" b="0" i="0" u="none" strike="noStrike" cap="none" spc="0">
+                <a:solidFill>
+                  <a:schemeClr val="tx1"/>
+                </a:solidFill>
+                <a:latin typeface="Arial"/>
+                <a:ea typeface="Arial"/>
+                <a:cs typeface="Arial"/>
+              </a:rPr>
+              <a:t>Designed easy-to-edit HTML email newsletter templates</a:t>
+            </a:r>
+            <a:endParaRPr/>
+          </a:p>
+        </p:txBody>
+      </p:sp>
+      <p:sp>
+        <p:nvSpPr>
+          <p:cNvPr id="1106419521" name="Date Placeholder 3"/>
+          <p:cNvSpPr>
+            <a:spLocks noGrp="1"/>
+          </p:cNvSpPr>
+          <p:nvPr>
+            <p:ph type="dt" sz="half" idx="10"/>
+          </p:nvPr>
+        </p:nvSpPr>
+        <p:spPr bwMode="auto"/>
+        <p:txBody>
+          <a:bodyPr/>
+          <a:lstStyle/>
+          <a:p>
+            <a:pPr>
+              <a:defRPr/>
+            </a:pPr>
+            <a:r>
+              <a:rPr lang="en-US"/>
+              <a:t>5/12/20255/13/2025</a:t>
+            </a:r>
+            <a:br>
+              <a:rPr lang="en-US"/>
+            </a:br>
+            <a:fld id="{D0A74F02-8D6A-3D16-D149-7DB91A88655A}" type="datetime1">
+              <a:rPr lang="en-US"/>
+              <a:t/>
+            </a:fld>
+            <a:endParaRPr/>
+          </a:p>
+        </p:txBody>
+      </p:sp>
+      <p:sp>
+        <p:nvSpPr>
+          <p:cNvPr id="1933596644" name="Footer Placeholder 4"/>
+          <p:cNvSpPr>
+            <a:spLocks noGrp="1"/>
+          </p:cNvSpPr>
+          <p:nvPr>
+            <p:ph type="ftr" sz="quarter" idx="11"/>
+          </p:nvPr>
+        </p:nvSpPr>
+        <p:spPr bwMode="auto"/>
+        <p:txBody>
+          <a:bodyPr/>
+          <a:lstStyle/>
+          <a:p>
+            <a:pPr>
+              <a:defRPr/>
+            </a:pPr>
+            <a:r>
+              <a:rPr/>
+              <a:t>Sujal Gurung</a:t>
+            </a:r>
+            <a:endParaRPr/>
+          </a:p>
+        </p:txBody>
+      </p:sp>
+      <p:sp>
+        <p:nvSpPr>
+          <p:cNvPr id="848123433" name="Slide Number Placeholder 5"/>
+          <p:cNvSpPr>
+            <a:spLocks noGrp="1"/>
+          </p:cNvSpPr>
+          <p:nvPr>
+            <p:ph type="sldNum" sz="quarter" idx="12"/>
+          </p:nvPr>
+        </p:nvSpPr>
+        <p:spPr bwMode="auto"/>
+        <p:txBody>
+          <a:bodyPr/>
+          <a:lstStyle/>
+          <a:p>
+            <a:pPr>
+              <a:defRPr/>
+            </a:pPr>
+            <a:fld id="{51F8749E-8396-AA3A-C2B5-F95575F166A8}" type="slidenum">
+              <a:rPr lang="en-US"/>
+              <a:t/>
+            </a:fld>
+            <a:endParaRPr lang="en-US"/>
+          </a:p>
+        </p:txBody>
+      </p:sp>
+    </p:spTree>
+  </p:cSld>
+  <p:clrMapOvr>
+    <a:masterClrMapping/>
+  </p:clrMapOvr>
+  <mc:AlternateContent xmlns:mc="http://schemas.openxmlformats.org/markup-compatibility/2006">
+    <mc:Choice xmlns:p159="http://schemas.microsoft.com/office/powerpoint/2015/09/main" xmlns:p14="http://schemas.microsoft.com/office/powerpoint/2010/main" Requires="p159">
+      <p:transition p14:dur="2000" advClick="1"/>
+    </mc:Choice>
+    <mc:Fallback>
+      <p:transition advClick="1"/>
+    </mc:Fallback>
+  </mc:AlternateContent>
+</p:sld>
+</file>
+
+<file path=ppt/slides/slide15.xml><?xml version="1.0" encoding="utf-8"?>
+<p:sld xmlns:a="http://schemas.openxmlformats.org/drawingml/2006/main" xmlns:r="http://schemas.openxmlformats.org/officeDocument/2006/relationships" xmlns:p="http://schemas.openxmlformats.org/presentationml/2006/main" xmlns:m="http://schemas.openxmlformats.org/officeDocument/2006/math" xmlns:w="http://schemas.openxmlformats.org/wordprocessingml/2006/main" xmlns:mc="http://schemas.openxmlformats.org/markup-compatibility/2006" showMasterPhAnim="0" showMasterSp="1" show="1">
+  <p:cSld name="">
+    <p:spTree>
+      <p:nvGrpSpPr>
+        <p:cNvPr id="1" name=""/>
+        <p:cNvGrpSpPr/>
+        <p:nvPr/>
+      </p:nvGrpSpPr>
+      <p:grpSpPr bwMode="auto">
+        <a:xfrm>
+          <a:off x="0" y="0"/>
+          <a:ext cx="0" cy="0"/>
+          <a:chOff x="0" y="0"/>
+          <a:chExt cx="0" cy="0"/>
+        </a:xfrm>
+      </p:grpSpPr>
+      <p:sp>
+        <p:nvSpPr>
+          <p:cNvPr id="2049057182" name="Title 1"/>
+          <p:cNvSpPr>
+            <a:spLocks noGrp="1"/>
+          </p:cNvSpPr>
+          <p:nvPr>
+            <p:ph type="title"/>
+          </p:nvPr>
+        </p:nvSpPr>
+        <p:spPr bwMode="auto"/>
+        <p:txBody>
+          <a:bodyPr/>
+          <a:lstStyle/>
+          <a:p>
+            <a:pPr>
+              <a:defRPr/>
+            </a:pPr>
+            <a:r>
+              <a:rPr lang="en-US" sz="4400" b="0" i="0" u="none" strike="noStrike" cap="none" spc="0">
+                <a:solidFill>
+                  <a:schemeClr val="tx1"/>
+                </a:solidFill>
+                <a:latin typeface="Arial"/>
+                <a:ea typeface="Arial"/>
+                <a:cs typeface="Arial"/>
+              </a:rPr>
+              <a:t>GLOHMED</a:t>
+            </a:r>
+            <a:endParaRPr sz="4400"/>
+          </a:p>
+        </p:txBody>
+      </p:sp>
+      <p:sp>
+        <p:nvSpPr>
+          <p:cNvPr id="1597126481" name="Date Placeholder 3"/>
+          <p:cNvSpPr>
+            <a:spLocks noGrp="1"/>
+          </p:cNvSpPr>
+          <p:nvPr>
+            <p:ph type="dt" sz="half" idx="10"/>
+          </p:nvPr>
+        </p:nvSpPr>
+        <p:spPr bwMode="auto"/>
+        <p:txBody>
+          <a:bodyPr/>
+          <a:lstStyle/>
+          <a:p>
+            <a:pPr>
+              <a:defRPr/>
+            </a:pPr>
+            <a:r>
+              <a:rPr lang="en-US"/>
+              <a:t>5/12/20255/13/2025</a:t>
+            </a:r>
+            <a:br>
+              <a:rPr lang="en-US"/>
+            </a:br>
+            <a:fld id="{A20AE114-4533-50A7-4A2F-B114F8165538}" type="datetime1">
+              <a:rPr lang="en-US"/>
+              <a:t/>
+            </a:fld>
+            <a:endParaRPr/>
+          </a:p>
+        </p:txBody>
+      </p:sp>
+      <p:sp>
+        <p:nvSpPr>
+          <p:cNvPr id="663539062" name="Footer Placeholder 4"/>
+          <p:cNvSpPr>
+            <a:spLocks noGrp="1"/>
+          </p:cNvSpPr>
+          <p:nvPr>
+            <p:ph type="ftr" sz="quarter" idx="11"/>
+          </p:nvPr>
+        </p:nvSpPr>
+        <p:spPr bwMode="auto"/>
+        <p:txBody>
+          <a:bodyPr/>
+          <a:lstStyle/>
+          <a:p>
+            <a:pPr>
+              <a:defRPr/>
+            </a:pPr>
+            <a:r>
+              <a:rPr/>
+              <a:t>Sujal Gurung</a:t>
+            </a:r>
+            <a:endParaRPr/>
+          </a:p>
+        </p:txBody>
+      </p:sp>
+      <p:sp>
+        <p:nvSpPr>
+          <p:cNvPr id="1726205419" name="Slide Number Placeholder 5"/>
+          <p:cNvSpPr>
+            <a:spLocks noGrp="1"/>
+          </p:cNvSpPr>
+          <p:nvPr>
+            <p:ph type="sldNum" sz="quarter" idx="12"/>
+          </p:nvPr>
+        </p:nvSpPr>
+        <p:spPr bwMode="auto"/>
+        <p:txBody>
+          <a:bodyPr/>
+          <a:lstStyle/>
+          <a:p>
+            <a:pPr>
+              <a:defRPr/>
+            </a:pPr>
+            <a:fld id="{DE29CF69-1512-2556-F10D-2F0DCF98440A}" type="slidenum">
+              <a:rPr lang="en-US"/>
+              <a:t/>
+            </a:fld>
+            <a:endParaRPr lang="en-US"/>
+          </a:p>
+        </p:txBody>
+      </p:sp>
+      <p:pic>
+        <p:nvPicPr>
+          <p:cNvPr id="1225839606" name=""/>
+          <p:cNvPicPr>
+            <a:picLocks noChangeAspect="1"/>
+          </p:cNvPicPr>
+          <p:nvPr/>
+        </p:nvPicPr>
+        <p:blipFill>
+          <a:blip r:embed="rId3"/>
+          <a:stretch/>
+        </p:blipFill>
+        <p:spPr bwMode="auto">
+          <a:xfrm flipH="0" flipV="0">
+            <a:off x="838198" y="2132383"/>
+            <a:ext cx="4858356" cy="2562609"/>
+          </a:xfrm>
+          <a:prstGeom prst="rect">
+            <a:avLst/>
+          </a:prstGeom>
+        </p:spPr>
+      </p:pic>
+      <p:pic>
+        <p:nvPicPr>
+          <p:cNvPr id="1511140516" name=""/>
+          <p:cNvPicPr>
+            <a:picLocks noChangeAspect="1"/>
+          </p:cNvPicPr>
+          <p:nvPr/>
+        </p:nvPicPr>
+        <p:blipFill>
+          <a:blip r:embed="rId4"/>
+          <a:stretch/>
+        </p:blipFill>
+        <p:spPr bwMode="auto">
+          <a:xfrm flipH="0" flipV="0">
+            <a:off x="6536099" y="2132383"/>
+            <a:ext cx="4916413" cy="2593232"/>
+          </a:xfrm>
+          <a:prstGeom prst="rect">
+            <a:avLst/>
+          </a:prstGeom>
+        </p:spPr>
+      </p:pic>
+    </p:spTree>
+  </p:cSld>
+  <p:clrMapOvr>
+    <a:masterClrMapping/>
+  </p:clrMapOvr>
+  <mc:AlternateContent xmlns:mc="http://schemas.openxmlformats.org/markup-compatibility/2006">
+    <mc:Choice xmlns:p159="http://schemas.microsoft.com/office/powerpoint/2015/09/main" xmlns:p14="http://schemas.microsoft.com/office/powerpoint/2010/main" Requires="p159">
+      <p:transition p14:dur="2000" advClick="1"/>
+    </mc:Choice>
+    <mc:Fallback>
+      <p:transition advClick="1"/>
+    </mc:Fallback>
+  </mc:AlternateContent>
+</p:sld>
+</file>
+
+<file path=ppt/slides/slide16.xml><?xml version="1.0" encoding="utf-8"?>
+<p:sld xmlns:a="http://schemas.openxmlformats.org/drawingml/2006/main" xmlns:r="http://schemas.openxmlformats.org/officeDocument/2006/relationships" xmlns:p="http://schemas.openxmlformats.org/presentationml/2006/main" xmlns:m="http://schemas.openxmlformats.org/officeDocument/2006/math" xmlns:w="http://schemas.openxmlformats.org/wordprocessingml/2006/main" xmlns:mc="http://schemas.openxmlformats.org/markup-compatibility/2006" showMasterPhAnim="0" showMasterSp="1" show="1">
+  <p:cSld name="">
+    <p:spTree>
+      <p:nvGrpSpPr>
+        <p:cNvPr id="1" name=""/>
+        <p:cNvGrpSpPr/>
+        <p:nvPr/>
+      </p:nvGrpSpPr>
+      <p:grpSpPr bwMode="auto">
+        <a:xfrm>
+          <a:off x="0" y="0"/>
+          <a:ext cx="0" cy="0"/>
+          <a:chOff x="0" y="0"/>
+          <a:chExt cx="0" cy="0"/>
+        </a:xfrm>
+      </p:grpSpPr>
+      <p:sp>
+        <p:nvSpPr>
+          <p:cNvPr id="1334871026" name="Title 1"/>
           <p:cNvSpPr>
             <a:spLocks noGrp="1"/>
           </p:cNvSpPr>
@@ -6177,7 +6980,144 @@
       </p:sp>
       <p:sp>
         <p:nvSpPr>
-          <p:cNvPr id="1596252642" name="Date Placeholder 3"/>
+          <p:cNvPr id="1130993038" name="Content Placeholder 2"/>
+          <p:cNvSpPr>
+            <a:spLocks noGrp="1"/>
+          </p:cNvSpPr>
+          <p:nvPr>
+            <p:ph idx="1"/>
+          </p:nvPr>
+        </p:nvSpPr>
+        <p:spPr bwMode="auto"/>
+        <p:txBody>
+          <a:bodyPr vertOverflow="overflow" horzOverflow="overflow" vert="horz" wrap="square" lIns="91440" tIns="45720" rIns="91440" bIns="45720" numCol="1" spcCol="0" rtlCol="0" fromWordArt="0" anchor="t" anchorCtr="0" forceAA="0" upright="0" compatLnSpc="0">
+            <a:normAutofit fontScale="95000" lnSpcReduction="1000"/>
+          </a:bodyPr>
+          <a:lstStyle/>
+          <a:p>
+            <a:pPr>
+              <a:defRPr/>
+            </a:pPr>
+            <a:r>
+              <a:rPr/>
+              <a:t>Was taught to make MVPs quickly with NextJS, SQLite</a:t>
+            </a:r>
+            <a:endParaRPr/>
+          </a:p>
+          <a:p>
+            <a:pPr>
+              <a:defRPr/>
+            </a:pPr>
+            <a:endParaRPr/>
+          </a:p>
+          <a:p>
+            <a:pPr>
+              <a:defRPr/>
+            </a:pPr>
+            <a:r>
+              <a:rPr/>
+              <a:t>Tasked to work on a unique project idea</a:t>
+            </a:r>
+            <a:endParaRPr/>
+          </a:p>
+          <a:p>
+            <a:pPr>
+              <a:defRPr/>
+            </a:pPr>
+            <a:endParaRPr/>
+          </a:p>
+          <a:p>
+            <a:pPr>
+              <a:defRPr/>
+            </a:pPr>
+            <a:r>
+              <a:rPr lang="en-US" sz="2800" b="0" i="0" u="none" strike="noStrike" cap="none" spc="0">
+                <a:solidFill>
+                  <a:schemeClr val="tx1"/>
+                </a:solidFill>
+                <a:latin typeface="Arial"/>
+                <a:ea typeface="Arial"/>
+                <a:cs typeface="Arial"/>
+              </a:rPr>
+              <a:t>Built foreign language exam web app prototype</a:t>
+            </a:r>
+            <a:endParaRPr lang="en-US" sz="2800" b="0" i="0" u="none" strike="noStrike" cap="none" spc="0">
+              <a:solidFill>
+                <a:schemeClr val="tx1"/>
+              </a:solidFill>
+              <a:latin typeface="Arial"/>
+              <a:cs typeface="Arial"/>
+            </a:endParaRPr>
+          </a:p>
+          <a:p>
+            <a:pPr>
+              <a:defRPr/>
+            </a:pPr>
+            <a:endParaRPr lang="en-US" sz="2800" b="0" i="0" u="none" strike="noStrike" cap="none" spc="0">
+              <a:solidFill>
+                <a:schemeClr val="tx1"/>
+              </a:solidFill>
+              <a:latin typeface="Arial"/>
+              <a:cs typeface="Arial"/>
+            </a:endParaRPr>
+          </a:p>
+          <a:p>
+            <a:pPr>
+              <a:defRPr/>
+            </a:pPr>
+            <a:r>
+              <a:rPr lang="en-US" sz="2800" b="0" i="0" u="none" strike="noStrike" cap="none" spc="0">
+                <a:solidFill>
+                  <a:schemeClr val="tx1"/>
+                </a:solidFill>
+                <a:latin typeface="Arial"/>
+                <a:ea typeface="Arial"/>
+                <a:cs typeface="Arial"/>
+              </a:rPr>
+              <a:t>Aimed at non-technical examiners for easy test editing</a:t>
+            </a:r>
+            <a:endParaRPr lang="en-US" sz="2800" b="0" i="0" u="none" strike="noStrike" cap="none" spc="0">
+              <a:solidFill>
+                <a:schemeClr val="tx1"/>
+              </a:solidFill>
+              <a:latin typeface="Arial"/>
+              <a:cs typeface="Arial"/>
+            </a:endParaRPr>
+          </a:p>
+          <a:p>
+            <a:pPr>
+              <a:defRPr/>
+            </a:pPr>
+            <a:endParaRPr lang="en-US" sz="2800" b="0" i="0" u="none" strike="noStrike" cap="none" spc="0">
+              <a:solidFill>
+                <a:schemeClr val="tx1"/>
+              </a:solidFill>
+              <a:latin typeface="Arial"/>
+              <a:cs typeface="Arial"/>
+            </a:endParaRPr>
+          </a:p>
+          <a:p>
+            <a:pPr>
+              <a:defRPr/>
+            </a:pPr>
+            <a:r>
+              <a:rPr lang="en-US" sz="2800" b="0" i="0" u="none" strike="noStrike" cap="none" spc="0">
+                <a:solidFill>
+                  <a:schemeClr val="tx1"/>
+                </a:solidFill>
+                <a:latin typeface="Arial"/>
+                <a:ea typeface="Arial"/>
+                <a:cs typeface="Arial"/>
+              </a:rPr>
+              <a:t>Created demo with Korean EPS test questions</a:t>
+            </a:r>
+            <a:endParaRPr/>
+          </a:p>
+        </p:txBody>
+      </p:sp>
+      <p:sp>
+        <p:nvSpPr>
+          <p:cNvPr id="1057070831" name="Date Placeholder 3"/>
           <p:cNvSpPr>
             <a:spLocks noGrp="1"/>
           </p:cNvSpPr>
@@ -6195,12 +7135,12 @@
             </a:pPr>
             <a:r>
               <a:rPr lang="en-US"/>
-              <a:t>5/12/2025</a:t>
+              <a:t>5/12/20255/13/2025</a:t>
             </a:r>
             <a:br>
               <a:rPr lang="en-US"/>
             </a:br>
-            <a:fld id="{B61162A7-08DD-3B3D-468A-D5C83F7156E7}" type="datetime1">
+            <a:fld id="{110101E9-6499-FFD1-AA2B-910734233E63}" type="datetime1">
               <a:rPr lang="en-US"/>
               <a:t/>
             </a:fld>
@@ -6210,7 +7150,7 @@
       </p:sp>
       <p:sp>
         <p:nvSpPr>
-          <p:cNvPr id="190450137" name="Footer Placeholder 4"/>
+          <p:cNvPr id="1238979753" name="Footer Placeholder 4"/>
           <p:cNvSpPr>
             <a:spLocks noGrp="1"/>
           </p:cNvSpPr>
@@ -6236,7 +7176,7 @@
       </p:sp>
       <p:sp>
         <p:nvSpPr>
-          <p:cNvPr id="1402340207" name="Slide Number Placeholder 5"/>
+          <p:cNvPr id="2125303348" name="Slide Number Placeholder 5"/>
           <p:cNvSpPr>
             <a:spLocks noGrp="1"/>
           </p:cNvSpPr>
@@ -6252,7 +7192,7 @@
             <a:pPr>
               <a:defRPr/>
             </a:pPr>
-            <a:fld id="{E07966F5-4D26-9D46-F957-85C17AF643D9}" type="slidenum">
+            <a:fld id="{B84A4F69-A641-A104-9CD5-3AE7F7CBF276}" type="slidenum">
               <a:rPr lang="en-US"/>
               <a:t/>
             </a:fld>
@@ -6260,9 +7200,160 @@
           </a:p>
         </p:txBody>
       </p:sp>
+    </p:spTree>
+  </p:cSld>
+  <p:clrMapOvr>
+    <a:masterClrMapping/>
+  </p:clrMapOvr>
+  <mc:AlternateContent xmlns:mc="http://schemas.openxmlformats.org/markup-compatibility/2006">
+    <mc:Choice xmlns:p159="http://schemas.microsoft.com/office/powerpoint/2015/09/main" xmlns:p14="http://schemas.microsoft.com/office/powerpoint/2010/main" Requires="p159">
+      <p:transition p14:dur="2000" advClick="1"/>
+    </mc:Choice>
+    <mc:Fallback>
+      <p:transition advClick="1"/>
+    </mc:Fallback>
+  </mc:AlternateContent>
+</p:sld>
+</file>
+
+<file path=ppt/slides/slide17.xml><?xml version="1.0" encoding="utf-8"?>
+<p:sld xmlns:a="http://schemas.openxmlformats.org/drawingml/2006/main" xmlns:r="http://schemas.openxmlformats.org/officeDocument/2006/relationships" xmlns:p="http://schemas.openxmlformats.org/presentationml/2006/main" xmlns:m="http://schemas.openxmlformats.org/officeDocument/2006/math" xmlns:w="http://schemas.openxmlformats.org/wordprocessingml/2006/main" xmlns:mc="http://schemas.openxmlformats.org/markup-compatibility/2006" showMasterPhAnim="0" showMasterSp="1" show="1">
+  <p:cSld name="">
+    <p:spTree>
+      <p:nvGrpSpPr>
+        <p:cNvPr id="1" name=""/>
+        <p:cNvGrpSpPr/>
+        <p:nvPr/>
+      </p:nvGrpSpPr>
+      <p:grpSpPr bwMode="auto">
+        <a:xfrm>
+          <a:off x="0" y="0"/>
+          <a:ext cx="0" cy="0"/>
+          <a:chOff x="0" y="0"/>
+          <a:chExt cx="0" cy="0"/>
+        </a:xfrm>
+      </p:grpSpPr>
+      <p:sp>
+        <p:nvSpPr>
+          <p:cNvPr id="1743010984" name="Title 1"/>
+          <p:cNvSpPr>
+            <a:spLocks noGrp="1"/>
+          </p:cNvSpPr>
+          <p:nvPr>
+            <p:ph type="title"/>
+          </p:nvPr>
+        </p:nvSpPr>
+        <p:spPr bwMode="auto"/>
+        <p:txBody>
+          <a:bodyPr/>
+          <a:lstStyle/>
+          <a:p>
+            <a:pPr>
+              <a:defRPr/>
+            </a:pPr>
+            <a:r>
+              <a:rPr lang="en-US" sz="4400" b="0" i="0" u="none" strike="noStrike" cap="none" spc="0">
+                <a:solidFill>
+                  <a:schemeClr val="tx1"/>
+                </a:solidFill>
+                <a:latin typeface="Arial"/>
+                <a:ea typeface="Arial"/>
+                <a:cs typeface="Arial"/>
+              </a:rPr>
+              <a:t>Foreign language test web-app</a:t>
+            </a:r>
+            <a:endParaRPr sz="4400"/>
+          </a:p>
+        </p:txBody>
+      </p:sp>
+      <p:sp>
+        <p:nvSpPr>
+          <p:cNvPr id="446193799" name="Date Placeholder 3"/>
+          <p:cNvSpPr>
+            <a:spLocks noGrp="1"/>
+          </p:cNvSpPr>
+          <p:nvPr>
+            <p:ph type="dt" sz="half" idx="10"/>
+          </p:nvPr>
+        </p:nvSpPr>
+        <p:spPr bwMode="auto"/>
+        <p:txBody>
+          <a:bodyPr/>
+          <a:lstStyle/>
+          <a:p>
+            <a:pPr>
+              <a:defRPr/>
+            </a:pPr>
+            <a:r>
+              <a:rPr lang="en-US"/>
+              <a:t>5/12/20255/13/2025</a:t>
+            </a:r>
+            <a:br>
+              <a:rPr lang="en-US"/>
+            </a:br>
+            <a:fld id="{EB748DB7-3CAE-49B4-C2F5-49207575BC90}" type="datetime1">
+              <a:rPr lang="en-US"/>
+              <a:t/>
+            </a:fld>
+            <a:endParaRPr/>
+          </a:p>
+        </p:txBody>
+      </p:sp>
+      <p:sp>
+        <p:nvSpPr>
+          <p:cNvPr id="802967469" name="Footer Placeholder 4"/>
+          <p:cNvSpPr>
+            <a:spLocks noGrp="1"/>
+          </p:cNvSpPr>
+          <p:nvPr>
+            <p:ph type="ftr" sz="quarter" idx="11"/>
+          </p:nvPr>
+        </p:nvSpPr>
+        <p:spPr bwMode="auto"/>
+        <p:txBody>
+          <a:bodyPr/>
+          <a:lstStyle/>
+          <a:p>
+            <a:pPr>
+              <a:defRPr/>
+            </a:pPr>
+            <a:r>
+              <a:rPr/>
+              <a:t>Sujal Gurung</a:t>
+            </a:r>
+            <a:endParaRPr/>
+          </a:p>
+        </p:txBody>
+      </p:sp>
+      <p:sp>
+        <p:nvSpPr>
+          <p:cNvPr id="386913730" name="Slide Number Placeholder 5"/>
+          <p:cNvSpPr>
+            <a:spLocks noGrp="1"/>
+          </p:cNvSpPr>
+          <p:nvPr>
+            <p:ph type="sldNum" sz="quarter" idx="12"/>
+          </p:nvPr>
+        </p:nvSpPr>
+        <p:spPr bwMode="auto"/>
+        <p:txBody>
+          <a:bodyPr/>
+          <a:lstStyle/>
+          <a:p>
+            <a:pPr>
+              <a:defRPr/>
+            </a:pPr>
+            <a:fld id="{E07966F5-4D26-9D46-F957-85C17AF643D9}" type="slidenum">
+              <a:rPr lang="en-US"/>
+              <a:t/>
+            </a:fld>
+            <a:endParaRPr lang="en-US"/>
+          </a:p>
+        </p:txBody>
+      </p:sp>
       <p:pic>
         <p:nvPicPr>
-          <p:cNvPr id="1019652316" name=""/>
+          <p:cNvPr id="1795756223" name=""/>
           <p:cNvPicPr>
             <a:picLocks noChangeAspect="1"/>
           </p:cNvPicPr>
@@ -6284,7 +7375,7 @@
       </p:pic>
       <p:pic>
         <p:nvPicPr>
-          <p:cNvPr id="920233095" name=""/>
+          <p:cNvPr id="412349896" name=""/>
           <p:cNvPicPr>
             <a:picLocks noChangeAspect="1"/>
           </p:cNvPicPr>
@@ -6320,7 +7411,7 @@
 </p:sld>
 </file>
 
-<file path=ppt/slides/slide15.xml><?xml version="1.0" encoding="utf-8"?>
+<file path=ppt/slides/slide18.xml><?xml version="1.0" encoding="utf-8"?>
 <p:sld xmlns:a="http://schemas.openxmlformats.org/drawingml/2006/main" xmlns:r="http://schemas.openxmlformats.org/officeDocument/2006/relationships" xmlns:p="http://schemas.openxmlformats.org/presentationml/2006/main" xmlns:m="http://schemas.openxmlformats.org/officeDocument/2006/math" xmlns:w="http://schemas.openxmlformats.org/wordprocessingml/2006/main" xmlns:mc="http://schemas.openxmlformats.org/markup-compatibility/2006" showMasterPhAnim="0" showMasterSp="1" show="1">
   <p:cSld name="">
     <p:spTree>
@@ -6339,7 +7430,7 @@
       </p:grpSpPr>
       <p:sp>
         <p:nvSpPr>
-          <p:cNvPr id="1525094169" name="Title 1"/>
+          <p:cNvPr id="1861224390" name="Title 1"/>
           <p:cNvSpPr>
             <a:spLocks noGrp="1"/>
           </p:cNvSpPr>
@@ -6365,7 +7456,7 @@
       </p:sp>
       <p:sp>
         <p:nvSpPr>
-          <p:cNvPr id="1642243796" name="Content Placeholder 2"/>
+          <p:cNvPr id="431424366" name="Content Placeholder 2"/>
           <p:cNvSpPr>
             <a:spLocks noGrp="1"/>
           </p:cNvSpPr>
@@ -6432,7 +7523,7 @@
       </p:sp>
       <p:sp>
         <p:nvSpPr>
-          <p:cNvPr id="707492854" name="Date Placeholder 3"/>
+          <p:cNvPr id="1961913209" name="Date Placeholder 3"/>
           <p:cNvSpPr>
             <a:spLocks noGrp="1"/>
           </p:cNvSpPr>
@@ -6450,12 +7541,12 @@
             </a:pPr>
             <a:r>
               <a:rPr lang="en-US"/>
-              <a:t>5/12/2025</a:t>
+              <a:t>5/12/20255/13/2025</a:t>
             </a:r>
             <a:br>
               <a:rPr lang="en-US"/>
             </a:br>
-            <a:fld id="{8A74C867-51BA-82BB-0BD6-614E29AB8C84}" type="datetime1">
+            <a:fld id="{9791ACAD-3A21-E83B-ECCE-CA31D5F56EA4}" type="datetime1">
               <a:rPr lang="en-US"/>
               <a:t/>
             </a:fld>
@@ -6465,7 +7556,7 @@
       </p:sp>
       <p:sp>
         <p:nvSpPr>
-          <p:cNvPr id="350920580" name="Footer Placeholder 4"/>
+          <p:cNvPr id="1880367694" name="Footer Placeholder 4"/>
           <p:cNvSpPr>
             <a:spLocks noGrp="1"/>
           </p:cNvSpPr>
@@ -6491,7 +7582,7 @@
       </p:sp>
       <p:sp>
         <p:nvSpPr>
-          <p:cNvPr id="1981570906" name="Slide Number Placeholder 5"/>
+          <p:cNvPr id="348172760" name="Slide Number Placeholder 5"/>
           <p:cNvSpPr>
             <a:spLocks noGrp="1"/>
           </p:cNvSpPr>
@@ -6531,7 +7622,7 @@
 </p:sld>
 </file>
 
-<file path=ppt/slides/slide16.xml><?xml version="1.0" encoding="utf-8"?>
+<file path=ppt/slides/slide19.xml><?xml version="1.0" encoding="utf-8"?>
 <p:sld xmlns:a="http://schemas.openxmlformats.org/drawingml/2006/main" xmlns:r="http://schemas.openxmlformats.org/officeDocument/2006/relationships" xmlns:p="http://schemas.openxmlformats.org/presentationml/2006/main" xmlns:m="http://schemas.openxmlformats.org/officeDocument/2006/math" xmlns:w="http://schemas.openxmlformats.org/wordprocessingml/2006/main" xmlns:mc="http://schemas.openxmlformats.org/markup-compatibility/2006" showMasterPhAnim="0" showMasterSp="1" show="1">
   <p:cSld name="">
     <p:spTree>
@@ -6550,7 +7641,7 @@
       </p:grpSpPr>
       <p:sp>
         <p:nvSpPr>
-          <p:cNvPr id="1953441946" name="Title 1"/>
+          <p:cNvPr id="1964827453" name="Title 1"/>
           <p:cNvSpPr>
             <a:spLocks noGrp="1"/>
           </p:cNvSpPr>
@@ -6576,7 +7667,7 @@
       </p:sp>
       <p:sp>
         <p:nvSpPr>
-          <p:cNvPr id="1861409746" name="Content Placeholder 2"/>
+          <p:cNvPr id="1562994038" name="Content Placeholder 2"/>
           <p:cNvSpPr>
             <a:spLocks noGrp="1"/>
           </p:cNvSpPr>
@@ -6587,11 +7678,22 @@
         <p:spPr bwMode="auto"/>
         <p:txBody>
           <a:bodyPr vertOverflow="overflow" horzOverflow="overflow" vert="horz" wrap="square" lIns="91440" tIns="45720" rIns="91440" bIns="45720" numCol="1" spcCol="0" rtlCol="0" fromWordArt="0" anchor="t" anchorCtr="0" forceAA="0" upright="0" compatLnSpc="0">
-            <a:normAutofit fontScale="85000" lnSpcReduction="3000"/>
+            <a:normAutofit fontScale="90000" lnSpcReduction="2000"/>
           </a:bodyPr>
           <a:lstStyle/>
           <a:p>
-            <a:pPr>
+            <a:pPr marL="228600" marR="0" indent="-228600" algn="l">
+              <a:lnSpc>
+                <a:spcPct val="87000"/>
+              </a:lnSpc>
+              <a:spcBef>
+                <a:spcPts val="999"/>
+              </a:spcBef>
+              <a:spcAft>
+                <a:spcPts val="0"/>
+              </a:spcAft>
+              <a:buFont typeface="Arial"/>
+              <a:buChar char="•"/>
               <a:defRPr/>
             </a:pPr>
             <a:r>
@@ -6599,39 +7701,83 @@
                 <a:solidFill>
                   <a:schemeClr val="tx1"/>
                 </a:solidFill>
-                <a:latin typeface="+mn-lt"/>
-                <a:ea typeface="+mn-ea"/>
-                <a:cs typeface="+mn-cs"/>
+                <a:latin typeface="Arial"/>
+                <a:ea typeface="Arial"/>
+                <a:cs typeface="Arial"/>
               </a:rPr>
-              <a:t>Involved in full lifecycle of professional development, </a:t>
-            </a:r>
-            <a:br>
-              <a:rPr lang="en-US" sz="2800" b="0" i="0" u="none" strike="noStrike" cap="none" spc="0">
+              <a:t>Involved in full lifecycle of</a:t>
+            </a:r>
+            <a:r>
+              <a:rPr lang="en-US" sz="2400" b="0" i="0" u="none" strike="noStrike" cap="none" spc="0">
                 <a:solidFill>
                   <a:schemeClr val="tx1"/>
                 </a:solidFill>
-                <a:latin typeface="+mn-lt"/>
-                <a:ea typeface="+mn-ea"/>
-                <a:cs typeface="+mn-cs"/>
+                <a:latin typeface="Arial"/>
+                <a:ea typeface="Arial"/>
+                <a:cs typeface="Arial"/>
               </a:rPr>
-            </a:br>
-            <a:r>
-              <a:rPr lang="en-US" sz="2800" b="0" i="0" u="none" strike="noStrike" cap="none" spc="0">
+              <a:t> </a:t>
+            </a:r>
+            <a:r>
+              <a:rPr lang="en-US" sz="2500" b="0" i="0" u="none" strike="noStrike" cap="none" spc="0">
                 <a:solidFill>
                   <a:schemeClr val="tx1"/>
                 </a:solidFill>
-                <a:latin typeface="+mn-lt"/>
-                <a:ea typeface="+mn-ea"/>
-                <a:cs typeface="+mn-cs"/>
+                <a:latin typeface="Arial"/>
+                <a:ea typeface="Arial"/>
+                <a:cs typeface="Arial"/>
               </a:rPr>
-              <a:t>from planning to deployment</a:t>
-            </a:r>
-            <a:endParaRPr lang="en-US" sz="2800" b="0" i="0" u="none" strike="noStrike" cap="none" spc="0">
+              <a:t>real-world </a:t>
+            </a:r>
+            <a:r>
+              <a:rPr lang="en-US" sz="2500" b="0" i="0" u="none" strike="noStrike" cap="none" spc="0">
+                <a:solidFill>
+                  <a:schemeClr val="tx1"/>
+                </a:solidFill>
+                <a:latin typeface="Arial"/>
+                <a:ea typeface="Arial"/>
+                <a:cs typeface="Arial"/>
+              </a:rPr>
+              <a:t>projects, </a:t>
+            </a:r>
+            <a:br>
+              <a:rPr lang="en-US" sz="2500" b="0" i="0" u="none" strike="noStrike" cap="none" spc="0">
+                <a:solidFill>
+                  <a:schemeClr val="tx1"/>
+                </a:solidFill>
+                <a:latin typeface="Arial"/>
+                <a:ea typeface="Arial"/>
+                <a:cs typeface="Arial"/>
+              </a:rPr>
+            </a:br>
+            <a:r>
+              <a:rPr lang="en-US" sz="2500" b="0" i="0" u="none" strike="noStrike" cap="none" spc="0">
+                <a:solidFill>
+                  <a:schemeClr val="tx1"/>
+                </a:solidFill>
+                <a:latin typeface="Arial"/>
+                <a:ea typeface="Arial"/>
+                <a:cs typeface="Arial"/>
+              </a:rPr>
+              <a:t>primarily using WordPress</a:t>
+            </a:r>
+            <a:r>
+              <a:rPr lang="en-US" sz="2500" b="0" i="0" u="none" strike="noStrike" cap="none" spc="0">
+                <a:solidFill>
+                  <a:schemeClr val="tx1"/>
+                </a:solidFill>
+                <a:latin typeface="Arial"/>
+                <a:ea typeface="Arial"/>
+                <a:cs typeface="Arial"/>
+              </a:rPr>
+              <a:t> &amp; low-code tools</a:t>
+            </a:r>
+            <a:endParaRPr lang="en-US" sz="2500" b="0" i="0" u="none" strike="noStrike" cap="none" spc="0">
               <a:solidFill>
                 <a:schemeClr val="tx1"/>
               </a:solidFill>
-              <a:latin typeface="Times New Roman"/>
-              <a:cs typeface="Times New Roman"/>
+              <a:latin typeface="Arial"/>
+              <a:cs typeface="Arial"/>
             </a:endParaRPr>
           </a:p>
           <a:p>
@@ -6813,7 +7959,7 @@
                 <a:ea typeface="Arial"/>
                 <a:cs typeface="Arial"/>
               </a:rPr>
-              <a:t>Overall fruitful experience</a:t>
+              <a:t>Overall beneficial experience</a:t>
             </a:r>
             <a:endParaRPr sz="2800" b="0" i="0" u="none" strike="noStrike" cap="none" spc="0">
               <a:solidFill>
@@ -6827,7 +7973,7 @@
       </p:sp>
       <p:sp>
         <p:nvSpPr>
-          <p:cNvPr id="1143175927" name="Date Placeholder 3"/>
+          <p:cNvPr id="762872200" name="Date Placeholder 3"/>
           <p:cNvSpPr>
             <a:spLocks noGrp="1"/>
           </p:cNvSpPr>
@@ -6845,12 +7991,12 @@
             </a:pPr>
             <a:r>
               <a:rPr lang="en-US"/>
-              <a:t>5/12/2025</a:t>
+              <a:t>5/12/20255/13/2025</a:t>
             </a:r>
             <a:br>
               <a:rPr lang="en-US"/>
             </a:br>
-            <a:fld id="{86C76D11-C1C8-FEF1-D953-FEE9B0B85683}" type="datetime1">
+            <a:fld id="{1353C7D6-E067-9483-A462-824C9E37FFB8}" type="datetime1">
               <a:rPr lang="en-US"/>
               <a:t/>
             </a:fld>
@@ -6860,7 +8006,7 @@
       </p:sp>
       <p:sp>
         <p:nvSpPr>
-          <p:cNvPr id="1230781986" name="Footer Placeholder 4"/>
+          <p:cNvPr id="911877677" name="Footer Placeholder 4"/>
           <p:cNvSpPr>
             <a:spLocks noGrp="1"/>
           </p:cNvSpPr>
@@ -6886,7 +8032,7 @@
       </p:sp>
       <p:sp>
         <p:nvSpPr>
-          <p:cNvPr id="979874699" name="Slide Number Placeholder 5"/>
+          <p:cNvPr id="1062613263" name="Slide Number Placeholder 5"/>
           <p:cNvSpPr>
             <a:spLocks noGrp="1"/>
           </p:cNvSpPr>
@@ -6907,155 +8053,6 @@
               <a:t/>
             </a:fld>
             <a:endParaRPr lang="en-US"/>
-          </a:p>
-        </p:txBody>
-      </p:sp>
-    </p:spTree>
-  </p:cSld>
-  <p:clrMapOvr>
-    <a:masterClrMapping/>
-  </p:clrMapOvr>
-  <mc:AlternateContent xmlns:mc="http://schemas.openxmlformats.org/markup-compatibility/2006">
-    <mc:Choice xmlns:p159="http://schemas.microsoft.com/office/powerpoint/2015/09/main" xmlns:p14="http://schemas.microsoft.com/office/powerpoint/2010/main" Requires="p159">
-      <p:transition p14:dur="2000" advClick="1"/>
-    </mc:Choice>
-    <mc:Fallback>
-      <p:transition advClick="1"/>
-    </mc:Fallback>
-  </mc:AlternateContent>
-</p:sld>
-</file>
-
-<file path=ppt/slides/slide17.xml><?xml version="1.0" encoding="utf-8"?>
-<p:sld xmlns:a="http://schemas.openxmlformats.org/drawingml/2006/main" xmlns:r="http://schemas.openxmlformats.org/officeDocument/2006/relationships" xmlns:p="http://schemas.openxmlformats.org/presentationml/2006/main" xmlns:m="http://schemas.openxmlformats.org/officeDocument/2006/math" xmlns:w="http://schemas.openxmlformats.org/wordprocessingml/2006/main" xmlns:mc="http://schemas.openxmlformats.org/markup-compatibility/2006" showMasterPhAnim="0" showMasterSp="1" show="1">
-  <p:cSld name="">
-    <p:spTree>
-      <p:nvGrpSpPr>
-        <p:cNvPr id="1" name=""/>
-        <p:cNvGrpSpPr/>
-        <p:nvPr/>
-      </p:nvGrpSpPr>
-      <p:grpSpPr bwMode="auto">
-        <a:xfrm>
-          <a:off x="0" y="0"/>
-          <a:ext cx="0" cy="0"/>
-          <a:chOff x="0" y="0"/>
-          <a:chExt cx="0" cy="0"/>
-        </a:xfrm>
-      </p:grpSpPr>
-      <p:sp>
-        <p:nvSpPr>
-          <p:cNvPr id="2130734838" name="Date Placeholder 3"/>
-          <p:cNvSpPr>
-            <a:spLocks noGrp="1"/>
-          </p:cNvSpPr>
-          <p:nvPr>
-            <p:ph type="dt" sz="half" idx="10"/>
-          </p:nvPr>
-        </p:nvSpPr>
-        <p:spPr bwMode="auto"/>
-        <p:txBody>
-          <a:bodyPr/>
-          <a:lstStyle/>
-          <a:p>
-            <a:pPr>
-              <a:defRPr/>
-            </a:pPr>
-            <a:r>
-              <a:rPr lang="en-US"/>
-              <a:t>5/12/2025</a:t>
-            </a:r>
-            <a:br>
-              <a:rPr lang="en-US"/>
-            </a:br>
-            <a:fld id="{7D9363DA-FEDF-E78C-039B-C469DD7E357B}" type="datetime1">
-              <a:rPr lang="en-US"/>
-              <a:t/>
-            </a:fld>
-            <a:endParaRPr/>
-          </a:p>
-        </p:txBody>
-      </p:sp>
-      <p:sp>
-        <p:nvSpPr>
-          <p:cNvPr id="804837165" name="Footer Placeholder 4"/>
-          <p:cNvSpPr>
-            <a:spLocks noGrp="1"/>
-          </p:cNvSpPr>
-          <p:nvPr>
-            <p:ph type="ftr" sz="quarter" idx="11"/>
-          </p:nvPr>
-        </p:nvSpPr>
-        <p:spPr bwMode="auto"/>
-        <p:txBody>
-          <a:bodyPr/>
-          <a:lstStyle/>
-          <a:p>
-            <a:pPr>
-              <a:defRPr/>
-            </a:pPr>
-            <a:r>
-              <a:rPr/>
-              <a:t>Sujal Gurung</a:t>
-            </a:r>
-            <a:endParaRPr/>
-          </a:p>
-        </p:txBody>
-      </p:sp>
-      <p:sp>
-        <p:nvSpPr>
-          <p:cNvPr id="1480591902" name="Slide Number Placeholder 5"/>
-          <p:cNvSpPr>
-            <a:spLocks noGrp="1"/>
-          </p:cNvSpPr>
-          <p:nvPr>
-            <p:ph type="sldNum" sz="quarter" idx="12"/>
-          </p:nvPr>
-        </p:nvSpPr>
-        <p:spPr bwMode="auto"/>
-        <p:txBody>
-          <a:bodyPr/>
-          <a:lstStyle/>
-          <a:p>
-            <a:pPr>
-              <a:defRPr/>
-            </a:pPr>
-            <a:fld id="{782F6042-12FF-3998-82C5-BF2C58A33CE8}" type="slidenum">
-              <a:rPr lang="en-US"/>
-              <a:t/>
-            </a:fld>
-            <a:endParaRPr lang="en-US"/>
-          </a:p>
-        </p:txBody>
-      </p:sp>
-      <p:sp>
-        <p:nvSpPr>
-          <p:cNvPr id="306178808" name="Title 1"/>
-          <p:cNvSpPr>
-            <a:spLocks noGrp="1"/>
-          </p:cNvSpPr>
-          <p:nvPr>
-            <p:ph type="title"/>
-          </p:nvPr>
-        </p:nvSpPr>
-        <p:spPr bwMode="auto">
-          <a:xfrm flipH="0" flipV="0">
-            <a:off x="838198" y="2612158"/>
-            <a:ext cx="10515600" cy="1228867"/>
-          </a:xfrm>
-        </p:spPr>
-        <p:txBody>
-          <a:bodyPr/>
-          <a:lstStyle/>
-          <a:p>
-            <a:pPr algn="ctr">
-              <a:defRPr/>
-            </a:pPr>
-            <a:r>
-              <a:rPr/>
-              <a:t>The End</a:t>
-            </a:r>
-            <a:endParaRPr/>
           </a:p>
         </p:txBody>
       </p:sp>
@@ -7094,7 +8091,7 @@
       </p:grpSpPr>
       <p:sp>
         <p:nvSpPr>
-          <p:cNvPr id="1397926973" name="Title 1"/>
+          <p:cNvPr id="416823643" name="Title 1"/>
           <p:cNvSpPr>
             <a:spLocks noGrp="1"/>
           </p:cNvSpPr>
@@ -7120,7 +8117,7 @@
       </p:sp>
       <p:sp>
         <p:nvSpPr>
-          <p:cNvPr id="625925638" name="Content Placeholder 2"/>
+          <p:cNvPr id="448854940" name="Content Placeholder 2"/>
           <p:cNvSpPr>
             <a:spLocks noGrp="1"/>
           </p:cNvSpPr>
@@ -7194,7 +8191,7 @@
       </p:sp>
       <p:sp>
         <p:nvSpPr>
-          <p:cNvPr id="528310896" name="Date Placeholder 3"/>
+          <p:cNvPr id="484747719" name="Date Placeholder 3"/>
           <p:cNvSpPr>
             <a:spLocks noGrp="1"/>
           </p:cNvSpPr>
@@ -7212,12 +8209,12 @@
             </a:pPr>
             <a:r>
               <a:rPr lang="en-US"/>
-              <a:t>5/12/2025</a:t>
+              <a:t>5/12/20255/13/2025</a:t>
             </a:r>
             <a:br>
               <a:rPr lang="en-US"/>
             </a:br>
-            <a:fld id="{9B01DB27-EEE5-A621-A827-3DBF1B27D87D}" type="datetime1">
+            <a:fld id="{D525A641-6D78-036F-43A0-8861611D8C54}" type="datetime1">
               <a:rPr lang="en-US"/>
               <a:t/>
             </a:fld>
@@ -7227,7 +8224,7 @@
       </p:sp>
       <p:sp>
         <p:nvSpPr>
-          <p:cNvPr id="3438667" name="Footer Placeholder 4"/>
+          <p:cNvPr id="1648638097" name="Footer Placeholder 4"/>
           <p:cNvSpPr>
             <a:spLocks noGrp="1"/>
           </p:cNvSpPr>
@@ -7253,7 +8250,7 @@
       </p:sp>
       <p:sp>
         <p:nvSpPr>
-          <p:cNvPr id="202569467" name="Slide Number Placeholder 5"/>
+          <p:cNvPr id="447763381" name="Slide Number Placeholder 5"/>
           <p:cNvSpPr>
             <a:spLocks noGrp="1"/>
           </p:cNvSpPr>
@@ -7274,6 +8271,155 @@
               <a:t/>
             </a:fld>
             <a:endParaRPr lang="en-US"/>
+          </a:p>
+        </p:txBody>
+      </p:sp>
+    </p:spTree>
+  </p:cSld>
+  <p:clrMapOvr>
+    <a:masterClrMapping/>
+  </p:clrMapOvr>
+  <mc:AlternateContent xmlns:mc="http://schemas.openxmlformats.org/markup-compatibility/2006">
+    <mc:Choice xmlns:p159="http://schemas.microsoft.com/office/powerpoint/2015/09/main" xmlns:p14="http://schemas.microsoft.com/office/powerpoint/2010/main" Requires="p159">
+      <p:transition p14:dur="2000" advClick="1"/>
+    </mc:Choice>
+    <mc:Fallback>
+      <p:transition advClick="1"/>
+    </mc:Fallback>
+  </mc:AlternateContent>
+</p:sld>
+</file>
+
+<file path=ppt/slides/slide20.xml><?xml version="1.0" encoding="utf-8"?>
+<p:sld xmlns:a="http://schemas.openxmlformats.org/drawingml/2006/main" xmlns:r="http://schemas.openxmlformats.org/officeDocument/2006/relationships" xmlns:p="http://schemas.openxmlformats.org/presentationml/2006/main" xmlns:m="http://schemas.openxmlformats.org/officeDocument/2006/math" xmlns:w="http://schemas.openxmlformats.org/wordprocessingml/2006/main" xmlns:mc="http://schemas.openxmlformats.org/markup-compatibility/2006" showMasterPhAnim="0" showMasterSp="1" show="1">
+  <p:cSld name="">
+    <p:spTree>
+      <p:nvGrpSpPr>
+        <p:cNvPr id="1" name=""/>
+        <p:cNvGrpSpPr/>
+        <p:nvPr/>
+      </p:nvGrpSpPr>
+      <p:grpSpPr bwMode="auto">
+        <a:xfrm>
+          <a:off x="0" y="0"/>
+          <a:ext cx="0" cy="0"/>
+          <a:chOff x="0" y="0"/>
+          <a:chExt cx="0" cy="0"/>
+        </a:xfrm>
+      </p:grpSpPr>
+      <p:sp>
+        <p:nvSpPr>
+          <p:cNvPr id="928375618" name="Date Placeholder 3"/>
+          <p:cNvSpPr>
+            <a:spLocks noGrp="1"/>
+          </p:cNvSpPr>
+          <p:nvPr>
+            <p:ph type="dt" sz="half" idx="10"/>
+          </p:nvPr>
+        </p:nvSpPr>
+        <p:spPr bwMode="auto"/>
+        <p:txBody>
+          <a:bodyPr/>
+          <a:lstStyle/>
+          <a:p>
+            <a:pPr>
+              <a:defRPr/>
+            </a:pPr>
+            <a:r>
+              <a:rPr lang="en-US"/>
+              <a:t>5/12/20255/13/2025</a:t>
+            </a:r>
+            <a:br>
+              <a:rPr lang="en-US"/>
+            </a:br>
+            <a:fld id="{85FE00E2-744D-D31E-BB63-380EB43C792F}" type="datetime1">
+              <a:rPr lang="en-US"/>
+              <a:t/>
+            </a:fld>
+            <a:endParaRPr/>
+          </a:p>
+        </p:txBody>
+      </p:sp>
+      <p:sp>
+        <p:nvSpPr>
+          <p:cNvPr id="1666622846" name="Footer Placeholder 4"/>
+          <p:cNvSpPr>
+            <a:spLocks noGrp="1"/>
+          </p:cNvSpPr>
+          <p:nvPr>
+            <p:ph type="ftr" sz="quarter" idx="11"/>
+          </p:nvPr>
+        </p:nvSpPr>
+        <p:spPr bwMode="auto"/>
+        <p:txBody>
+          <a:bodyPr/>
+          <a:lstStyle/>
+          <a:p>
+            <a:pPr>
+              <a:defRPr/>
+            </a:pPr>
+            <a:r>
+              <a:rPr/>
+              <a:t>Sujal Gurung</a:t>
+            </a:r>
+            <a:endParaRPr/>
+          </a:p>
+        </p:txBody>
+      </p:sp>
+      <p:sp>
+        <p:nvSpPr>
+          <p:cNvPr id="1779761869" name="Slide Number Placeholder 5"/>
+          <p:cNvSpPr>
+            <a:spLocks noGrp="1"/>
+          </p:cNvSpPr>
+          <p:nvPr>
+            <p:ph type="sldNum" sz="quarter" idx="12"/>
+          </p:nvPr>
+        </p:nvSpPr>
+        <p:spPr bwMode="auto"/>
+        <p:txBody>
+          <a:bodyPr/>
+          <a:lstStyle/>
+          <a:p>
+            <a:pPr>
+              <a:defRPr/>
+            </a:pPr>
+            <a:fld id="{782F6042-12FF-3998-82C5-BF2C58A33CE8}" type="slidenum">
+              <a:rPr lang="en-US"/>
+              <a:t/>
+            </a:fld>
+            <a:endParaRPr lang="en-US"/>
+          </a:p>
+        </p:txBody>
+      </p:sp>
+      <p:sp>
+        <p:nvSpPr>
+          <p:cNvPr id="1084509796" name="Title 1"/>
+          <p:cNvSpPr>
+            <a:spLocks noGrp="1"/>
+          </p:cNvSpPr>
+          <p:nvPr>
+            <p:ph type="title"/>
+          </p:nvPr>
+        </p:nvSpPr>
+        <p:spPr bwMode="auto">
+          <a:xfrm flipH="0" flipV="0">
+            <a:off x="838198" y="2612158"/>
+            <a:ext cx="10515600" cy="1228867"/>
+          </a:xfrm>
+        </p:spPr>
+        <p:txBody>
+          <a:bodyPr/>
+          <a:lstStyle/>
+          <a:p>
+            <a:pPr algn="ctr">
+              <a:defRPr/>
+            </a:pPr>
+            <a:r>
+              <a:rPr/>
+              <a:t>The End</a:t>
+            </a:r>
+            <a:endParaRPr/>
           </a:p>
         </p:txBody>
       </p:sp>
@@ -7312,7 +8458,7 @@
       </p:grpSpPr>
       <p:sp>
         <p:nvSpPr>
-          <p:cNvPr id="1938351446" name="Title 1"/>
+          <p:cNvPr id="1796776194" name="Title 1"/>
           <p:cNvSpPr>
             <a:spLocks noGrp="1"/>
           </p:cNvSpPr>
@@ -7330,15 +8476,15 @@
             </a:pPr>
             <a:r>
               <a:rPr/>
-              <a:t>About the Company</a:t>
-            </a:r>
-            <a:endParaRPr/>
-          </a:p>
-        </p:txBody>
-      </p:sp>
-      <p:sp>
-        <p:nvSpPr>
-          <p:cNvPr id="1606813313" name="Content Placeholder 2"/>
+              <a:t>Objectives</a:t>
+            </a:r>
+            <a:endParaRPr/>
+          </a:p>
+        </p:txBody>
+      </p:sp>
+      <p:sp>
+        <p:nvSpPr>
+          <p:cNvPr id="1146765450" name="Content Placeholder 2"/>
           <p:cNvSpPr>
             <a:spLocks noGrp="1"/>
           </p:cNvSpPr>
@@ -7363,32 +8509,8 @@
                 <a:ea typeface="Arial"/>
                 <a:cs typeface="Arial"/>
               </a:rPr>
-              <a:t>Digital Dai is a digital agency established in 2024,</a:t>
-            </a:r>
-            <a:endParaRPr lang="en-US" sz="2800" b="0" i="0" u="none" strike="noStrike" cap="none" spc="0">
-              <a:solidFill>
-                <a:schemeClr val="tx1"/>
-              </a:solidFill>
-              <a:latin typeface="Arial"/>
-              <a:cs typeface="Arial"/>
-            </a:endParaRPr>
-          </a:p>
-          <a:p>
-            <a:pPr>
-              <a:defRPr/>
-            </a:pPr>
-            <a:endParaRPr lang="en-US" sz="2800" b="0" i="0" u="none" strike="noStrike" cap="none" spc="0">
-              <a:solidFill>
-                <a:schemeClr val="tx1"/>
-              </a:solidFill>
-              <a:latin typeface="Arial"/>
-              <a:cs typeface="Arial"/>
-            </a:endParaRPr>
-          </a:p>
-          <a:p>
-            <a:pPr>
-              <a:defRPr/>
-            </a:pPr>
+              <a:t>Gain practical experience in building, managing websites using WordPress at </a:t>
+            </a:r>
             <a:r>
               <a:rPr lang="en-US" sz="2800" b="0" i="0" u="none" strike="noStrike" cap="none" spc="0">
                 <a:solidFill>
@@ -7398,116 +8520,11 @@
                 <a:ea typeface="Arial"/>
                 <a:cs typeface="Arial"/>
               </a:rPr>
-              <a:t>Providing services for:</a:t>
-            </a:r>
-            <a:endParaRPr lang="en-US" sz="2800" b="0" i="0" u="none" strike="noStrike" cap="none" spc="0">
-              <a:solidFill>
-                <a:schemeClr val="tx1"/>
-              </a:solidFill>
-              <a:latin typeface="Arial"/>
-              <a:ea typeface="Arial"/>
-              <a:cs typeface="Arial"/>
-            </a:endParaRPr>
-          </a:p>
-          <a:p>
-            <a:pPr lvl="1">
-              <a:defRPr/>
-            </a:pPr>
-            <a:r>
-              <a:rPr lang="en-US" sz="2400" b="0" i="0" u="none" strike="noStrike" cap="none" spc="0">
-                <a:solidFill>
-                  <a:schemeClr val="tx1"/>
-                </a:solidFill>
-                <a:latin typeface="Arial"/>
-                <a:ea typeface="Arial"/>
-                <a:cs typeface="Arial"/>
-              </a:rPr>
-              <a:t>UI / UX Design</a:t>
-            </a:r>
-            <a:endParaRPr lang="en-US" sz="2800" b="0" i="0" u="none" strike="noStrike" cap="none" spc="0">
-              <a:solidFill>
-                <a:schemeClr val="tx1"/>
-              </a:solidFill>
-              <a:latin typeface="Arial"/>
-              <a:cs typeface="Arial"/>
-            </a:endParaRPr>
-          </a:p>
-          <a:p>
-            <a:pPr lvl="1">
-              <a:defRPr/>
-            </a:pPr>
-            <a:r>
-              <a:rPr lang="en-US" sz="2400" b="0" i="0" u="none" strike="noStrike" cap="none" spc="0">
-                <a:solidFill>
-                  <a:schemeClr val="tx1"/>
-                </a:solidFill>
-                <a:latin typeface="Arial"/>
-                <a:ea typeface="Arial"/>
-                <a:cs typeface="Arial"/>
-              </a:rPr>
-              <a:t>Graphic Design, </a:t>
-            </a:r>
-            <a:endParaRPr lang="en-US" sz="2400" b="0" i="0" u="none" strike="noStrike" cap="none" spc="0">
-              <a:solidFill>
-                <a:schemeClr val="tx1"/>
-              </a:solidFill>
-              <a:latin typeface="Arial"/>
-              <a:ea typeface="Arial"/>
-              <a:cs typeface="Arial"/>
-            </a:endParaRPr>
-          </a:p>
-          <a:p>
-            <a:pPr lvl="1">
-              <a:defRPr/>
-            </a:pPr>
-            <a:r>
-              <a:rPr lang="en-US" sz="2400" b="0" i="0" u="none" strike="noStrike" cap="none" spc="0">
-                <a:solidFill>
-                  <a:schemeClr val="tx1"/>
-                </a:solidFill>
-                <a:latin typeface="Arial"/>
-                <a:ea typeface="Arial"/>
-                <a:cs typeface="Arial"/>
-              </a:rPr>
-              <a:t>Web Development &amp; Mance,</a:t>
-            </a:r>
-            <a:endParaRPr lang="en-US" sz="2400" b="0" i="0" u="none" strike="noStrike" cap="none" spc="0">
-              <a:solidFill>
-                <a:schemeClr val="tx1"/>
-              </a:solidFill>
-              <a:latin typeface="Arial"/>
-              <a:ea typeface="Arial"/>
-              <a:cs typeface="Arial"/>
-            </a:endParaRPr>
-          </a:p>
-          <a:p>
-            <a:pPr lvl="1">
-              <a:defRPr/>
-            </a:pPr>
-            <a:r>
-              <a:rPr lang="en-US" sz="2400" b="0" i="0" u="none" strike="noStrike" cap="none" spc="0">
-                <a:solidFill>
-                  <a:schemeClr val="tx1"/>
-                </a:solidFill>
-                <a:latin typeface="Arial"/>
-                <a:ea typeface="Arial"/>
-                <a:cs typeface="Arial"/>
-              </a:rPr>
-              <a:t>Digital Marketing</a:t>
-            </a:r>
-            <a:endParaRPr lang="en-US" sz="2400" b="0" i="0" u="none" strike="noStrike" cap="none" spc="0">
-              <a:solidFill>
-                <a:schemeClr val="tx1"/>
-              </a:solidFill>
-              <a:latin typeface="Arial"/>
-              <a:ea typeface="Arial"/>
-              <a:cs typeface="Arial"/>
-            </a:endParaRPr>
-          </a:p>
-          <a:p>
-            <a:pPr>
-              <a:defRPr/>
-            </a:pPr>
+              <a:t>professional level</a:t>
+            </a:r>
+            <a:br>
+              <a:rPr/>
+            </a:br>
             <a:endParaRPr lang="en-US" sz="2800" b="0" i="0" u="none" strike="noStrike" cap="none" spc="0">
               <a:solidFill>
                 <a:schemeClr val="tx1"/>
@@ -7529,8 +8546,29 @@
                 <a:ea typeface="Arial"/>
                 <a:cs typeface="Arial"/>
               </a:rPr>
-              <a:t>Focused on Nepali businesses lacking dedicated digital teams</a:t>
-            </a:r>
+              <a:t>Develop skills in modern web development with frameworks like Astro </a:t>
+            </a:r>
+            <a:r>
+              <a:rPr lang="en-US" sz="2800" b="0" i="0" u="none" strike="noStrike" cap="none" spc="0">
+                <a:solidFill>
+                  <a:schemeClr val="tx1"/>
+                </a:solidFill>
+                <a:latin typeface="Arial"/>
+                <a:ea typeface="Arial"/>
+                <a:cs typeface="Arial"/>
+              </a:rPr>
+              <a:t>and Next.js</a:t>
+            </a:r>
+            <a:br>
+              <a:rPr lang="en-US" sz="2800" b="0" i="0" u="none" strike="noStrike" cap="none" spc="0">
+                <a:solidFill>
+                  <a:schemeClr val="tx1"/>
+                </a:solidFill>
+                <a:latin typeface="Arial"/>
+                <a:ea typeface="Arial"/>
+                <a:cs typeface="Arial"/>
+              </a:rPr>
+            </a:br>
             <a:endParaRPr lang="en-US" sz="2800" b="0" i="0" u="none" strike="noStrike" cap="none" spc="0">
               <a:solidFill>
                 <a:schemeClr val="tx1"/>
@@ -7539,27 +8577,71 @@
               <a:cs typeface="Arial"/>
             </a:endParaRPr>
           </a:p>
-        </p:txBody>
-      </p:sp>
-      <p:sp>
-        <p:nvSpPr>
-          <p:cNvPr id="927045821" name="Slide Number Placeholder 5"/>
-          <p:cNvSpPr>
-            <a:spLocks noGrp="1"/>
-          </p:cNvSpPr>
-          <p:nvPr>
-            <p:ph type="sldNum" sz="quarter" idx="12"/>
-          </p:nvPr>
-        </p:nvSpPr>
-        <p:spPr bwMode="auto"/>
-        <p:txBody>
-          <a:bodyPr/>
-          <a:lstStyle/>
-          <a:p>
-            <a:pPr>
-              <a:defRPr/>
-            </a:pPr>
-            <a:fld id="{B5E0DFFB-068C-B22D-D3B6-CEACA8CE6585}" type="slidenum">
+          <a:p>
+            <a:pPr>
+              <a:defRPr/>
+            </a:pPr>
+            <a:r>
+              <a:rPr lang="en-US" sz="2800" b="0" i="0" u="none" strike="noStrike" cap="none" spc="0">
+                <a:solidFill>
+                  <a:schemeClr val="tx1"/>
+                </a:solidFill>
+                <a:latin typeface="Arial"/>
+                <a:ea typeface="Arial"/>
+                <a:cs typeface="Arial"/>
+              </a:rPr>
+              <a:t>Improve understanding of web performance, scalability, &amp; </a:t>
+            </a:r>
+            <a:br>
+              <a:rPr lang="en-US" sz="2800" b="0" i="0" u="none" strike="noStrike" cap="none" spc="0">
+                <a:solidFill>
+                  <a:schemeClr val="tx1"/>
+                </a:solidFill>
+                <a:latin typeface="Arial"/>
+                <a:ea typeface="Arial"/>
+                <a:cs typeface="Arial"/>
+              </a:rPr>
+            </a:br>
+            <a:r>
+              <a:rPr lang="en-US" sz="2800" b="0" i="0" u="none" strike="noStrike" cap="none" spc="0">
+                <a:solidFill>
+                  <a:schemeClr val="tx1"/>
+                </a:solidFill>
+                <a:latin typeface="Arial"/>
+                <a:ea typeface="Arial"/>
+                <a:cs typeface="Arial"/>
+              </a:rPr>
+              <a:t>best practices </a:t>
+            </a:r>
+            <a:endParaRPr lang="en-US" sz="2800" b="0" i="0" u="none" strike="noStrike" cap="none" spc="0">
+              <a:solidFill>
+                <a:schemeClr val="tx1"/>
+              </a:solidFill>
+              <a:latin typeface="Arial"/>
+              <a:cs typeface="Arial"/>
+            </a:endParaRPr>
+          </a:p>
+        </p:txBody>
+      </p:sp>
+      <p:sp>
+        <p:nvSpPr>
+          <p:cNvPr id="127092949" name="Date Placeholder 3"/>
+          <p:cNvSpPr>
+            <a:spLocks noGrp="1"/>
+          </p:cNvSpPr>
+          <p:nvPr>
+            <p:ph type="dt" sz="half" idx="10"/>
+          </p:nvPr>
+        </p:nvSpPr>
+        <p:spPr bwMode="auto"/>
+        <p:txBody>
+          <a:bodyPr/>
+          <a:lstStyle/>
+          <a:p>
+            <a:pPr>
+              <a:defRPr/>
+            </a:pPr>
+            <a:fld id="{8C5261E4-7212-EA3C-0D1C-F220A93DE122}" type="datetime1">
               <a:rPr lang="en-US"/>
               <a:t/>
             </a:fld>
@@ -7569,7 +8651,7 @@
       </p:sp>
       <p:sp>
         <p:nvSpPr>
-          <p:cNvPr id="1620640951" name="Footer Placeholder 4"/>
+          <p:cNvPr id="159269812" name="Footer Placeholder 4"/>
           <p:cNvSpPr>
             <a:spLocks noGrp="1"/>
           </p:cNvSpPr>
@@ -7595,60 +8677,30 @@
       </p:sp>
       <p:sp>
         <p:nvSpPr>
-          <p:cNvPr id="965377127" name="Date Placeholder 3"/>
-          <p:cNvSpPr>
-            <a:spLocks noGrp="1"/>
-          </p:cNvSpPr>
-          <p:nvPr>
-            <p:ph type="dt" sz="half" idx="10"/>
-          </p:nvPr>
-        </p:nvSpPr>
-        <p:spPr bwMode="auto"/>
-        <p:txBody>
-          <a:bodyPr/>
-          <a:lstStyle/>
-          <a:p>
-            <a:pPr>
-              <a:defRPr/>
-            </a:pPr>
-            <a:r>
-              <a:rPr lang="en-US"/>
-              <a:t>5/12/2025</a:t>
-            </a:r>
-            <a:br>
-              <a:rPr lang="en-US"/>
-            </a:br>
-            <a:fld id="{C9E1717A-2F97-C737-6C75-13B82F27FD18}" type="datetime1">
+          <p:cNvPr id="1064951426" name="Slide Number Placeholder 5"/>
+          <p:cNvSpPr>
+            <a:spLocks noGrp="1"/>
+          </p:cNvSpPr>
+          <p:nvPr>
+            <p:ph type="sldNum" sz="quarter" idx="12"/>
+          </p:nvPr>
+        </p:nvSpPr>
+        <p:spPr bwMode="auto"/>
+        <p:txBody>
+          <a:bodyPr/>
+          <a:lstStyle/>
+          <a:p>
+            <a:pPr>
+              <a:defRPr/>
+            </a:pPr>
+            <a:fld id="{C2BF145D-BC4F-6479-7D32-0E088AD64929}" type="slidenum">
               <a:rPr lang="en-US"/>
               <a:t/>
             </a:fld>
-            <a:endParaRPr/>
-          </a:p>
-        </p:txBody>
-      </p:sp>
-      <p:pic>
-        <p:nvPicPr>
-          <p:cNvPr id="2112492751" name=""/>
-          <p:cNvPicPr>
-            <a:picLocks noChangeAspect="1"/>
-          </p:cNvPicPr>
-          <p:nvPr/>
-        </p:nvPicPr>
-        <p:blipFill>
-          <a:blip r:embed="rId3"/>
-          <a:srcRect l="34567" t="26204" r="34709" b="45180"/>
-          <a:stretch/>
-        </p:blipFill>
-        <p:spPr bwMode="auto">
-          <a:xfrm flipH="0" flipV="0">
-            <a:off x="10617777" y="685150"/>
-            <a:ext cx="736022" cy="685510"/>
-          </a:xfrm>
-          <a:prstGeom prst="rect">
-            <a:avLst/>
-          </a:prstGeom>
-        </p:spPr>
-      </p:pic>
+            <a:endParaRPr lang="en-US"/>
+          </a:p>
+        </p:txBody>
+      </p:sp>
     </p:spTree>
   </p:cSld>
   <p:clrMapOvr>
@@ -7684,7 +8736,7 @@
       </p:grpSpPr>
       <p:sp>
         <p:nvSpPr>
-          <p:cNvPr id="422558690" name="Title 1"/>
+          <p:cNvPr id="154701262" name="Title 1"/>
           <p:cNvSpPr>
             <a:spLocks noGrp="1"/>
           </p:cNvSpPr>
@@ -7702,15 +8754,15 @@
             </a:pPr>
             <a:r>
               <a:rPr/>
-              <a:t>Company Structure</a:t>
-            </a:r>
-            <a:endParaRPr/>
-          </a:p>
-        </p:txBody>
-      </p:sp>
-      <p:sp>
-        <p:nvSpPr>
-          <p:cNvPr id="1097028964" name="Content Placeholder 2"/>
+              <a:t>About the Company</a:t>
+            </a:r>
+            <a:endParaRPr/>
+          </a:p>
+        </p:txBody>
+      </p:sp>
+      <p:sp>
+        <p:nvSpPr>
+          <p:cNvPr id="492436043" name="Content Placeholder 2"/>
           <p:cNvSpPr>
             <a:spLocks noGrp="1"/>
           </p:cNvSpPr>
@@ -7727,39 +8779,211 @@
               <a:defRPr/>
             </a:pPr>
             <a:r>
-              <a:rPr/>
-              <a:t>Mostly a small, lean team of skilled workers &amp; few managers</a:t>
-            </a:r>
-            <a:endParaRPr/>
-          </a:p>
-        </p:txBody>
-      </p:sp>
-      <p:sp>
-        <p:nvSpPr>
-          <p:cNvPr id="91625" name="Date Placeholder 3"/>
-          <p:cNvSpPr>
-            <a:spLocks noGrp="1"/>
-          </p:cNvSpPr>
-          <p:nvPr>
-            <p:ph type="dt" sz="half" idx="10"/>
-          </p:nvPr>
-        </p:nvSpPr>
-        <p:spPr bwMode="auto"/>
-        <p:txBody>
-          <a:bodyPr/>
-          <a:lstStyle/>
-          <a:p>
-            <a:pPr>
-              <a:defRPr/>
-            </a:pPr>
-            <a:r>
-              <a:rPr lang="en-US"/>
-              <a:t>5/12/2025</a:t>
-            </a:r>
-            <a:br>
-              <a:rPr lang="en-US"/>
-            </a:br>
-            <a:fld id="{7F5845D1-5636-D6EC-B784-FC8F62517C2A}" type="datetime1">
+              <a:rPr lang="en-US" sz="2800" b="0" i="0" u="none" strike="noStrike" cap="none" spc="0">
+                <a:solidFill>
+                  <a:schemeClr val="tx1"/>
+                </a:solidFill>
+                <a:latin typeface="Arial"/>
+                <a:ea typeface="Arial"/>
+                <a:cs typeface="Arial"/>
+              </a:rPr>
+              <a:t>Digital Dai is a digital agency established in 2024,</a:t>
+            </a:r>
+            <a:endParaRPr lang="en-US" sz="2800" b="0" i="0" u="none" strike="noStrike" cap="none" spc="0">
+              <a:solidFill>
+                <a:schemeClr val="tx1"/>
+              </a:solidFill>
+              <a:latin typeface="Arial"/>
+              <a:cs typeface="Arial"/>
+            </a:endParaRPr>
+          </a:p>
+          <a:p>
+            <a:pPr>
+              <a:defRPr/>
+            </a:pPr>
+            <a:endParaRPr lang="en-US" sz="2800" b="0" i="0" u="none" strike="noStrike" cap="none" spc="0">
+              <a:solidFill>
+                <a:schemeClr val="tx1"/>
+              </a:solidFill>
+              <a:latin typeface="Arial"/>
+              <a:cs typeface="Arial"/>
+            </a:endParaRPr>
+          </a:p>
+          <a:p>
+            <a:pPr>
+              <a:defRPr/>
+            </a:pPr>
+            <a:r>
+              <a:rPr lang="en-US" sz="2800" b="0" i="0" u="none" strike="noStrike" cap="none" spc="0">
+                <a:solidFill>
+                  <a:schemeClr val="tx1"/>
+                </a:solidFill>
+                <a:latin typeface="Arial"/>
+                <a:ea typeface="Arial"/>
+                <a:cs typeface="Arial"/>
+              </a:rPr>
+              <a:t>Providing services for:</a:t>
+            </a:r>
+            <a:endParaRPr lang="en-US" sz="2800" b="0" i="0" u="none" strike="noStrike" cap="none" spc="0">
+              <a:solidFill>
+                <a:schemeClr val="tx1"/>
+              </a:solidFill>
+              <a:latin typeface="Arial"/>
+              <a:ea typeface="Arial"/>
+              <a:cs typeface="Arial"/>
+            </a:endParaRPr>
+          </a:p>
+          <a:p>
+            <a:pPr lvl="1">
+              <a:defRPr/>
+            </a:pPr>
+            <a:r>
+              <a:rPr lang="en-US" sz="2400" b="0" i="0" u="none" strike="noStrike" cap="none" spc="0">
+                <a:solidFill>
+                  <a:schemeClr val="tx1"/>
+                </a:solidFill>
+                <a:latin typeface="Arial"/>
+                <a:ea typeface="Arial"/>
+                <a:cs typeface="Arial"/>
+              </a:rPr>
+              <a:t>UI / UX Design</a:t>
+            </a:r>
+            <a:endParaRPr lang="en-US" sz="2800" b="0" i="0" u="none" strike="noStrike" cap="none" spc="0">
+              <a:solidFill>
+                <a:schemeClr val="tx1"/>
+              </a:solidFill>
+              <a:latin typeface="Arial"/>
+              <a:cs typeface="Arial"/>
+            </a:endParaRPr>
+          </a:p>
+          <a:p>
+            <a:pPr lvl="1">
+              <a:defRPr/>
+            </a:pPr>
+            <a:r>
+              <a:rPr lang="en-US" sz="2400" b="0" i="0" u="none" strike="noStrike" cap="none" spc="0">
+                <a:solidFill>
+                  <a:schemeClr val="tx1"/>
+                </a:solidFill>
+                <a:latin typeface="Arial"/>
+                <a:ea typeface="Arial"/>
+                <a:cs typeface="Arial"/>
+              </a:rPr>
+              <a:t>Graphic Design, </a:t>
+            </a:r>
+            <a:endParaRPr lang="en-US" sz="2400" b="0" i="0" u="none" strike="noStrike" cap="none" spc="0">
+              <a:solidFill>
+                <a:schemeClr val="tx1"/>
+              </a:solidFill>
+              <a:latin typeface="Arial"/>
+              <a:ea typeface="Arial"/>
+              <a:cs typeface="Arial"/>
+            </a:endParaRPr>
+          </a:p>
+          <a:p>
+            <a:pPr lvl="1">
+              <a:defRPr/>
+            </a:pPr>
+            <a:r>
+              <a:rPr lang="en-US" sz="2400" b="0" i="0" u="none" strike="noStrike" cap="none" spc="0">
+                <a:solidFill>
+                  <a:schemeClr val="tx1"/>
+                </a:solidFill>
+                <a:latin typeface="Arial"/>
+                <a:ea typeface="Arial"/>
+                <a:cs typeface="Arial"/>
+              </a:rPr>
+              <a:t>Web Development &amp; Maintenance,</a:t>
+            </a:r>
+            <a:endParaRPr lang="en-US" sz="2400" b="0" i="0" u="none" strike="noStrike" cap="none" spc="0">
+              <a:solidFill>
+                <a:schemeClr val="tx1"/>
+              </a:solidFill>
+              <a:latin typeface="Arial"/>
+              <a:ea typeface="Arial"/>
+              <a:cs typeface="Arial"/>
+            </a:endParaRPr>
+          </a:p>
+          <a:p>
+            <a:pPr lvl="1">
+              <a:defRPr/>
+            </a:pPr>
+            <a:r>
+              <a:rPr lang="en-US" sz="2400" b="0" i="0" u="none" strike="noStrike" cap="none" spc="0">
+                <a:solidFill>
+                  <a:schemeClr val="tx1"/>
+                </a:solidFill>
+                <a:latin typeface="Arial"/>
+                <a:ea typeface="Arial"/>
+                <a:cs typeface="Arial"/>
+              </a:rPr>
+              <a:t>Digital Marketing</a:t>
+            </a:r>
+            <a:endParaRPr lang="en-US" sz="2400" b="0" i="0" u="none" strike="noStrike" cap="none" spc="0">
+              <a:solidFill>
+                <a:schemeClr val="tx1"/>
+              </a:solidFill>
+              <a:latin typeface="Arial"/>
+              <a:ea typeface="Arial"/>
+              <a:cs typeface="Arial"/>
+            </a:endParaRPr>
+          </a:p>
+          <a:p>
+            <a:pPr>
+              <a:defRPr/>
+            </a:pPr>
+            <a:endParaRPr lang="en-US" sz="2800" b="0" i="0" u="none" strike="noStrike" cap="none" spc="0">
+              <a:solidFill>
+                <a:schemeClr val="tx1"/>
+              </a:solidFill>
+              <a:latin typeface="Arial"/>
+              <a:cs typeface="Arial"/>
+            </a:endParaRPr>
+          </a:p>
+          <a:p>
+            <a:pPr>
+              <a:defRPr/>
+            </a:pPr>
+            <a:r>
+              <a:rPr lang="en-US" sz="2800" b="0" i="0" u="none" strike="noStrike" cap="none" spc="0">
+                <a:solidFill>
+                  <a:schemeClr val="tx1"/>
+                </a:solidFill>
+                <a:latin typeface="Arial"/>
+                <a:ea typeface="Arial"/>
+                <a:cs typeface="Arial"/>
+              </a:rPr>
+              <a:t>Focused on Nepali businesses lacking dedicated digital teams</a:t>
+            </a:r>
+            <a:endParaRPr lang="en-US" sz="2800" b="0" i="0" u="none" strike="noStrike" cap="none" spc="0">
+              <a:solidFill>
+                <a:schemeClr val="tx1"/>
+              </a:solidFill>
+              <a:latin typeface="Arial"/>
+              <a:cs typeface="Arial"/>
+            </a:endParaRPr>
+          </a:p>
+        </p:txBody>
+      </p:sp>
+      <p:sp>
+        <p:nvSpPr>
+          <p:cNvPr id="187085537" name="Slide Number Placeholder 5"/>
+          <p:cNvSpPr>
+            <a:spLocks noGrp="1"/>
+          </p:cNvSpPr>
+          <p:nvPr>
+            <p:ph type="sldNum" sz="quarter" idx="12"/>
+          </p:nvPr>
+        </p:nvSpPr>
+        <p:spPr bwMode="auto"/>
+        <p:txBody>
+          <a:bodyPr/>
+          <a:lstStyle/>
+          <a:p>
+            <a:pPr>
+              <a:defRPr/>
+            </a:pPr>
+            <a:fld id="{B5E0DFFB-068C-B22D-D3B6-CEACA8CE6585}" type="slidenum">
               <a:rPr lang="en-US"/>
               <a:t/>
             </a:fld>
@@ -7769,7 +8993,7 @@
       </p:sp>
       <p:sp>
         <p:nvSpPr>
-          <p:cNvPr id="533915996" name="Footer Placeholder 4"/>
+          <p:cNvPr id="1847799367" name="Footer Placeholder 4"/>
           <p:cNvSpPr>
             <a:spLocks noGrp="1"/>
           </p:cNvSpPr>
@@ -7795,33 +9019,40 @@
       </p:sp>
       <p:sp>
         <p:nvSpPr>
-          <p:cNvPr id="1847870341" name="Slide Number Placeholder 5"/>
-          <p:cNvSpPr>
-            <a:spLocks noGrp="1"/>
-          </p:cNvSpPr>
-          <p:nvPr>
-            <p:ph type="sldNum" sz="quarter" idx="12"/>
-          </p:nvPr>
-        </p:nvSpPr>
-        <p:spPr bwMode="auto"/>
-        <p:txBody>
-          <a:bodyPr/>
-          <a:lstStyle/>
-          <a:p>
-            <a:pPr>
-              <a:defRPr/>
-            </a:pPr>
-            <a:fld id="{23CB70DC-1D1D-2522-5302-B15BF4E8FAD2}" type="slidenum">
+          <p:cNvPr id="779534342" name="Date Placeholder 3"/>
+          <p:cNvSpPr>
+            <a:spLocks noGrp="1"/>
+          </p:cNvSpPr>
+          <p:nvPr>
+            <p:ph type="dt" sz="half" idx="10"/>
+          </p:nvPr>
+        </p:nvSpPr>
+        <p:spPr bwMode="auto"/>
+        <p:txBody>
+          <a:bodyPr/>
+          <a:lstStyle/>
+          <a:p>
+            <a:pPr>
+              <a:defRPr/>
+            </a:pPr>
+            <a:r>
+              <a:rPr lang="en-US"/>
+              <a:t>5/12/20255/13/2025</a:t>
+            </a:r>
+            <a:br>
+              <a:rPr lang="en-US"/>
+            </a:br>
+            <a:fld id="{508A734B-773F-30CF-62C9-DCDE5BB5D001}" type="datetime1">
               <a:rPr lang="en-US"/>
               <a:t/>
             </a:fld>
-            <a:endParaRPr lang="en-US"/>
+            <a:endParaRPr/>
           </a:p>
         </p:txBody>
       </p:sp>
       <p:pic>
         <p:nvPicPr>
-          <p:cNvPr id="1744377004" name=""/>
+          <p:cNvPr id="1613403456" name=""/>
           <p:cNvPicPr>
             <a:picLocks noChangeAspect="1"/>
           </p:cNvPicPr>
@@ -7829,12 +9060,13 @@
         </p:nvPicPr>
         <p:blipFill>
           <a:blip r:embed="rId3"/>
+          <a:srcRect l="34567" t="26204" r="34709" b="45180"/>
           <a:stretch/>
         </p:blipFill>
         <p:spPr bwMode="auto">
           <a:xfrm flipH="0" flipV="0">
-            <a:off x="2391109" y="2788227"/>
-            <a:ext cx="7409781" cy="3042227"/>
+            <a:off x="10617777" y="685150"/>
+            <a:ext cx="736022" cy="685510"/>
           </a:xfrm>
           <a:prstGeom prst="rect">
             <a:avLst/>
@@ -7876,7 +9108,7 @@
       </p:grpSpPr>
       <p:sp>
         <p:nvSpPr>
-          <p:cNvPr id="1861116426" name="Title 1"/>
+          <p:cNvPr id="111940968" name="Title 1"/>
           <p:cNvSpPr>
             <a:spLocks noGrp="1"/>
           </p:cNvSpPr>
@@ -7894,15 +9126,15 @@
             </a:pPr>
             <a:r>
               <a:rPr/>
-              <a:t>Responsibilities</a:t>
-            </a:r>
-            <a:endParaRPr/>
-          </a:p>
-        </p:txBody>
-      </p:sp>
-      <p:sp>
-        <p:nvSpPr>
-          <p:cNvPr id="1127290899" name="Content Placeholder 2"/>
+              <a:t>Company Structure</a:t>
+            </a:r>
+            <a:endParaRPr/>
+          </a:p>
+        </p:txBody>
+      </p:sp>
+      <p:sp>
+        <p:nvSpPr>
+          <p:cNvPr id="894826952" name="Content Placeholder 2"/>
           <p:cNvSpPr>
             <a:spLocks noGrp="1"/>
           </p:cNvSpPr>
@@ -7919,118 +9151,16 @@
               <a:defRPr/>
             </a:pPr>
             <a:r>
-              <a:rPr lang="en-US" sz="2800" b="0" i="0" u="none" strike="noStrike" cap="none" spc="0">
-                <a:solidFill>
-                  <a:schemeClr val="tx1"/>
-                </a:solidFill>
-                <a:latin typeface="Arial"/>
-                <a:ea typeface="Arial"/>
-                <a:cs typeface="Arial"/>
-              </a:rPr>
-              <a:t>Developing responsive websites using WordPress, Elementor</a:t>
-            </a:r>
-            <a:endParaRPr/>
-          </a:p>
-          <a:p>
-            <a:pPr>
-              <a:defRPr/>
-            </a:pPr>
-            <a:endParaRPr sz="2800" b="0" i="0" u="none" strike="noStrike" cap="none" spc="0">
-              <a:solidFill>
-                <a:schemeClr val="tx1"/>
-              </a:solidFill>
-              <a:latin typeface="Arial"/>
-              <a:ea typeface="Arial"/>
-              <a:cs typeface="Arial"/>
-            </a:endParaRPr>
-          </a:p>
-          <a:p>
-            <a:pPr>
-              <a:defRPr/>
-            </a:pPr>
-            <a:r>
-              <a:rPr lang="en-US" sz="2800" b="0" i="0" u="none" strike="noStrike" cap="none" spc="0">
-                <a:solidFill>
-                  <a:schemeClr val="tx1"/>
-                </a:solidFill>
-                <a:latin typeface="Arial"/>
-                <a:ea typeface="Arial"/>
-                <a:cs typeface="Arial"/>
-              </a:rPr>
-              <a:t>Collaborate with designers, developers</a:t>
-            </a:r>
-            <a:endParaRPr/>
-          </a:p>
-          <a:p>
-            <a:pPr>
-              <a:defRPr/>
-            </a:pPr>
-            <a:endParaRPr lang="en-US" sz="2800" b="0" i="0" u="none" strike="noStrike" cap="none" spc="0">
-              <a:solidFill>
-                <a:schemeClr val="tx1"/>
-              </a:solidFill>
-              <a:latin typeface="Arial"/>
-              <a:cs typeface="Arial"/>
-            </a:endParaRPr>
-          </a:p>
-          <a:p>
-            <a:pPr>
-              <a:defRPr/>
-            </a:pPr>
-            <a:r>
-              <a:rPr lang="en-US" sz="2800" b="0" i="0" u="none" strike="noStrike" cap="none" spc="0">
-                <a:solidFill>
-                  <a:schemeClr val="tx1"/>
-                </a:solidFill>
-                <a:latin typeface="Arial"/>
-                <a:ea typeface="Arial"/>
-                <a:cs typeface="Arial"/>
-              </a:rPr>
-              <a:t>Configure WordPress settings, plugins to meet requirements</a:t>
-            </a:r>
-            <a:endParaRPr lang="en-US" sz="2800" b="0" i="0" u="none" strike="noStrike" cap="none" spc="0">
-              <a:solidFill>
-                <a:schemeClr val="tx1"/>
-              </a:solidFill>
-              <a:latin typeface="Arial"/>
-              <a:ea typeface="Arial"/>
-              <a:cs typeface="Arial"/>
-            </a:endParaRPr>
-          </a:p>
-          <a:p>
-            <a:pPr>
-              <a:defRPr/>
-            </a:pPr>
-            <a:endParaRPr lang="en-US" sz="2800" b="0" i="0" u="none" strike="noStrike" cap="none" spc="0">
-              <a:solidFill>
-                <a:schemeClr val="tx1"/>
-              </a:solidFill>
-              <a:latin typeface="Arial"/>
-              <a:cs typeface="Arial"/>
-            </a:endParaRPr>
-          </a:p>
-          <a:p>
-            <a:pPr>
-              <a:defRPr/>
-            </a:pPr>
-            <a:r>
-              <a:rPr lang="en-US" sz="2800" b="0" i="0" u="none" strike="noStrike" cap="none" spc="0">
-                <a:solidFill>
-                  <a:schemeClr val="tx1"/>
-                </a:solidFill>
-                <a:latin typeface="Arial"/>
-                <a:ea typeface="Arial"/>
-                <a:cs typeface="Arial"/>
-              </a:rPr>
-              <a:t>Perform website maintenance tasks, debug issues, and optimize website</a:t>
-            </a:r>
-            <a:endParaRPr/>
-          </a:p>
-        </p:txBody>
-      </p:sp>
-      <p:sp>
-        <p:nvSpPr>
-          <p:cNvPr id="1600354811" name="Date Placeholder 3"/>
+              <a:rPr/>
+              <a:t>Mostly a small, lean team of skilled workers &amp; few managers</a:t>
+            </a:r>
+            <a:endParaRPr/>
+          </a:p>
+        </p:txBody>
+      </p:sp>
+      <p:sp>
+        <p:nvSpPr>
+          <p:cNvPr id="1539505687" name="Date Placeholder 3"/>
           <p:cNvSpPr>
             <a:spLocks noGrp="1"/>
           </p:cNvSpPr>
@@ -8048,12 +9178,12 @@
             </a:pPr>
             <a:r>
               <a:rPr lang="en-US"/>
-              <a:t>5/12/2025</a:t>
+              <a:t>5/12/20255/13/2025</a:t>
             </a:r>
             <a:br>
               <a:rPr lang="en-US"/>
             </a:br>
-            <a:fld id="{DA00221B-B8B0-2C97-2A62-7AB89B66D31C}" type="datetime1">
+            <a:fld id="{CCB984C0-DCA1-0756-432B-425976E2E1D4}" type="datetime1">
               <a:rPr lang="en-US"/>
               <a:t/>
             </a:fld>
@@ -8063,7 +9193,7 @@
       </p:sp>
       <p:sp>
         <p:nvSpPr>
-          <p:cNvPr id="1080682698" name="Footer Placeholder 4"/>
+          <p:cNvPr id="553750900" name="Footer Placeholder 4"/>
           <p:cNvSpPr>
             <a:spLocks noGrp="1"/>
           </p:cNvSpPr>
@@ -8089,7 +9219,7 @@
       </p:sp>
       <p:sp>
         <p:nvSpPr>
-          <p:cNvPr id="1045342111" name="Slide Number Placeholder 5"/>
+          <p:cNvPr id="784780091" name="Slide Number Placeholder 5"/>
           <p:cNvSpPr>
             <a:spLocks noGrp="1"/>
           </p:cNvSpPr>
@@ -8105,7 +9235,7 @@
             <a:pPr>
               <a:defRPr/>
             </a:pPr>
-            <a:fld id="{7B83E2CC-D5D7-F39C-ECF6-BBFD759DA4EB}" type="slidenum">
+            <a:fld id="{23CB70DC-1D1D-2522-5302-B15BF4E8FAD2}" type="slidenum">
               <a:rPr lang="en-US"/>
               <a:t/>
             </a:fld>
@@ -8113,6 +9243,28 @@
           </a:p>
         </p:txBody>
       </p:sp>
+      <p:pic>
+        <p:nvPicPr>
+          <p:cNvPr id="1354211501" name=""/>
+          <p:cNvPicPr>
+            <a:picLocks noChangeAspect="1"/>
+          </p:cNvPicPr>
+          <p:nvPr/>
+        </p:nvPicPr>
+        <p:blipFill>
+          <a:blip r:embed="rId3"/>
+          <a:stretch/>
+        </p:blipFill>
+        <p:spPr bwMode="auto">
+          <a:xfrm flipH="0" flipV="0">
+            <a:off x="2391109" y="2788227"/>
+            <a:ext cx="7409781" cy="3042227"/>
+          </a:xfrm>
+          <a:prstGeom prst="rect">
+            <a:avLst/>
+          </a:prstGeom>
+        </p:spPr>
+      </p:pic>
     </p:spTree>
   </p:cSld>
   <p:clrMapOvr>
@@ -8148,7 +9300,7 @@
       </p:grpSpPr>
       <p:sp>
         <p:nvSpPr>
-          <p:cNvPr id="1724879303" name="Title 1"/>
+          <p:cNvPr id="1412586712" name="Title 1"/>
           <p:cNvSpPr>
             <a:spLocks noGrp="1"/>
           </p:cNvSpPr>
@@ -8158,7 +9310,33 @@
         </p:nvSpPr>
         <p:spPr bwMode="auto"/>
         <p:txBody>
-          <a:bodyPr vertOverflow="overflow" horzOverflow="overflow" vert="horz" wrap="square" lIns="91440" tIns="45720" rIns="91440" bIns="45720" numCol="1" spcCol="0" rtlCol="0" fromWordArt="0" anchor="ctr" anchorCtr="0" forceAA="0" upright="0" compatLnSpc="0">
+          <a:bodyPr/>
+          <a:lstStyle/>
+          <a:p>
+            <a:pPr>
+              <a:defRPr/>
+            </a:pPr>
+            <a:r>
+              <a:rPr/>
+              <a:t>Background Study</a:t>
+            </a:r>
+            <a:endParaRPr/>
+          </a:p>
+        </p:txBody>
+      </p:sp>
+      <p:sp>
+        <p:nvSpPr>
+          <p:cNvPr id="1441011546" name="Content Placeholder 2"/>
+          <p:cNvSpPr>
+            <a:spLocks noGrp="1"/>
+          </p:cNvSpPr>
+          <p:nvPr>
+            <p:ph idx="1"/>
+          </p:nvPr>
+        </p:nvSpPr>
+        <p:spPr bwMode="auto"/>
+        <p:txBody>
+          <a:bodyPr vertOverflow="overflow" horzOverflow="overflow" vert="horz" wrap="square" lIns="91440" tIns="45720" rIns="91440" bIns="45720" numCol="1" spcCol="0" rtlCol="0" fromWordArt="0" anchor="t" anchorCtr="0" forceAA="0" upright="0" compatLnSpc="0">
             <a:normAutofit/>
           </a:bodyPr>
           <a:lstStyle/>
@@ -8167,57 +9345,68 @@
               <a:defRPr/>
             </a:pPr>
             <a:r>
+              <a:rPr lang="en-US" sz="2800" b="0" i="0" u="none" strike="noStrike" cap="none" spc="0">
+                <a:solidFill>
+                  <a:schemeClr val="tx1"/>
+                </a:solidFill>
+                <a:latin typeface="Arial"/>
+                <a:ea typeface="Arial"/>
+                <a:cs typeface="Arial"/>
+              </a:rPr>
+              <a:t>Low-Code Development Tool</a:t>
+            </a:r>
+            <a:r>
               <a:rPr/>
-              <a:t>Projects Involved</a:t>
-            </a:r>
-            <a:endParaRPr/>
-          </a:p>
-        </p:txBody>
-      </p:sp>
-      <p:sp>
-        <p:nvSpPr>
-          <p:cNvPr id="2002000197" name="Content Placeholder 2"/>
-          <p:cNvSpPr>
-            <a:spLocks noGrp="1"/>
-          </p:cNvSpPr>
-          <p:nvPr>
-            <p:ph idx="1"/>
-          </p:nvPr>
-        </p:nvSpPr>
-        <p:spPr bwMode="auto"/>
-        <p:txBody>
-          <a:bodyPr/>
-          <a:lstStyle/>
-          <a:p>
-            <a:pPr>
-              <a:defRPr/>
-            </a:pPr>
-            <a:r>
-              <a:rPr/>
-              <a:t>Worked on multiple website, web-app projects, </a:t>
+              <a:t>s: </a:t>
             </a:r>
             <a:br>
               <a:rPr/>
             </a:br>
+            <a:endParaRPr/>
+          </a:p>
+          <a:p>
+            <a:pPr lvl="1">
+              <a:defRPr/>
+            </a:pPr>
             <a:r>
               <a:rPr/>
-              <a:t>including:</a:t>
-            </a:r>
+              <a:t>Allow building software primarily using GUI</a:t>
+            </a:r>
+            <a:br>
+              <a:rPr/>
+            </a:br>
+            <a:r>
+              <a:rPr/>
+              <a:t>instead of traditional coding</a:t>
+            </a:r>
+            <a:br>
+              <a:rPr/>
+            </a:br>
             <a:endParaRPr/>
           </a:p>
           <a:p>
             <a:pPr lvl="1">
               <a:defRPr/>
             </a:pPr>
+            <a:r>
+              <a:rPr/>
+              <a:t>Examples: WebFlow, Shopify, Wix</a:t>
+            </a:r>
             <a:endParaRPr/>
           </a:p>
           <a:p>
             <a:pPr lvl="1">
               <a:defRPr/>
             </a:pPr>
+            <a:endParaRPr/>
+          </a:p>
+          <a:p>
+            <a:pPr>
+              <a:defRPr/>
+            </a:pPr>
             <a:r>
               <a:rPr/>
-              <a:t>Sasto Nordic’s e-commerce store</a:t>
+              <a:t>WordPress: </a:t>
             </a:r>
             <a:endParaRPr/>
           </a:p>
@@ -8225,61 +9414,97 @@
             <a:pPr lvl="1">
               <a:defRPr/>
             </a:pPr>
-            <a:endParaRPr/>
-          </a:p>
-          <a:p>
-            <a:pPr lvl="1">
-              <a:defRPr/>
-            </a:pPr>
-            <a:r>
-              <a:rPr/>
-              <a:t>Tarkeshwar Dental’s website</a:t>
-            </a:r>
-            <a:endParaRPr/>
-          </a:p>
-          <a:p>
-            <a:pPr lvl="1">
-              <a:defRPr/>
-            </a:pPr>
-            <a:endParaRPr/>
-          </a:p>
-          <a:p>
-            <a:pPr lvl="1">
-              <a:defRPr/>
-            </a:pPr>
-            <a:r>
-              <a:rPr/>
-              <a:t>GLOHMED website maintenance &amp; newsletter</a:t>
-            </a:r>
-            <a:endParaRPr/>
-          </a:p>
-          <a:p>
-            <a:pPr lvl="1">
-              <a:defRPr/>
-            </a:pPr>
-            <a:endParaRPr/>
-          </a:p>
-          <a:p>
-            <a:pPr lvl="1">
-              <a:defRPr/>
-            </a:pPr>
-            <a:r>
-              <a:rPr/>
-              <a:t>Foreign language exam app</a:t>
-            </a:r>
-            <a:endParaRPr/>
-          </a:p>
-          <a:p>
-            <a:pPr lvl="1">
-              <a:defRPr/>
-            </a:pPr>
-            <a:endParaRPr/>
-          </a:p>
-        </p:txBody>
-      </p:sp>
-      <p:sp>
-        <p:nvSpPr>
-          <p:cNvPr id="1283528494" name="Date Placeholder 3"/>
+            <a:r>
+              <a:rPr lang="en-US" sz="2400" b="0" i="0" u="none" strike="noStrike" cap="none" spc="0">
+                <a:solidFill>
+                  <a:schemeClr val="tx1"/>
+                </a:solidFill>
+                <a:latin typeface="Arial"/>
+                <a:ea typeface="Arial"/>
+                <a:cs typeface="Arial"/>
+              </a:rPr>
+              <a:t>Versatile Content </a:t>
+            </a:r>
+            <a:r>
+              <a:rPr lang="en-US" sz="2400" b="0" i="0" u="none" strike="noStrike" cap="none" spc="0">
+                <a:solidFill>
+                  <a:schemeClr val="tx1"/>
+                </a:solidFill>
+                <a:latin typeface="Arial"/>
+                <a:ea typeface="Arial"/>
+                <a:cs typeface="Arial"/>
+              </a:rPr>
+              <a:t>Management System (CMS) </a:t>
+            </a:r>
+            <a:endParaRPr lang="en-US" sz="2400" b="0" i="0" u="none" strike="noStrike" cap="none" spc="0">
+              <a:solidFill>
+                <a:schemeClr val="tx1"/>
+              </a:solidFill>
+              <a:latin typeface="Arial"/>
+              <a:ea typeface="Arial"/>
+              <a:cs typeface="Arial"/>
+            </a:endParaRPr>
+          </a:p>
+          <a:p>
+            <a:pPr marL="685800" marR="0" lvl="1" indent="-228600" algn="l">
+              <a:lnSpc>
+                <a:spcPct val="88000"/>
+              </a:lnSpc>
+              <a:spcBef>
+                <a:spcPts val="499"/>
+              </a:spcBef>
+              <a:spcAft>
+                <a:spcPts val="0"/>
+              </a:spcAft>
+              <a:buFont typeface="Arial"/>
+              <a:buChar char="•"/>
+              <a:defRPr/>
+            </a:pPr>
+            <a:r>
+              <a:rPr lang="en-US" sz="2200" b="0" i="0" u="none" strike="noStrike" cap="none" spc="0">
+                <a:solidFill>
+                  <a:schemeClr val="tx1"/>
+                </a:solidFill>
+                <a:latin typeface="Arial"/>
+                <a:ea typeface="Arial"/>
+                <a:cs typeface="Arial"/>
+              </a:rPr>
+              <a:t>Can be used for a variety of web applications:</a:t>
+            </a:r>
+            <a:br>
+              <a:rPr lang="en-US" sz="2200" b="0" i="0" u="none" strike="noStrike" cap="none" spc="0">
+                <a:solidFill>
+                  <a:schemeClr val="tx1"/>
+                </a:solidFill>
+                <a:latin typeface="Arial"/>
+                <a:ea typeface="Arial"/>
+                <a:cs typeface="Arial"/>
+              </a:rPr>
+            </a:br>
+            <a:r>
+              <a:rPr lang="en-US" sz="2200" b="0" i="0" u="none" strike="noStrike" cap="none" spc="0">
+                <a:solidFill>
+                  <a:schemeClr val="tx1"/>
+                </a:solidFill>
+                <a:latin typeface="Arial"/>
+                <a:ea typeface="Arial"/>
+                <a:cs typeface="Arial"/>
+              </a:rPr>
+              <a:t>blogs, business websites, e-commerce platforms</a:t>
+            </a:r>
+            <a:endParaRPr lang="en-US" sz="2200" b="0" i="0" u="none" strike="noStrike" cap="none" spc="0">
+              <a:solidFill>
+                <a:schemeClr val="tx1"/>
+              </a:solidFill>
+              <a:latin typeface="Arial"/>
+              <a:cs typeface="Arial"/>
+            </a:endParaRPr>
+          </a:p>
+        </p:txBody>
+      </p:sp>
+      <p:sp>
+        <p:nvSpPr>
+          <p:cNvPr id="1178699202" name="Date Placeholder 3"/>
           <p:cNvSpPr>
             <a:spLocks noGrp="1"/>
           </p:cNvSpPr>
@@ -8295,14 +9520,7 @@
             <a:pPr>
               <a:defRPr/>
             </a:pPr>
-            <a:r>
-              <a:rPr lang="en-US"/>
-              <a:t>5/12/2025</a:t>
-            </a:r>
-            <a:br>
-              <a:rPr lang="en-US"/>
-            </a:br>
-            <a:fld id="{21D3477C-2F5F-EA99-BC5E-B1BAF862624F}" type="datetime1">
+            <a:fld id="{C9BF64EA-6B22-FD53-9114-4C9B28544DFE}" type="datetime1">
               <a:rPr lang="en-US"/>
               <a:t/>
             </a:fld>
@@ -8312,7 +9530,7 @@
       </p:sp>
       <p:sp>
         <p:nvSpPr>
-          <p:cNvPr id="666212568" name="Footer Placeholder 4"/>
+          <p:cNvPr id="1556982623" name="Footer Placeholder 4"/>
           <p:cNvSpPr>
             <a:spLocks noGrp="1"/>
           </p:cNvSpPr>
@@ -8338,7 +9556,7 @@
       </p:sp>
       <p:sp>
         <p:nvSpPr>
-          <p:cNvPr id="1046639555" name="Slide Number Placeholder 5"/>
+          <p:cNvPr id="251451150" name="Slide Number Placeholder 5"/>
           <p:cNvSpPr>
             <a:spLocks noGrp="1"/>
           </p:cNvSpPr>
@@ -8354,7 +9572,7 @@
             <a:pPr>
               <a:defRPr/>
             </a:pPr>
-            <a:fld id="{A8773488-56F3-3571-B8BC-2A0DAC828560}" type="slidenum">
+            <a:fld id="{15C8E243-EE19-E97E-8E5C-89A89C8C13E9}" type="slidenum">
               <a:rPr lang="en-US"/>
               <a:t/>
             </a:fld>
@@ -8397,7 +9615,7 @@
       </p:grpSpPr>
       <p:sp>
         <p:nvSpPr>
-          <p:cNvPr id="1343139789" name="Title 1"/>
+          <p:cNvPr id="1441996285" name="Title 1"/>
           <p:cNvSpPr>
             <a:spLocks noGrp="1"/>
           </p:cNvSpPr>
@@ -8415,15 +9633,15 @@
             </a:pPr>
             <a:r>
               <a:rPr/>
-              <a:t>Sasto Nordic</a:t>
-            </a:r>
-            <a:endParaRPr/>
-          </a:p>
-        </p:txBody>
-      </p:sp>
-      <p:sp>
-        <p:nvSpPr>
-          <p:cNvPr id="1081783935" name="Content Placeholder 2"/>
+              <a:t>Background Study</a:t>
+            </a:r>
+            <a:endParaRPr/>
+          </a:p>
+        </p:txBody>
+      </p:sp>
+      <p:sp>
+        <p:nvSpPr>
+          <p:cNvPr id="1056126825" name="Content Placeholder 2"/>
           <p:cNvSpPr>
             <a:spLocks noGrp="1"/>
           </p:cNvSpPr>
@@ -8434,7 +9652,7 @@
         <p:spPr bwMode="auto"/>
         <p:txBody>
           <a:bodyPr vertOverflow="overflow" horzOverflow="overflow" vert="horz" wrap="square" lIns="91440" tIns="45720" rIns="91440" bIns="45720" numCol="1" spcCol="0" rtlCol="0" fromWordArt="0" anchor="t" anchorCtr="0" forceAA="0" upright="0" compatLnSpc="0">
-            <a:normAutofit fontScale="90000" lnSpcReduction="2000"/>
+            <a:normAutofit/>
           </a:bodyPr>
           <a:lstStyle/>
           <a:p>
@@ -8442,7 +9660,23 @@
               <a:defRPr/>
             </a:pPr>
             <a:r>
-              <a:rPr lang="en-US" sz="2800" b="0" i="0" u="none" strike="noStrike" cap="none" spc="0">
+              <a:rPr/>
+              <a:t>Elementor:</a:t>
+            </a:r>
+            <a:endParaRPr/>
+          </a:p>
+          <a:p>
+            <a:pPr lvl="1">
+              <a:defRPr/>
+            </a:pPr>
+            <a:endParaRPr/>
+          </a:p>
+          <a:p>
+            <a:pPr lvl="1">
+              <a:defRPr/>
+            </a:pPr>
+            <a:r>
+              <a:rPr lang="en-US" sz="2400" b="0" i="0" u="none" strike="noStrike" cap="none" spc="0">
                 <a:solidFill>
                   <a:schemeClr val="tx1"/>
                 </a:solidFill>
@@ -8450,179 +9684,15 @@
                 <a:ea typeface="Arial"/>
                 <a:cs typeface="Arial"/>
               </a:rPr>
-              <a:t>Startup that sold Nepali products in Nordic countries</a:t>
-            </a:r>
-            <a:br>
-              <a:rPr lang="en-US" sz="2800" b="0" i="0" u="none" strike="noStrike" cap="none" spc="0">
-                <a:solidFill>
-                  <a:schemeClr val="tx1"/>
-                </a:solidFill>
-                <a:latin typeface="Arial"/>
-                <a:ea typeface="Arial"/>
-                <a:cs typeface="Arial"/>
-              </a:rPr>
-            </a:br>
-            <a:r>
-              <a:rPr lang="en-US" sz="2800" b="0" i="0" u="none" strike="noStrike" cap="none" spc="0">
-                <a:solidFill>
-                  <a:schemeClr val="tx1"/>
-                </a:solidFill>
-                <a:latin typeface="Arial"/>
-                <a:ea typeface="Arial"/>
-                <a:cs typeface="Arial"/>
-              </a:rPr>
-              <a:t>(Denmark, Norway, Sweden)</a:t>
-            </a:r>
-            <a:endParaRPr lang="en-US" sz="2800" b="0" i="0" u="none" strike="noStrike" cap="none" spc="0">
-              <a:solidFill>
-                <a:schemeClr val="tx1"/>
-              </a:solidFill>
-              <a:latin typeface="Arial"/>
-              <a:cs typeface="Arial"/>
-            </a:endParaRPr>
-          </a:p>
-          <a:p>
-            <a:pPr>
-              <a:defRPr/>
-            </a:pPr>
-            <a:endParaRPr lang="en-US" sz="2800" b="0" i="0" u="none" strike="noStrike" cap="none" spc="0">
-              <a:solidFill>
-                <a:schemeClr val="tx1"/>
-              </a:solidFill>
-              <a:latin typeface="Arial"/>
-              <a:cs typeface="Arial"/>
-            </a:endParaRPr>
-          </a:p>
-          <a:p>
-            <a:pPr>
-              <a:defRPr/>
-            </a:pPr>
-            <a:r>
-              <a:rPr lang="en-US" sz="2800" b="1" i="0" u="none" strike="noStrike" cap="none" spc="0">
-                <a:solidFill>
-                  <a:schemeClr val="tx1"/>
-                </a:solidFill>
-                <a:latin typeface="Arial"/>
-                <a:ea typeface="Arial"/>
-                <a:cs typeface="Arial"/>
-              </a:rPr>
-              <a:t>Project:</a:t>
-            </a:r>
-            <a:r>
-              <a:rPr lang="en-US" sz="2800" b="0" i="0" u="none" strike="noStrike" cap="none" spc="0">
-                <a:solidFill>
-                  <a:schemeClr val="tx1"/>
-                </a:solidFill>
-                <a:latin typeface="Arial"/>
-                <a:ea typeface="Arial"/>
-                <a:cs typeface="Arial"/>
-              </a:rPr>
-              <a:t> E-commerce site &amp; Branding materials</a:t>
-            </a:r>
-            <a:endParaRPr lang="en-US" sz="2800" b="0" i="0" u="none" strike="noStrike" cap="none" spc="0">
-              <a:solidFill>
-                <a:schemeClr val="tx1"/>
-              </a:solidFill>
-              <a:latin typeface="Arial"/>
-              <a:cs typeface="Arial"/>
-            </a:endParaRPr>
-          </a:p>
-          <a:p>
-            <a:pPr>
-              <a:defRPr/>
-            </a:pPr>
-            <a:endParaRPr lang="en-US" sz="2800" b="0" i="0" u="none" strike="noStrike" cap="none" spc="0">
-              <a:solidFill>
-                <a:schemeClr val="tx1"/>
-              </a:solidFill>
-              <a:latin typeface="Arial"/>
-              <a:cs typeface="Arial"/>
-            </a:endParaRPr>
-          </a:p>
-          <a:p>
-            <a:pPr>
-              <a:defRPr/>
-            </a:pPr>
-            <a:r>
-              <a:rPr lang="en-US" sz="2800" b="0" i="0" u="none" strike="noStrike" cap="none" spc="0">
-                <a:solidFill>
-                  <a:schemeClr val="tx1"/>
-                </a:solidFill>
-                <a:latin typeface="Arial"/>
-                <a:ea typeface="Arial"/>
-                <a:cs typeface="Arial"/>
-              </a:rPr>
-              <a:t>Assisted with data entry, testing edge cases, and editing templates</a:t>
-            </a:r>
-            <a:endParaRPr lang="en-US" sz="2800" b="0" i="0" u="none" strike="noStrike" cap="none" spc="0">
-              <a:solidFill>
-                <a:schemeClr val="tx1"/>
-              </a:solidFill>
-              <a:latin typeface="Arial"/>
-              <a:ea typeface="Arial"/>
-              <a:cs typeface="Arial"/>
-            </a:endParaRPr>
-          </a:p>
-          <a:p>
-            <a:pPr>
-              <a:defRPr/>
-            </a:pPr>
-            <a:endParaRPr/>
-          </a:p>
-          <a:p>
-            <a:pPr>
-              <a:defRPr/>
-            </a:pPr>
-            <a:r>
-              <a:rPr lang="en-US" sz="2800" b="0" i="0" u="none" strike="noStrike" cap="none" spc="0">
-                <a:solidFill>
-                  <a:schemeClr val="tx1"/>
-                </a:solidFill>
-                <a:latin typeface="Arial"/>
-                <a:ea typeface="Arial"/>
-                <a:cs typeface="Arial"/>
-              </a:rPr>
-              <a:t>To </a:t>
-            </a:r>
-            <a:r>
-              <a:rPr lang="en-US" sz="2800" b="0" i="0" u="none" strike="noStrike" cap="none" spc="0">
-                <a:solidFill>
-                  <a:schemeClr val="tx1"/>
-                </a:solidFill>
-                <a:latin typeface="Arial"/>
-                <a:ea typeface="Arial"/>
-                <a:cs typeface="Arial"/>
-              </a:rPr>
-              <a:t>familiarize myself with WordPress, Elementor, WooCommerce,</a:t>
-            </a:r>
-            <a:br>
-              <a:rPr lang="en-US" sz="2800" b="0" i="0" u="none" strike="noStrike" cap="none" spc="0">
-                <a:solidFill>
-                  <a:schemeClr val="tx1"/>
-                </a:solidFill>
-                <a:latin typeface="Arial"/>
-                <a:ea typeface="Arial"/>
-                <a:cs typeface="Arial"/>
-              </a:rPr>
-            </a:br>
-            <a:r>
-              <a:rPr lang="en-US" sz="2800" b="0" i="0" u="none" strike="noStrike" cap="none" spc="0">
-                <a:solidFill>
-                  <a:schemeClr val="tx1"/>
-                </a:solidFill>
-                <a:latin typeface="Arial"/>
-                <a:ea typeface="Arial"/>
-                <a:cs typeface="Arial"/>
-              </a:rPr>
-              <a:t>&amp; the company's WordPress workflow</a:t>
-            </a:r>
-            <a:endParaRPr/>
-          </a:p>
-        </p:txBody>
-      </p:sp>
-      <p:sp>
-        <p:nvSpPr>
-          <p:cNvPr id="1999530624" name="Date Placeholder 3"/>
+              <a:t>Low-code page builder plugin for WordPress</a:t>
+            </a:r>
+            <a:endParaRPr/>
+          </a:p>
+        </p:txBody>
+      </p:sp>
+      <p:sp>
+        <p:nvSpPr>
+          <p:cNvPr id="404707532" name="Date Placeholder 3"/>
           <p:cNvSpPr>
             <a:spLocks noGrp="1"/>
           </p:cNvSpPr>
@@ -8638,14 +9708,7 @@
             <a:pPr>
               <a:defRPr/>
             </a:pPr>
-            <a:r>
-              <a:rPr lang="en-US"/>
-              <a:t>5/12/2025</a:t>
-            </a:r>
-            <a:br>
-              <a:rPr lang="en-US"/>
-            </a:br>
-            <a:fld id="{723457AB-D960-7CBB-A27A-89E614009567}" type="datetime1">
+            <a:fld id="{40D637A3-02B3-AB0E-662F-3FD55D072F02}" type="datetime1">
               <a:rPr lang="en-US"/>
               <a:t/>
             </a:fld>
@@ -8655,7 +9718,7 @@
       </p:sp>
       <p:sp>
         <p:nvSpPr>
-          <p:cNvPr id="2145370986" name="Footer Placeholder 4"/>
+          <p:cNvPr id="350835095" name="Footer Placeholder 4"/>
           <p:cNvSpPr>
             <a:spLocks noGrp="1"/>
           </p:cNvSpPr>
@@ -8681,7 +9744,7 @@
       </p:sp>
       <p:sp>
         <p:nvSpPr>
-          <p:cNvPr id="1770425460" name="Slide Number Placeholder 5"/>
+          <p:cNvPr id="842274201" name="Slide Number Placeholder 5"/>
           <p:cNvSpPr>
             <a:spLocks noGrp="1"/>
           </p:cNvSpPr>
@@ -8697,7 +9760,7 @@
             <a:pPr>
               <a:defRPr/>
             </a:pPr>
-            <a:fld id="{B48C593D-D5B0-9761-DF69-785A93012809}" type="slidenum">
+            <a:fld id="{6ADAC3CF-9FBE-04AC-F6FB-12FB2E5664CB}" type="slidenum">
               <a:rPr lang="en-US"/>
               <a:t/>
             </a:fld>
@@ -8740,7 +9803,7 @@
       </p:grpSpPr>
       <p:sp>
         <p:nvSpPr>
-          <p:cNvPr id="1766857395" name="Title 1"/>
+          <p:cNvPr id="507924335" name="Title 1"/>
           <p:cNvSpPr>
             <a:spLocks noGrp="1"/>
           </p:cNvSpPr>
@@ -8757,23 +9820,144 @@
               <a:defRPr/>
             </a:pPr>
             <a:r>
-              <a:rPr lang="en-US" sz="4400" b="0" i="0" u="none" strike="noStrike" cap="none" spc="0">
+              <a:rPr/>
+              <a:t>Responsibilities</a:t>
+            </a:r>
+            <a:endParaRPr/>
+          </a:p>
+        </p:txBody>
+      </p:sp>
+      <p:sp>
+        <p:nvSpPr>
+          <p:cNvPr id="781272120" name="Content Placeholder 2"/>
+          <p:cNvSpPr>
+            <a:spLocks noGrp="1"/>
+          </p:cNvSpPr>
+          <p:nvPr>
+            <p:ph idx="1"/>
+          </p:nvPr>
+        </p:nvSpPr>
+        <p:spPr bwMode="auto"/>
+        <p:txBody>
+          <a:bodyPr/>
+          <a:lstStyle/>
+          <a:p>
+            <a:pPr>
+              <a:defRPr/>
+            </a:pPr>
+            <a:r>
+              <a:rPr lang="en-US" sz="2800" b="0" i="0" u="none" strike="noStrike" cap="none" spc="0">
                 <a:solidFill>
                   <a:schemeClr val="tx1"/>
                 </a:solidFill>
-                <a:latin typeface="+mj-lt"/>
-                <a:ea typeface="+mj-ea"/>
-                <a:cs typeface="+mj-cs"/>
+                <a:latin typeface="Arial"/>
+                <a:ea typeface="Arial"/>
+                <a:cs typeface="Arial"/>
               </a:rPr>
-              <a:t>Sasto Nordic</a:t>
-            </a:r>
-            <a:endParaRPr sz="4400"/>
-          </a:p>
-        </p:txBody>
-      </p:sp>
-      <p:sp>
-        <p:nvSpPr>
-          <p:cNvPr id="340289493" name="Date Placeholder 3"/>
+              <a:t>Developing responsive websites using WordPress, Elementor</a:t>
+            </a:r>
+            <a:endParaRPr/>
+          </a:p>
+          <a:p>
+            <a:pPr>
+              <a:defRPr/>
+            </a:pPr>
+            <a:endParaRPr sz="2800" b="0" i="0" u="none" strike="noStrike" cap="none" spc="0">
+              <a:solidFill>
+                <a:schemeClr val="tx1"/>
+              </a:solidFill>
+              <a:latin typeface="Arial"/>
+              <a:ea typeface="Arial"/>
+              <a:cs typeface="Arial"/>
+            </a:endParaRPr>
+          </a:p>
+          <a:p>
+            <a:pPr>
+              <a:defRPr/>
+            </a:pPr>
+            <a:r>
+              <a:rPr lang="en-US" sz="2800" b="0" i="0" u="none" strike="noStrike" cap="none" spc="0">
+                <a:solidFill>
+                  <a:schemeClr val="tx1"/>
+                </a:solidFill>
+                <a:latin typeface="Arial"/>
+                <a:ea typeface="Arial"/>
+                <a:cs typeface="Arial"/>
+              </a:rPr>
+              <a:t>Collaborate with designers, developers</a:t>
+            </a:r>
+            <a:endParaRPr/>
+          </a:p>
+          <a:p>
+            <a:pPr>
+              <a:defRPr/>
+            </a:pPr>
+            <a:endParaRPr lang="en-US" sz="2800" b="0" i="0" u="none" strike="noStrike" cap="none" spc="0">
+              <a:solidFill>
+                <a:schemeClr val="tx1"/>
+              </a:solidFill>
+              <a:latin typeface="Arial"/>
+              <a:cs typeface="Arial"/>
+            </a:endParaRPr>
+          </a:p>
+          <a:p>
+            <a:pPr>
+              <a:defRPr/>
+            </a:pPr>
+            <a:r>
+              <a:rPr lang="en-US" sz="2800" b="0" i="0" u="none" strike="noStrike" cap="none" spc="0">
+                <a:solidFill>
+                  <a:schemeClr val="tx1"/>
+                </a:solidFill>
+                <a:latin typeface="Arial"/>
+                <a:ea typeface="Arial"/>
+                <a:cs typeface="Arial"/>
+              </a:rPr>
+              <a:t>Configure WordPress settings, plugins to meet requirements</a:t>
+            </a:r>
+            <a:endParaRPr lang="en-US" sz="2800" b="0" i="0" u="none" strike="noStrike" cap="none" spc="0">
+              <a:solidFill>
+                <a:schemeClr val="tx1"/>
+              </a:solidFill>
+              <a:latin typeface="Arial"/>
+              <a:ea typeface="Arial"/>
+              <a:cs typeface="Arial"/>
+            </a:endParaRPr>
+          </a:p>
+          <a:p>
+            <a:pPr>
+              <a:defRPr/>
+            </a:pPr>
+            <a:endParaRPr lang="en-US" sz="2800" b="0" i="0" u="none" strike="noStrike" cap="none" spc="0">
+              <a:solidFill>
+                <a:schemeClr val="tx1"/>
+              </a:solidFill>
+              <a:latin typeface="Arial"/>
+              <a:cs typeface="Arial"/>
+            </a:endParaRPr>
+          </a:p>
+          <a:p>
+            <a:pPr>
+              <a:defRPr/>
+            </a:pPr>
+            <a:r>
+              <a:rPr lang="en-US" sz="2800" b="0" i="0" u="none" strike="noStrike" cap="none" spc="0">
+                <a:solidFill>
+                  <a:schemeClr val="tx1"/>
+                </a:solidFill>
+                <a:latin typeface="Arial"/>
+                <a:ea typeface="Arial"/>
+                <a:cs typeface="Arial"/>
+              </a:rPr>
+              <a:t>Perform website maintenance tasks, debug issues, and optimize website</a:t>
+            </a:r>
+            <a:endParaRPr/>
+          </a:p>
+        </p:txBody>
+      </p:sp>
+      <p:sp>
+        <p:nvSpPr>
+          <p:cNvPr id="460285260" name="Date Placeholder 3"/>
           <p:cNvSpPr>
             <a:spLocks noGrp="1"/>
           </p:cNvSpPr>
@@ -8791,12 +9975,12 @@
             </a:pPr>
             <a:r>
               <a:rPr lang="en-US"/>
-              <a:t>5/12/2025</a:t>
+              <a:t>5/12/20255/13/2025</a:t>
             </a:r>
             <a:br>
               <a:rPr lang="en-US"/>
             </a:br>
-            <a:fld id="{4A3CC366-A62E-0207-EDE7-98899BFC59DB}" type="datetime1">
+            <a:fld id="{58A39CFC-48FB-D977-5DCA-7F5CF965C246}" type="datetime1">
               <a:rPr lang="en-US"/>
               <a:t/>
             </a:fld>
@@ -8806,7 +9990,7 @@
       </p:sp>
       <p:sp>
         <p:nvSpPr>
-          <p:cNvPr id="1374558426" name="Footer Placeholder 4"/>
+          <p:cNvPr id="864737834" name="Footer Placeholder 4"/>
           <p:cNvSpPr>
             <a:spLocks noGrp="1"/>
           </p:cNvSpPr>
@@ -8832,7 +10016,7 @@
       </p:sp>
       <p:sp>
         <p:nvSpPr>
-          <p:cNvPr id="1389647559" name="Slide Number Placeholder 5"/>
+          <p:cNvPr id="1624587452" name="Slide Number Placeholder 5"/>
           <p:cNvSpPr>
             <a:spLocks noGrp="1"/>
           </p:cNvSpPr>
@@ -8848,7 +10032,7 @@
             <a:pPr>
               <a:defRPr/>
             </a:pPr>
-            <a:fld id="{3AD95713-A622-CBDC-6AD9-37F38D2B79D7}" type="slidenum">
+            <a:fld id="{7B83E2CC-D5D7-F39C-ECF6-BBFD759DA4EB}" type="slidenum">
               <a:rPr lang="en-US"/>
               <a:t/>
             </a:fld>
@@ -8856,50 +10040,6 @@
           </a:p>
         </p:txBody>
       </p:sp>
-      <p:pic>
-        <p:nvPicPr>
-          <p:cNvPr id="1662987528" name=""/>
-          <p:cNvPicPr>
-            <a:picLocks noChangeAspect="1"/>
-          </p:cNvPicPr>
-          <p:nvPr/>
-        </p:nvPicPr>
-        <p:blipFill>
-          <a:blip r:embed="rId3"/>
-          <a:stretch/>
-        </p:blipFill>
-        <p:spPr bwMode="auto">
-          <a:xfrm flipH="0" flipV="0">
-            <a:off x="838198" y="2132383"/>
-            <a:ext cx="4858356" cy="2562609"/>
-          </a:xfrm>
-          <a:prstGeom prst="rect">
-            <a:avLst/>
-          </a:prstGeom>
-        </p:spPr>
-      </p:pic>
-      <p:pic>
-        <p:nvPicPr>
-          <p:cNvPr id="1501218235" name=""/>
-          <p:cNvPicPr>
-            <a:picLocks noChangeAspect="1"/>
-          </p:cNvPicPr>
-          <p:nvPr/>
-        </p:nvPicPr>
-        <p:blipFill>
-          <a:blip r:embed="rId4"/>
-          <a:stretch/>
-        </p:blipFill>
-        <p:spPr bwMode="auto">
-          <a:xfrm flipH="0" flipV="0">
-            <a:off x="6536099" y="2132383"/>
-            <a:ext cx="4916413" cy="2593232"/>
-          </a:xfrm>
-          <a:prstGeom prst="rect">
-            <a:avLst/>
-          </a:prstGeom>
-        </p:spPr>
-      </p:pic>
     </p:spTree>
   </p:cSld>
   <p:clrMapOvr>
@@ -8935,7 +10075,7 @@
       </p:grpSpPr>
       <p:sp>
         <p:nvSpPr>
-          <p:cNvPr id="408074873" name="Title 1"/>
+          <p:cNvPr id="433414203" name="Title 1"/>
           <p:cNvSpPr>
             <a:spLocks noGrp="1"/>
           </p:cNvSpPr>
@@ -8945,40 +10085,7 @@
         </p:nvSpPr>
         <p:spPr bwMode="auto"/>
         <p:txBody>
-          <a:bodyPr/>
-          <a:lstStyle/>
-          <a:p>
-            <a:pPr>
-              <a:defRPr/>
-            </a:pPr>
-            <a:r>
-              <a:rPr lang="en-US" sz="4400" b="0" i="0" u="none" strike="noStrike" cap="none" spc="0">
-                <a:solidFill>
-                  <a:schemeClr val="tx1"/>
-                </a:solidFill>
-                <a:latin typeface="Arial"/>
-                <a:ea typeface="Arial"/>
-                <a:cs typeface="Arial"/>
-              </a:rPr>
-              <a:t>Tarkeshwar Dental</a:t>
-            </a:r>
-            <a:endParaRPr sz="4400"/>
-          </a:p>
-        </p:txBody>
-      </p:sp>
-      <p:sp>
-        <p:nvSpPr>
-          <p:cNvPr id="1534701364" name="Content Placeholder 2"/>
-          <p:cNvSpPr>
-            <a:spLocks noGrp="1"/>
-          </p:cNvSpPr>
-          <p:nvPr>
-            <p:ph idx="1"/>
-          </p:nvPr>
-        </p:nvSpPr>
-        <p:spPr bwMode="auto"/>
-        <p:txBody>
-          <a:bodyPr vertOverflow="overflow" horzOverflow="overflow" vert="horz" wrap="square" lIns="91440" tIns="45720" rIns="91440" bIns="45720" numCol="1" spcCol="0" rtlCol="0" fromWordArt="0" anchor="t" anchorCtr="0" forceAA="0" upright="0" compatLnSpc="0">
+          <a:bodyPr vertOverflow="overflow" horzOverflow="overflow" vert="horz" wrap="square" lIns="91440" tIns="45720" rIns="91440" bIns="45720" numCol="1" spcCol="0" rtlCol="0" fromWordArt="0" anchor="ctr" anchorCtr="0" forceAA="0" upright="0" compatLnSpc="0">
             <a:normAutofit/>
           </a:bodyPr>
           <a:lstStyle/>
@@ -8987,141 +10094,119 @@
               <a:defRPr/>
             </a:pPr>
             <a:r>
-              <a:rPr lang="en-US" sz="2500" b="1" i="0" u="none" strike="noStrike" cap="none" spc="0">
-                <a:solidFill>
-                  <a:schemeClr val="tx1"/>
-                </a:solidFill>
-                <a:latin typeface="Arial"/>
-                <a:ea typeface="Arial"/>
-                <a:cs typeface="Arial"/>
-              </a:rPr>
-              <a:t>Project:</a:t>
-            </a:r>
-            <a:r>
-              <a:rPr lang="en-US" sz="2500" b="0" i="0" u="none" strike="noStrike" cap="none" spc="0">
-                <a:solidFill>
-                  <a:schemeClr val="tx1"/>
-                </a:solidFill>
-                <a:latin typeface="Arial"/>
-                <a:ea typeface="Arial"/>
-                <a:cs typeface="Arial"/>
-              </a:rPr>
-              <a:t> Informational website for a dental clinic &amp; their services</a:t>
-            </a:r>
-            <a:endParaRPr lang="en-US" sz="2500" b="0" i="0" u="none" strike="noStrike" cap="none" spc="0">
-              <a:solidFill>
-                <a:schemeClr val="tx1"/>
-              </a:solidFill>
-              <a:latin typeface="Arial"/>
-              <a:ea typeface="Arial"/>
-              <a:cs typeface="Arial"/>
-            </a:endParaRPr>
-          </a:p>
-          <a:p>
-            <a:pPr>
-              <a:defRPr/>
-            </a:pPr>
-            <a:endParaRPr lang="en-US" sz="2500" b="0" i="0" u="none" strike="noStrike" cap="none" spc="0">
-              <a:solidFill>
-                <a:schemeClr val="tx1"/>
-              </a:solidFill>
-              <a:latin typeface="Arial"/>
-              <a:cs typeface="Arial"/>
-            </a:endParaRPr>
-          </a:p>
-          <a:p>
-            <a:pPr>
-              <a:defRPr/>
-            </a:pPr>
-            <a:r>
-              <a:rPr lang="en-US" sz="2500" b="0" i="0" u="none" strike="noStrike" cap="none" spc="0">
-                <a:solidFill>
-                  <a:schemeClr val="tx1"/>
-                </a:solidFill>
-                <a:latin typeface="Arial"/>
-                <a:ea typeface="Arial"/>
-                <a:cs typeface="Arial"/>
-              </a:rPr>
-              <a:t>Joined client meetings to understand project goals</a:t>
-            </a:r>
-            <a:endParaRPr lang="en-US" sz="2500" b="0" i="0" u="none" strike="noStrike" cap="none" spc="0">
-              <a:solidFill>
-                <a:schemeClr val="tx1"/>
-              </a:solidFill>
-              <a:latin typeface="Arial"/>
-              <a:ea typeface="Arial"/>
-              <a:cs typeface="Arial"/>
-            </a:endParaRPr>
-          </a:p>
-          <a:p>
-            <a:pPr>
-              <a:defRPr/>
-            </a:pPr>
-            <a:endParaRPr lang="en-US" sz="2500" b="0" i="0" u="none" strike="noStrike" cap="none" spc="0">
-              <a:solidFill>
-                <a:schemeClr val="tx1"/>
-              </a:solidFill>
-              <a:latin typeface="Arial"/>
-              <a:cs typeface="Arial"/>
-            </a:endParaRPr>
-          </a:p>
-          <a:p>
-            <a:pPr>
-              <a:defRPr/>
-            </a:pPr>
-            <a:r>
-              <a:rPr lang="en-US" sz="2500" b="0" i="0" u="none" strike="noStrike" cap="none" spc="0">
-                <a:solidFill>
-                  <a:schemeClr val="tx1"/>
-                </a:solidFill>
-                <a:latin typeface="Arial"/>
-                <a:ea typeface="Arial"/>
-                <a:cs typeface="Arial"/>
-              </a:rPr>
-              <a:t>Built majority of site, learning advanced WordPress features</a:t>
-            </a:r>
-            <a:endParaRPr lang="en-US" sz="2500" b="0" i="0" u="none" strike="noStrike" cap="none" spc="0">
-              <a:solidFill>
-                <a:schemeClr val="tx1"/>
-              </a:solidFill>
-              <a:latin typeface="Arial"/>
-              <a:cs typeface="Arial"/>
-            </a:endParaRPr>
-          </a:p>
-          <a:p>
-            <a:pPr>
-              <a:defRPr/>
-            </a:pPr>
-            <a:endParaRPr lang="en-US" sz="2500" b="0" i="0" u="none" strike="noStrike" cap="none" spc="0">
-              <a:solidFill>
-                <a:schemeClr val="tx1"/>
-              </a:solidFill>
-              <a:latin typeface="Arial"/>
-              <a:cs typeface="Arial"/>
-            </a:endParaRPr>
-          </a:p>
-          <a:p>
-            <a:pPr>
-              <a:defRPr/>
-            </a:pPr>
-            <a:r>
-              <a:rPr lang="en-US" sz="2500" b="0" i="0" u="none" strike="noStrike" cap="none" spc="0">
-                <a:solidFill>
-                  <a:schemeClr val="tx1"/>
-                </a:solidFill>
-                <a:latin typeface="Arial"/>
-                <a:ea typeface="Arial"/>
-                <a:cs typeface="Arial"/>
-              </a:rPr>
-              <a:t>Learned local development setup, deployment and team workflows</a:t>
-            </a:r>
-            <a:endParaRPr/>
-          </a:p>
-        </p:txBody>
-      </p:sp>
-      <p:sp>
-        <p:nvSpPr>
-          <p:cNvPr id="1146390652" name="Date Placeholder 3"/>
+              <a:rPr/>
+              <a:t>Projects Involved</a:t>
+            </a:r>
+            <a:endParaRPr/>
+          </a:p>
+        </p:txBody>
+      </p:sp>
+      <p:sp>
+        <p:nvSpPr>
+          <p:cNvPr id="1594663000" name="Content Placeholder 2"/>
+          <p:cNvSpPr>
+            <a:spLocks noGrp="1"/>
+          </p:cNvSpPr>
+          <p:nvPr>
+            <p:ph idx="1"/>
+          </p:nvPr>
+        </p:nvSpPr>
+        <p:spPr bwMode="auto"/>
+        <p:txBody>
+          <a:bodyPr/>
+          <a:lstStyle/>
+          <a:p>
+            <a:pPr>
+              <a:defRPr/>
+            </a:pPr>
+            <a:r>
+              <a:rPr/>
+              <a:t>Worked on multiple website, web-app projects, </a:t>
+            </a:r>
+            <a:br>
+              <a:rPr/>
+            </a:br>
+            <a:r>
+              <a:rPr/>
+              <a:t>including:</a:t>
+            </a:r>
+            <a:endParaRPr/>
+          </a:p>
+          <a:p>
+            <a:pPr lvl="1">
+              <a:defRPr/>
+            </a:pPr>
+            <a:endParaRPr/>
+          </a:p>
+          <a:p>
+            <a:pPr lvl="1">
+              <a:defRPr/>
+            </a:pPr>
+            <a:r>
+              <a:rPr/>
+              <a:t>Sasto Nordic’s e-commerce store</a:t>
+            </a:r>
+            <a:endParaRPr/>
+          </a:p>
+          <a:p>
+            <a:pPr lvl="1">
+              <a:defRPr/>
+            </a:pPr>
+            <a:endParaRPr/>
+          </a:p>
+          <a:p>
+            <a:pPr lvl="1">
+              <a:defRPr/>
+            </a:pPr>
+            <a:r>
+              <a:rPr/>
+              <a:t>Tarkeshwar Dental’s website</a:t>
+            </a:r>
+            <a:endParaRPr/>
+          </a:p>
+          <a:p>
+            <a:pPr lvl="1">
+              <a:defRPr/>
+            </a:pPr>
+            <a:endParaRPr/>
+          </a:p>
+          <a:p>
+            <a:pPr lvl="1">
+              <a:defRPr/>
+            </a:pPr>
+            <a:r>
+              <a:rPr/>
+              <a:t>GLOHMED website maintenance &amp; newsletter</a:t>
+            </a:r>
+            <a:endParaRPr/>
+          </a:p>
+          <a:p>
+            <a:pPr lvl="1">
+              <a:defRPr/>
+            </a:pPr>
+            <a:endParaRPr/>
+          </a:p>
+          <a:p>
+            <a:pPr lvl="1">
+              <a:defRPr/>
+            </a:pPr>
+            <a:r>
+              <a:rPr/>
+              <a:t>Foreign language exam app</a:t>
+            </a:r>
+            <a:endParaRPr/>
+          </a:p>
+          <a:p>
+            <a:pPr lvl="1">
+              <a:defRPr/>
+            </a:pPr>
+            <a:endParaRPr/>
+          </a:p>
+        </p:txBody>
+      </p:sp>
+      <p:sp>
+        <p:nvSpPr>
+          <p:cNvPr id="1876725447" name="Date Placeholder 3"/>
           <p:cNvSpPr>
             <a:spLocks noGrp="1"/>
           </p:cNvSpPr>
@@ -9139,12 +10224,12 @@
             </a:pPr>
             <a:r>
               <a:rPr lang="en-US"/>
-              <a:t>5/12/2025</a:t>
+              <a:t>5/12/20255/13/2025</a:t>
             </a:r>
             <a:br>
               <a:rPr lang="en-US"/>
             </a:br>
-            <a:fld id="{B81DE219-74D3-9D81-3AC2-4A6EF78AD2DF}" type="datetime1">
+            <a:fld id="{29ABA624-A3F7-E419-B739-4279B0096549}" type="datetime1">
               <a:rPr lang="en-US"/>
               <a:t/>
             </a:fld>
@@ -9154,7 +10239,7 @@
       </p:sp>
       <p:sp>
         <p:nvSpPr>
-          <p:cNvPr id="1487356875" name="Footer Placeholder 4"/>
+          <p:cNvPr id="1051063888" name="Footer Placeholder 4"/>
           <p:cNvSpPr>
             <a:spLocks noGrp="1"/>
           </p:cNvSpPr>
@@ -9180,7 +10265,7 @@
       </p:sp>
       <p:sp>
         <p:nvSpPr>
-          <p:cNvPr id="27495526" name="Slide Number Placeholder 5"/>
+          <p:cNvPr id="1470794946" name="Slide Number Placeholder 5"/>
           <p:cNvSpPr>
             <a:spLocks noGrp="1"/>
           </p:cNvSpPr>
@@ -9196,7 +10281,7 @@
             <a:pPr>
               <a:defRPr/>
             </a:pPr>
-            <a:fld id="{B8686DCE-2E9E-8F2F-D3B3-B5F7A56E6C3A}" type="slidenum">
+            <a:fld id="{A8773488-56F3-3571-B8BC-2A0DAC828560}" type="slidenum">
               <a:rPr lang="en-US"/>
               <a:t/>
             </a:fld>
